--- a/A Zongora.pptx
+++ b/A Zongora.pptx
@@ -2,12 +2,16 @@
 <file path=ppt/presentation.xml><?xml version="1.0" encoding="utf-8"?>
 <p:presentation xmlns:a="http://schemas.openxmlformats.org/drawingml/2006/main" xmlns:r="http://schemas.openxmlformats.org/officeDocument/2006/relationships" xmlns:p="http://schemas.openxmlformats.org/presentationml/2006/main" saveSubsetFonts="1">
   <p:sldMasterIdLst>
-    <p:sldMasterId id="2147483648" r:id="rId1"/>
+    <p:sldMasterId id="2147483740" r:id="rId1"/>
   </p:sldMasterIdLst>
   <p:sldIdLst>
     <p:sldId id="256" r:id="rId2"/>
     <p:sldId id="257" r:id="rId3"/>
     <p:sldId id="258" r:id="rId4"/>
+    <p:sldId id="261" r:id="rId5"/>
+    <p:sldId id="260" r:id="rId6"/>
+    <p:sldId id="262" r:id="rId7"/>
+    <p:sldId id="263" r:id="rId8"/>
   </p:sldIdLst>
   <p:sldSz cx="12192000" cy="6858000"/>
   <p:notesSz cx="6858000" cy="9144000"/>
@@ -106,11 +110,31 @@
       </a:defRPr>
     </a:lvl9pPr>
   </p:defaultTextStyle>
+  <p:extLst>
+    <p:ext uri="{521415D9-36F7-43E2-AB2F-B90AF26B5E84}">
+      <p14:sectionLst xmlns:p14="http://schemas.microsoft.com/office/powerpoint/2010/main">
+        <p14:section name="Alapértelmezett szakasz" id="{EEE75A79-2050-441A-B762-E9B21C76D04A}">
+          <p14:sldIdLst>
+            <p14:sldId id="256"/>
+            <p14:sldId id="257"/>
+            <p14:sldId id="258"/>
+            <p14:sldId id="261"/>
+            <p14:sldId id="260"/>
+            <p14:sldId id="262"/>
+            <p14:sldId id="263"/>
+          </p14:sldIdLst>
+        </p14:section>
+      </p14:sectionLst>
+    </p:ext>
+    <p:ext uri="{EFAFB233-063F-42B5-8137-9DF3F51BA10A}">
+      <p15:sldGuideLst xmlns:p15="http://schemas.microsoft.com/office/powerpoint/2012/main"/>
+    </p:ext>
+  </p:extLst>
 </p:presentation>
 </file>
 
 <file path=ppt/slideLayouts/slideLayout1.xml><?xml version="1.0" encoding="utf-8"?>
-<p:sldLayout xmlns:a="http://schemas.openxmlformats.org/drawingml/2006/main" xmlns:r="http://schemas.openxmlformats.org/officeDocument/2006/relationships" xmlns:p="http://schemas.openxmlformats.org/presentationml/2006/main" type="title" preserve="1">
+<p:sldLayout xmlns:a="http://schemas.openxmlformats.org/drawingml/2006/main" xmlns:r="http://schemas.openxmlformats.org/officeDocument/2006/relationships" xmlns:p="http://schemas.openxmlformats.org/presentationml/2006/main" showMasterSp="0" type="title" preserve="1">
   <p:cSld name="Címdia">
     <p:spTree>
       <p:nvGrpSpPr>
@@ -126,9 +150,539 @@
           <a:chExt cx="0" cy="0"/>
         </a:xfrm>
       </p:grpSpPr>
-      <p:sp>
-        <p:nvSpPr>
-          <p:cNvPr id="2" name="Cím 1"/>
+      <p:grpSp>
+        <p:nvGrpSpPr>
+          <p:cNvPr id="7" name="Group 6"/>
+          <p:cNvGrpSpPr/>
+          <p:nvPr/>
+        </p:nvGrpSpPr>
+        <p:grpSpPr>
+          <a:xfrm>
+            <a:off x="0" y="-8467"/>
+            <a:ext cx="12192000" cy="6866467"/>
+            <a:chOff x="0" y="-8467"/>
+            <a:chExt cx="12192000" cy="6866467"/>
+          </a:xfrm>
+        </p:grpSpPr>
+        <p:cxnSp>
+          <p:nvCxnSpPr>
+            <p:cNvPr id="32" name="Straight Connector 31"/>
+            <p:cNvCxnSpPr/>
+            <p:nvPr/>
+          </p:nvCxnSpPr>
+          <p:spPr>
+            <a:xfrm>
+              <a:off x="9371012" y="0"/>
+              <a:ext cx="1219200" cy="6858000"/>
+            </a:xfrm>
+            <a:prstGeom prst="line">
+              <a:avLst/>
+            </a:prstGeom>
+            <a:ln w="9525">
+              <a:solidFill>
+                <a:schemeClr val="bg1">
+                  <a:lumMod val="75000"/>
+                </a:schemeClr>
+              </a:solidFill>
+            </a:ln>
+          </p:spPr>
+          <p:style>
+            <a:lnRef idx="2">
+              <a:schemeClr val="accent1"/>
+            </a:lnRef>
+            <a:fillRef idx="0">
+              <a:schemeClr val="accent1"/>
+            </a:fillRef>
+            <a:effectRef idx="1">
+              <a:schemeClr val="accent1"/>
+            </a:effectRef>
+            <a:fontRef idx="minor">
+              <a:schemeClr val="tx1"/>
+            </a:fontRef>
+          </p:style>
+        </p:cxnSp>
+        <p:cxnSp>
+          <p:nvCxnSpPr>
+            <p:cNvPr id="21" name="Straight Connector 20"/>
+            <p:cNvCxnSpPr/>
+            <p:nvPr/>
+          </p:nvCxnSpPr>
+          <p:spPr>
+            <a:xfrm flipH="1">
+              <a:off x="7425267" y="3681413"/>
+              <a:ext cx="4763558" cy="3176587"/>
+            </a:xfrm>
+            <a:prstGeom prst="line">
+              <a:avLst/>
+            </a:prstGeom>
+            <a:ln w="9525">
+              <a:solidFill>
+                <a:schemeClr val="bg1">
+                  <a:lumMod val="85000"/>
+                </a:schemeClr>
+              </a:solidFill>
+            </a:ln>
+          </p:spPr>
+          <p:style>
+            <a:lnRef idx="2">
+              <a:schemeClr val="accent1"/>
+            </a:lnRef>
+            <a:fillRef idx="0">
+              <a:schemeClr val="accent1"/>
+            </a:fillRef>
+            <a:effectRef idx="1">
+              <a:schemeClr val="accent1"/>
+            </a:effectRef>
+            <a:fontRef idx="minor">
+              <a:schemeClr val="tx1"/>
+            </a:fontRef>
+          </p:style>
+        </p:cxnSp>
+        <p:sp>
+          <p:nvSpPr>
+            <p:cNvPr id="24" name="Rectangle 23"/>
+            <p:cNvSpPr/>
+            <p:nvPr/>
+          </p:nvSpPr>
+          <p:spPr>
+            <a:xfrm>
+              <a:off x="9181476" y="-8467"/>
+              <a:ext cx="3007349" cy="6866467"/>
+            </a:xfrm>
+            <a:custGeom>
+              <a:avLst/>
+              <a:gdLst/>
+              <a:ahLst/>
+              <a:cxnLst/>
+              <a:rect l="l" t="t" r="r" b="b"/>
+              <a:pathLst>
+                <a:path w="3007349" h="6866467">
+                  <a:moveTo>
+                    <a:pt x="2045532" y="0"/>
+                  </a:moveTo>
+                  <a:lnTo>
+                    <a:pt x="3007349" y="0"/>
+                  </a:lnTo>
+                  <a:lnTo>
+                    <a:pt x="3007349" y="6866467"/>
+                  </a:lnTo>
+                  <a:lnTo>
+                    <a:pt x="0" y="6866467"/>
+                  </a:lnTo>
+                  <a:lnTo>
+                    <a:pt x="2045532" y="0"/>
+                  </a:lnTo>
+                  <a:close/>
+                </a:path>
+              </a:pathLst>
+            </a:custGeom>
+            <a:solidFill>
+              <a:schemeClr val="accent1">
+                <a:alpha val="30000"/>
+              </a:schemeClr>
+            </a:solidFill>
+            <a:ln>
+              <a:noFill/>
+            </a:ln>
+            <a:effectLst/>
+          </p:spPr>
+          <p:style>
+            <a:lnRef idx="1">
+              <a:schemeClr val="accent1"/>
+            </a:lnRef>
+            <a:fillRef idx="3">
+              <a:schemeClr val="accent1"/>
+            </a:fillRef>
+            <a:effectRef idx="2">
+              <a:schemeClr val="accent1"/>
+            </a:effectRef>
+            <a:fontRef idx="minor">
+              <a:schemeClr val="lt1"/>
+            </a:fontRef>
+          </p:style>
+        </p:sp>
+        <p:sp>
+          <p:nvSpPr>
+            <p:cNvPr id="26" name="Rectangle 25"/>
+            <p:cNvSpPr/>
+            <p:nvPr/>
+          </p:nvSpPr>
+          <p:spPr>
+            <a:xfrm>
+              <a:off x="9603442" y="-8467"/>
+              <a:ext cx="2588558" cy="6866467"/>
+            </a:xfrm>
+            <a:custGeom>
+              <a:avLst/>
+              <a:gdLst/>
+              <a:ahLst/>
+              <a:cxnLst/>
+              <a:rect l="l" t="t" r="r" b="b"/>
+              <a:pathLst>
+                <a:path w="2573311" h="6866467">
+                  <a:moveTo>
+                    <a:pt x="0" y="0"/>
+                  </a:moveTo>
+                  <a:lnTo>
+                    <a:pt x="2573311" y="0"/>
+                  </a:lnTo>
+                  <a:lnTo>
+                    <a:pt x="2573311" y="6866467"/>
+                  </a:lnTo>
+                  <a:lnTo>
+                    <a:pt x="1202336" y="6866467"/>
+                  </a:lnTo>
+                  <a:lnTo>
+                    <a:pt x="0" y="0"/>
+                  </a:lnTo>
+                  <a:close/>
+                </a:path>
+              </a:pathLst>
+            </a:custGeom>
+            <a:solidFill>
+              <a:schemeClr val="accent1">
+                <a:alpha val="20000"/>
+              </a:schemeClr>
+            </a:solidFill>
+            <a:ln>
+              <a:noFill/>
+            </a:ln>
+            <a:effectLst/>
+          </p:spPr>
+          <p:style>
+            <a:lnRef idx="1">
+              <a:schemeClr val="accent1"/>
+            </a:lnRef>
+            <a:fillRef idx="3">
+              <a:schemeClr val="accent1"/>
+            </a:fillRef>
+            <a:effectRef idx="2">
+              <a:schemeClr val="accent1"/>
+            </a:effectRef>
+            <a:fontRef idx="minor">
+              <a:schemeClr val="lt1"/>
+            </a:fontRef>
+          </p:style>
+        </p:sp>
+        <p:sp>
+          <p:nvSpPr>
+            <p:cNvPr id="27" name="Isosceles Triangle 26"/>
+            <p:cNvSpPr/>
+            <p:nvPr/>
+          </p:nvSpPr>
+          <p:spPr>
+            <a:xfrm>
+              <a:off x="8932333" y="3048000"/>
+              <a:ext cx="3259667" cy="3810000"/>
+            </a:xfrm>
+            <a:prstGeom prst="triangle">
+              <a:avLst>
+                <a:gd name="adj" fmla="val 100000"/>
+              </a:avLst>
+            </a:prstGeom>
+            <a:solidFill>
+              <a:schemeClr val="accent2">
+                <a:alpha val="72000"/>
+              </a:schemeClr>
+            </a:solidFill>
+            <a:ln>
+              <a:noFill/>
+            </a:ln>
+            <a:effectLst/>
+          </p:spPr>
+          <p:style>
+            <a:lnRef idx="1">
+              <a:schemeClr val="accent1"/>
+            </a:lnRef>
+            <a:fillRef idx="3">
+              <a:schemeClr val="accent1"/>
+            </a:fillRef>
+            <a:effectRef idx="2">
+              <a:schemeClr val="accent1"/>
+            </a:effectRef>
+            <a:fontRef idx="minor">
+              <a:schemeClr val="lt1"/>
+            </a:fontRef>
+          </p:style>
+        </p:sp>
+        <p:sp>
+          <p:nvSpPr>
+            <p:cNvPr id="28" name="Rectangle 27"/>
+            <p:cNvSpPr/>
+            <p:nvPr/>
+          </p:nvSpPr>
+          <p:spPr>
+            <a:xfrm>
+              <a:off x="9334500" y="-8467"/>
+              <a:ext cx="2854326" cy="6866467"/>
+            </a:xfrm>
+            <a:custGeom>
+              <a:avLst/>
+              <a:gdLst/>
+              <a:ahLst/>
+              <a:cxnLst/>
+              <a:rect l="l" t="t" r="r" b="b"/>
+              <a:pathLst>
+                <a:path w="2858013" h="6866467">
+                  <a:moveTo>
+                    <a:pt x="0" y="0"/>
+                  </a:moveTo>
+                  <a:lnTo>
+                    <a:pt x="2858013" y="0"/>
+                  </a:lnTo>
+                  <a:lnTo>
+                    <a:pt x="2858013" y="6866467"/>
+                  </a:lnTo>
+                  <a:lnTo>
+                    <a:pt x="2473942" y="6866467"/>
+                  </a:lnTo>
+                  <a:lnTo>
+                    <a:pt x="0" y="0"/>
+                  </a:lnTo>
+                  <a:close/>
+                </a:path>
+              </a:pathLst>
+            </a:custGeom>
+            <a:solidFill>
+              <a:schemeClr val="accent2">
+                <a:lumMod val="75000"/>
+                <a:alpha val="70000"/>
+              </a:schemeClr>
+            </a:solidFill>
+            <a:ln>
+              <a:noFill/>
+            </a:ln>
+            <a:effectLst/>
+          </p:spPr>
+          <p:style>
+            <a:lnRef idx="1">
+              <a:schemeClr val="accent1"/>
+            </a:lnRef>
+            <a:fillRef idx="3">
+              <a:schemeClr val="accent1"/>
+            </a:fillRef>
+            <a:effectRef idx="2">
+              <a:schemeClr val="accent1"/>
+            </a:effectRef>
+            <a:fontRef idx="minor">
+              <a:schemeClr val="lt1"/>
+            </a:fontRef>
+          </p:style>
+        </p:sp>
+        <p:sp>
+          <p:nvSpPr>
+            <p:cNvPr id="29" name="Rectangle 28"/>
+            <p:cNvSpPr/>
+            <p:nvPr/>
+          </p:nvSpPr>
+          <p:spPr>
+            <a:xfrm>
+              <a:off x="10898730" y="-8467"/>
+              <a:ext cx="1290094" cy="6866467"/>
+            </a:xfrm>
+            <a:custGeom>
+              <a:avLst/>
+              <a:gdLst/>
+              <a:ahLst/>
+              <a:cxnLst/>
+              <a:rect l="l" t="t" r="r" b="b"/>
+              <a:pathLst>
+                <a:path w="1290094" h="6858000">
+                  <a:moveTo>
+                    <a:pt x="1019735" y="0"/>
+                  </a:moveTo>
+                  <a:lnTo>
+                    <a:pt x="1290094" y="0"/>
+                  </a:lnTo>
+                  <a:lnTo>
+                    <a:pt x="1290094" y="6858000"/>
+                  </a:lnTo>
+                  <a:lnTo>
+                    <a:pt x="0" y="6858000"/>
+                  </a:lnTo>
+                  <a:lnTo>
+                    <a:pt x="1019735" y="0"/>
+                  </a:lnTo>
+                  <a:close/>
+                </a:path>
+              </a:pathLst>
+            </a:custGeom>
+            <a:solidFill>
+              <a:schemeClr val="accent1">
+                <a:lumMod val="60000"/>
+                <a:lumOff val="40000"/>
+                <a:alpha val="70000"/>
+              </a:schemeClr>
+            </a:solidFill>
+            <a:ln>
+              <a:noFill/>
+            </a:ln>
+            <a:effectLst/>
+          </p:spPr>
+          <p:style>
+            <a:lnRef idx="1">
+              <a:schemeClr val="accent1"/>
+            </a:lnRef>
+            <a:fillRef idx="3">
+              <a:schemeClr val="accent1"/>
+            </a:fillRef>
+            <a:effectRef idx="2">
+              <a:schemeClr val="accent1"/>
+            </a:effectRef>
+            <a:fontRef idx="minor">
+              <a:schemeClr val="lt1"/>
+            </a:fontRef>
+          </p:style>
+        </p:sp>
+        <p:sp>
+          <p:nvSpPr>
+            <p:cNvPr id="30" name="Rectangle 29"/>
+            <p:cNvSpPr/>
+            <p:nvPr/>
+          </p:nvSpPr>
+          <p:spPr>
+            <a:xfrm>
+              <a:off x="10938999" y="-8467"/>
+              <a:ext cx="1249825" cy="6866467"/>
+            </a:xfrm>
+            <a:custGeom>
+              <a:avLst/>
+              <a:gdLst/>
+              <a:ahLst/>
+              <a:cxnLst/>
+              <a:rect l="l" t="t" r="r" b="b"/>
+              <a:pathLst>
+                <a:path w="1249825" h="6858000">
+                  <a:moveTo>
+                    <a:pt x="0" y="0"/>
+                  </a:moveTo>
+                  <a:lnTo>
+                    <a:pt x="1249825" y="0"/>
+                  </a:lnTo>
+                  <a:lnTo>
+                    <a:pt x="1249825" y="6858000"/>
+                  </a:lnTo>
+                  <a:lnTo>
+                    <a:pt x="1109382" y="6858000"/>
+                  </a:lnTo>
+                  <a:lnTo>
+                    <a:pt x="0" y="0"/>
+                  </a:lnTo>
+                  <a:close/>
+                </a:path>
+              </a:pathLst>
+            </a:custGeom>
+            <a:solidFill>
+              <a:schemeClr val="accent1">
+                <a:alpha val="65000"/>
+              </a:schemeClr>
+            </a:solidFill>
+            <a:ln>
+              <a:noFill/>
+            </a:ln>
+            <a:effectLst/>
+          </p:spPr>
+          <p:style>
+            <a:lnRef idx="1">
+              <a:schemeClr val="accent1"/>
+            </a:lnRef>
+            <a:fillRef idx="3">
+              <a:schemeClr val="accent1"/>
+            </a:fillRef>
+            <a:effectRef idx="2">
+              <a:schemeClr val="accent1"/>
+            </a:effectRef>
+            <a:fontRef idx="minor">
+              <a:schemeClr val="lt1"/>
+            </a:fontRef>
+          </p:style>
+        </p:sp>
+        <p:sp>
+          <p:nvSpPr>
+            <p:cNvPr id="31" name="Isosceles Triangle 30"/>
+            <p:cNvSpPr/>
+            <p:nvPr/>
+          </p:nvSpPr>
+          <p:spPr>
+            <a:xfrm>
+              <a:off x="10371666" y="3589867"/>
+              <a:ext cx="1817159" cy="3268133"/>
+            </a:xfrm>
+            <a:prstGeom prst="triangle">
+              <a:avLst>
+                <a:gd name="adj" fmla="val 100000"/>
+              </a:avLst>
+            </a:prstGeom>
+            <a:solidFill>
+              <a:schemeClr val="accent1">
+                <a:alpha val="80000"/>
+              </a:schemeClr>
+            </a:solidFill>
+            <a:ln>
+              <a:noFill/>
+            </a:ln>
+            <a:effectLst/>
+          </p:spPr>
+          <p:style>
+            <a:lnRef idx="1">
+              <a:schemeClr val="accent1"/>
+            </a:lnRef>
+            <a:fillRef idx="3">
+              <a:schemeClr val="accent1"/>
+            </a:fillRef>
+            <a:effectRef idx="2">
+              <a:schemeClr val="accent1"/>
+            </a:effectRef>
+            <a:fontRef idx="minor">
+              <a:schemeClr val="lt1"/>
+            </a:fontRef>
+          </p:style>
+        </p:sp>
+        <p:sp>
+          <p:nvSpPr>
+            <p:cNvPr id="19" name="Isosceles Triangle 18"/>
+            <p:cNvSpPr/>
+            <p:nvPr/>
+          </p:nvSpPr>
+          <p:spPr>
+            <a:xfrm rot="10800000">
+              <a:off x="0" y="0"/>
+              <a:ext cx="842596" cy="5666154"/>
+            </a:xfrm>
+            <a:prstGeom prst="triangle">
+              <a:avLst>
+                <a:gd name="adj" fmla="val 100000"/>
+              </a:avLst>
+            </a:prstGeom>
+            <a:solidFill>
+              <a:schemeClr val="accent1">
+                <a:alpha val="85000"/>
+              </a:schemeClr>
+            </a:solidFill>
+            <a:ln>
+              <a:noFill/>
+            </a:ln>
+            <a:effectLst/>
+          </p:spPr>
+          <p:style>
+            <a:lnRef idx="1">
+              <a:schemeClr val="accent1"/>
+            </a:lnRef>
+            <a:fillRef idx="3">
+              <a:schemeClr val="accent1"/>
+            </a:fillRef>
+            <a:effectRef idx="2">
+              <a:schemeClr val="accent1"/>
+            </a:effectRef>
+            <a:fontRef idx="minor">
+              <a:schemeClr val="lt1"/>
+            </a:fontRef>
+          </p:style>
+        </p:sp>
+      </p:grpSp>
+      <p:sp>
+        <p:nvSpPr>
+          <p:cNvPr id="2" name="Title 1"/>
           <p:cNvSpPr>
             <a:spLocks noGrp="1"/>
           </p:cNvSpPr>
@@ -138,15 +692,21 @@
         </p:nvSpPr>
         <p:spPr>
           <a:xfrm>
-            <a:off x="1524000" y="1122363"/>
-            <a:ext cx="9144000" cy="2387600"/>
+            <a:off x="1507067" y="2404534"/>
+            <a:ext cx="7766936" cy="1646302"/>
           </a:xfrm>
         </p:spPr>
         <p:txBody>
-          <a:bodyPr anchor="b"/>
+          <a:bodyPr anchor="b">
+            <a:noAutofit/>
+          </a:bodyPr>
           <a:lstStyle>
-            <a:lvl1pPr algn="ctr">
-              <a:defRPr sz="6000"/>
+            <a:lvl1pPr algn="r">
+              <a:defRPr sz="5400">
+                <a:solidFill>
+                  <a:schemeClr val="accent1"/>
+                </a:solidFill>
+              </a:defRPr>
             </a:lvl1pPr>
           </a:lstStyle>
           <a:p>
@@ -154,13 +714,13 @@
               <a:rPr lang="hu-HU" smtClean="0"/>
               <a:t>Mintacím szerkesztése</a:t>
             </a:r>
-            <a:endParaRPr lang="hu-HU"/>
-          </a:p>
-        </p:txBody>
-      </p:sp>
-      <p:sp>
-        <p:nvSpPr>
-          <p:cNvPr id="3" name="Alcím 2"/>
+            <a:endParaRPr lang="en-US" dirty="0"/>
+          </a:p>
+        </p:txBody>
+      </p:sp>
+      <p:sp>
+        <p:nvSpPr>
+          <p:cNvPr id="3" name="Subtitle 2"/>
           <p:cNvSpPr>
             <a:spLocks noGrp="1"/>
           </p:cNvSpPr>
@@ -170,48 +730,103 @@
         </p:nvSpPr>
         <p:spPr>
           <a:xfrm>
-            <a:off x="1524000" y="3602038"/>
-            <a:ext cx="9144000" cy="1655762"/>
+            <a:off x="1507067" y="4050833"/>
+            <a:ext cx="7766936" cy="1096899"/>
           </a:xfrm>
         </p:spPr>
         <p:txBody>
-          <a:bodyPr/>
+          <a:bodyPr anchor="t"/>
           <a:lstStyle>
-            <a:lvl1pPr marL="0" indent="0" algn="ctr">
-              <a:buNone/>
-              <a:defRPr sz="2400"/>
+            <a:lvl1pPr marL="0" indent="0" algn="r">
+              <a:buNone/>
+              <a:defRPr>
+                <a:solidFill>
+                  <a:schemeClr val="tx1">
+                    <a:lumMod val="50000"/>
+                    <a:lumOff val="50000"/>
+                  </a:schemeClr>
+                </a:solidFill>
+              </a:defRPr>
             </a:lvl1pPr>
             <a:lvl2pPr marL="457200" indent="0" algn="ctr">
               <a:buNone/>
-              <a:defRPr sz="2000"/>
+              <a:defRPr>
+                <a:solidFill>
+                  <a:schemeClr val="tx1">
+                    <a:tint val="75000"/>
+                  </a:schemeClr>
+                </a:solidFill>
+              </a:defRPr>
             </a:lvl2pPr>
             <a:lvl3pPr marL="914400" indent="0" algn="ctr">
               <a:buNone/>
-              <a:defRPr sz="1800"/>
+              <a:defRPr>
+                <a:solidFill>
+                  <a:schemeClr val="tx1">
+                    <a:tint val="75000"/>
+                  </a:schemeClr>
+                </a:solidFill>
+              </a:defRPr>
             </a:lvl3pPr>
             <a:lvl4pPr marL="1371600" indent="0" algn="ctr">
               <a:buNone/>
-              <a:defRPr sz="1600"/>
+              <a:defRPr>
+                <a:solidFill>
+                  <a:schemeClr val="tx1">
+                    <a:tint val="75000"/>
+                  </a:schemeClr>
+                </a:solidFill>
+              </a:defRPr>
             </a:lvl4pPr>
             <a:lvl5pPr marL="1828800" indent="0" algn="ctr">
               <a:buNone/>
-              <a:defRPr sz="1600"/>
+              <a:defRPr>
+                <a:solidFill>
+                  <a:schemeClr val="tx1">
+                    <a:tint val="75000"/>
+                  </a:schemeClr>
+                </a:solidFill>
+              </a:defRPr>
             </a:lvl5pPr>
             <a:lvl6pPr marL="2286000" indent="0" algn="ctr">
               <a:buNone/>
-              <a:defRPr sz="1600"/>
+              <a:defRPr>
+                <a:solidFill>
+                  <a:schemeClr val="tx1">
+                    <a:tint val="75000"/>
+                  </a:schemeClr>
+                </a:solidFill>
+              </a:defRPr>
             </a:lvl6pPr>
             <a:lvl7pPr marL="2743200" indent="0" algn="ctr">
               <a:buNone/>
-              <a:defRPr sz="1600"/>
+              <a:defRPr>
+                <a:solidFill>
+                  <a:schemeClr val="tx1">
+                    <a:tint val="75000"/>
+                  </a:schemeClr>
+                </a:solidFill>
+              </a:defRPr>
             </a:lvl7pPr>
             <a:lvl8pPr marL="3200400" indent="0" algn="ctr">
               <a:buNone/>
-              <a:defRPr sz="1600"/>
+              <a:defRPr>
+                <a:solidFill>
+                  <a:schemeClr val="tx1">
+                    <a:tint val="75000"/>
+                  </a:schemeClr>
+                </a:solidFill>
+              </a:defRPr>
             </a:lvl8pPr>
             <a:lvl9pPr marL="3657600" indent="0" algn="ctr">
               <a:buNone/>
-              <a:defRPr sz="1600"/>
+              <a:defRPr>
+                <a:solidFill>
+                  <a:schemeClr val="tx1">
+                    <a:tint val="75000"/>
+                  </a:schemeClr>
+                </a:solidFill>
+              </a:defRPr>
             </a:lvl9pPr>
           </a:lstStyle>
           <a:p>
@@ -219,13 +834,13 @@
               <a:rPr lang="hu-HU" smtClean="0"/>
               <a:t>Kattintson ide az alcím mintájának szerkesztéséhez</a:t>
             </a:r>
-            <a:endParaRPr lang="hu-HU"/>
-          </a:p>
-        </p:txBody>
-      </p:sp>
-      <p:sp>
-        <p:nvSpPr>
-          <p:cNvPr id="4" name="Dátum helye 3"/>
+            <a:endParaRPr lang="en-US" dirty="0"/>
+          </a:p>
+        </p:txBody>
+      </p:sp>
+      <p:sp>
+        <p:nvSpPr>
+          <p:cNvPr id="4" name="Date Placeholder 3"/>
           <p:cNvSpPr>
             <a:spLocks noGrp="1"/>
           </p:cNvSpPr>
@@ -240,7 +855,7 @@
           <a:p>
             <a:fld id="{A515A8DB-1761-43C7-85F6-AF4C95111F34}" type="datetimeFigureOut">
               <a:rPr lang="hu-HU" smtClean="0"/>
-              <a:t>2022.02.09.</a:t>
+              <a:t>2022.02.16.</a:t>
             </a:fld>
             <a:endParaRPr lang="hu-HU"/>
           </a:p>
@@ -248,7 +863,7 @@
       </p:sp>
       <p:sp>
         <p:nvSpPr>
-          <p:cNvPr id="5" name="Élőláb helye 4"/>
+          <p:cNvPr id="5" name="Footer Placeholder 4"/>
           <p:cNvSpPr>
             <a:spLocks noGrp="1"/>
           </p:cNvSpPr>
@@ -267,7 +882,7 @@
       </p:sp>
       <p:sp>
         <p:nvSpPr>
-          <p:cNvPr id="6" name="Dia számának helye 5"/>
+          <p:cNvPr id="6" name="Slide Number Placeholder 5"/>
           <p:cNvSpPr>
             <a:spLocks noGrp="1"/>
           </p:cNvSpPr>
@@ -291,7 +906,7 @@
     </p:spTree>
     <p:extLst>
       <p:ext uri="{BB962C8B-B14F-4D97-AF65-F5344CB8AC3E}">
-        <p14:creationId xmlns:p14="http://schemas.microsoft.com/office/powerpoint/2010/main" val="2471135836"/>
+        <p14:creationId xmlns:p14="http://schemas.microsoft.com/office/powerpoint/2010/main" val="1630046276"/>
       </p:ext>
     </p:extLst>
   </p:cSld>
@@ -302,6 +917,1619 @@
 </file>
 
 <file path=ppt/slideLayouts/slideLayout10.xml><?xml version="1.0" encoding="utf-8"?>
+<p:sldLayout xmlns:a="http://schemas.openxmlformats.org/drawingml/2006/main" xmlns:r="http://schemas.openxmlformats.org/officeDocument/2006/relationships" xmlns:p="http://schemas.openxmlformats.org/presentationml/2006/main" preserve="1">
+  <p:cSld name="Cím és képaláírás">
+    <p:spTree>
+      <p:nvGrpSpPr>
+        <p:cNvPr id="1" name=""/>
+        <p:cNvGrpSpPr/>
+        <p:nvPr/>
+      </p:nvGrpSpPr>
+      <p:grpSpPr>
+        <a:xfrm>
+          <a:off x="0" y="0"/>
+          <a:ext cx="0" cy="0"/>
+          <a:chOff x="0" y="0"/>
+          <a:chExt cx="0" cy="0"/>
+        </a:xfrm>
+      </p:grpSpPr>
+      <p:sp>
+        <p:nvSpPr>
+          <p:cNvPr id="2" name="Title 1"/>
+          <p:cNvSpPr>
+            <a:spLocks noGrp="1"/>
+          </p:cNvSpPr>
+          <p:nvPr>
+            <p:ph type="title"/>
+          </p:nvPr>
+        </p:nvSpPr>
+        <p:spPr>
+          <a:xfrm>
+            <a:off x="677335" y="609600"/>
+            <a:ext cx="8596668" cy="3403600"/>
+          </a:xfrm>
+        </p:spPr>
+        <p:txBody>
+          <a:bodyPr anchor="ctr">
+            <a:normAutofit/>
+          </a:bodyPr>
+          <a:lstStyle>
+            <a:lvl1pPr algn="l">
+              <a:defRPr sz="4400" b="0" cap="none"/>
+            </a:lvl1pPr>
+          </a:lstStyle>
+          <a:p>
+            <a:r>
+              <a:rPr lang="hu-HU" smtClean="0"/>
+              <a:t>Mintacím szerkesztése</a:t>
+            </a:r>
+            <a:endParaRPr lang="en-US" dirty="0"/>
+          </a:p>
+        </p:txBody>
+      </p:sp>
+      <p:sp>
+        <p:nvSpPr>
+          <p:cNvPr id="3" name="Text Placeholder 2"/>
+          <p:cNvSpPr>
+            <a:spLocks noGrp="1"/>
+          </p:cNvSpPr>
+          <p:nvPr>
+            <p:ph type="body" idx="1"/>
+          </p:nvPr>
+        </p:nvSpPr>
+        <p:spPr>
+          <a:xfrm>
+            <a:off x="677335" y="4470400"/>
+            <a:ext cx="8596668" cy="1570962"/>
+          </a:xfrm>
+        </p:spPr>
+        <p:txBody>
+          <a:bodyPr anchor="ctr">
+            <a:normAutofit/>
+          </a:bodyPr>
+          <a:lstStyle>
+            <a:lvl1pPr marL="0" indent="0" algn="l">
+              <a:buNone/>
+              <a:defRPr sz="1800">
+                <a:solidFill>
+                  <a:schemeClr val="tx1">
+                    <a:lumMod val="75000"/>
+                    <a:lumOff val="25000"/>
+                  </a:schemeClr>
+                </a:solidFill>
+              </a:defRPr>
+            </a:lvl1pPr>
+            <a:lvl2pPr marL="457200" indent="0">
+              <a:buNone/>
+              <a:defRPr sz="1800">
+                <a:solidFill>
+                  <a:schemeClr val="tx1">
+                    <a:tint val="75000"/>
+                  </a:schemeClr>
+                </a:solidFill>
+              </a:defRPr>
+            </a:lvl2pPr>
+            <a:lvl3pPr marL="914400" indent="0">
+              <a:buNone/>
+              <a:defRPr sz="1600">
+                <a:solidFill>
+                  <a:schemeClr val="tx1">
+                    <a:tint val="75000"/>
+                  </a:schemeClr>
+                </a:solidFill>
+              </a:defRPr>
+            </a:lvl3pPr>
+            <a:lvl4pPr marL="1371600" indent="0">
+              <a:buNone/>
+              <a:defRPr sz="1400">
+                <a:solidFill>
+                  <a:schemeClr val="tx1">
+                    <a:tint val="75000"/>
+                  </a:schemeClr>
+                </a:solidFill>
+              </a:defRPr>
+            </a:lvl4pPr>
+            <a:lvl5pPr marL="1828800" indent="0">
+              <a:buNone/>
+              <a:defRPr sz="1400">
+                <a:solidFill>
+                  <a:schemeClr val="tx1">
+                    <a:tint val="75000"/>
+                  </a:schemeClr>
+                </a:solidFill>
+              </a:defRPr>
+            </a:lvl5pPr>
+            <a:lvl6pPr marL="2286000" indent="0">
+              <a:buNone/>
+              <a:defRPr sz="1400">
+                <a:solidFill>
+                  <a:schemeClr val="tx1">
+                    <a:tint val="75000"/>
+                  </a:schemeClr>
+                </a:solidFill>
+              </a:defRPr>
+            </a:lvl6pPr>
+            <a:lvl7pPr marL="2743200" indent="0">
+              <a:buNone/>
+              <a:defRPr sz="1400">
+                <a:solidFill>
+                  <a:schemeClr val="tx1">
+                    <a:tint val="75000"/>
+                  </a:schemeClr>
+                </a:solidFill>
+              </a:defRPr>
+            </a:lvl7pPr>
+            <a:lvl8pPr marL="3200400" indent="0">
+              <a:buNone/>
+              <a:defRPr sz="1400">
+                <a:solidFill>
+                  <a:schemeClr val="tx1">
+                    <a:tint val="75000"/>
+                  </a:schemeClr>
+                </a:solidFill>
+              </a:defRPr>
+            </a:lvl8pPr>
+            <a:lvl9pPr marL="3657600" indent="0">
+              <a:buNone/>
+              <a:defRPr sz="1400">
+                <a:solidFill>
+                  <a:schemeClr val="tx1">
+                    <a:tint val="75000"/>
+                  </a:schemeClr>
+                </a:solidFill>
+              </a:defRPr>
+            </a:lvl9pPr>
+          </a:lstStyle>
+          <a:p>
+            <a:pPr lvl="0"/>
+            <a:r>
+              <a:rPr lang="hu-HU" smtClean="0"/>
+              <a:t>Mintaszöveg szerkesztése</a:t>
+            </a:r>
+          </a:p>
+        </p:txBody>
+      </p:sp>
+      <p:sp>
+        <p:nvSpPr>
+          <p:cNvPr id="4" name="Date Placeholder 3"/>
+          <p:cNvSpPr>
+            <a:spLocks noGrp="1"/>
+          </p:cNvSpPr>
+          <p:nvPr>
+            <p:ph type="dt" sz="half" idx="10"/>
+          </p:nvPr>
+        </p:nvSpPr>
+        <p:spPr/>
+        <p:txBody>
+          <a:bodyPr/>
+          <a:lstStyle/>
+          <a:p>
+            <a:fld id="{A515A8DB-1761-43C7-85F6-AF4C95111F34}" type="datetimeFigureOut">
+              <a:rPr lang="hu-HU" smtClean="0"/>
+              <a:t>2022.02.16.</a:t>
+            </a:fld>
+            <a:endParaRPr lang="hu-HU"/>
+          </a:p>
+        </p:txBody>
+      </p:sp>
+      <p:sp>
+        <p:nvSpPr>
+          <p:cNvPr id="5" name="Footer Placeholder 4"/>
+          <p:cNvSpPr>
+            <a:spLocks noGrp="1"/>
+          </p:cNvSpPr>
+          <p:nvPr>
+            <p:ph type="ftr" sz="quarter" idx="11"/>
+          </p:nvPr>
+        </p:nvSpPr>
+        <p:spPr/>
+        <p:txBody>
+          <a:bodyPr/>
+          <a:lstStyle/>
+          <a:p>
+            <a:endParaRPr lang="hu-HU"/>
+          </a:p>
+        </p:txBody>
+      </p:sp>
+      <p:sp>
+        <p:nvSpPr>
+          <p:cNvPr id="6" name="Slide Number Placeholder 5"/>
+          <p:cNvSpPr>
+            <a:spLocks noGrp="1"/>
+          </p:cNvSpPr>
+          <p:nvPr>
+            <p:ph type="sldNum" sz="quarter" idx="12"/>
+          </p:nvPr>
+        </p:nvSpPr>
+        <p:spPr/>
+        <p:txBody>
+          <a:bodyPr/>
+          <a:lstStyle/>
+          <a:p>
+            <a:fld id="{98B65EAF-693C-4B62-9DE5-2CAD6E3E5CB8}" type="slidenum">
+              <a:rPr lang="hu-HU" smtClean="0"/>
+              <a:t>‹#›</a:t>
+            </a:fld>
+            <a:endParaRPr lang="hu-HU"/>
+          </a:p>
+        </p:txBody>
+      </p:sp>
+    </p:spTree>
+    <p:extLst>
+      <p:ext uri="{BB962C8B-B14F-4D97-AF65-F5344CB8AC3E}">
+        <p14:creationId xmlns:p14="http://schemas.microsoft.com/office/powerpoint/2010/main" val="452716414"/>
+      </p:ext>
+    </p:extLst>
+  </p:cSld>
+  <p:clrMapOvr>
+    <a:masterClrMapping/>
+  </p:clrMapOvr>
+</p:sldLayout>
+</file>
+
+<file path=ppt/slideLayouts/slideLayout11.xml><?xml version="1.0" encoding="utf-8"?>
+<p:sldLayout xmlns:a="http://schemas.openxmlformats.org/drawingml/2006/main" xmlns:r="http://schemas.openxmlformats.org/officeDocument/2006/relationships" xmlns:p="http://schemas.openxmlformats.org/presentationml/2006/main" preserve="1">
+  <p:cSld name="Idézet képaláírással">
+    <p:spTree>
+      <p:nvGrpSpPr>
+        <p:cNvPr id="1" name=""/>
+        <p:cNvGrpSpPr/>
+        <p:nvPr/>
+      </p:nvGrpSpPr>
+      <p:grpSpPr>
+        <a:xfrm>
+          <a:off x="0" y="0"/>
+          <a:ext cx="0" cy="0"/>
+          <a:chOff x="0" y="0"/>
+          <a:chExt cx="0" cy="0"/>
+        </a:xfrm>
+      </p:grpSpPr>
+      <p:sp>
+        <p:nvSpPr>
+          <p:cNvPr id="2" name="Title 1"/>
+          <p:cNvSpPr>
+            <a:spLocks noGrp="1"/>
+          </p:cNvSpPr>
+          <p:nvPr>
+            <p:ph type="title"/>
+          </p:nvPr>
+        </p:nvSpPr>
+        <p:spPr>
+          <a:xfrm>
+            <a:off x="931334" y="609600"/>
+            <a:ext cx="8094134" cy="3022600"/>
+          </a:xfrm>
+        </p:spPr>
+        <p:txBody>
+          <a:bodyPr anchor="ctr">
+            <a:normAutofit/>
+          </a:bodyPr>
+          <a:lstStyle>
+            <a:lvl1pPr algn="l">
+              <a:defRPr sz="4400" b="0" cap="none"/>
+            </a:lvl1pPr>
+          </a:lstStyle>
+          <a:p>
+            <a:r>
+              <a:rPr lang="hu-HU" smtClean="0"/>
+              <a:t>Mintacím szerkesztése</a:t>
+            </a:r>
+            <a:endParaRPr lang="en-US" dirty="0"/>
+          </a:p>
+        </p:txBody>
+      </p:sp>
+      <p:sp>
+        <p:nvSpPr>
+          <p:cNvPr id="23" name="Text Placeholder 9"/>
+          <p:cNvSpPr>
+            <a:spLocks noGrp="1"/>
+          </p:cNvSpPr>
+          <p:nvPr>
+            <p:ph type="body" sz="quarter" idx="13"/>
+          </p:nvPr>
+        </p:nvSpPr>
+        <p:spPr>
+          <a:xfrm>
+            <a:off x="1366139" y="3632200"/>
+            <a:ext cx="7224524" cy="381000"/>
+          </a:xfrm>
+        </p:spPr>
+        <p:txBody>
+          <a:bodyPr anchor="ctr">
+            <a:noAutofit/>
+          </a:bodyPr>
+          <a:lstStyle>
+            <a:lvl1pPr marL="0" indent="0">
+              <a:buFontTx/>
+              <a:buNone/>
+              <a:defRPr sz="1600">
+                <a:solidFill>
+                  <a:schemeClr val="tx1">
+                    <a:lumMod val="50000"/>
+                    <a:lumOff val="50000"/>
+                  </a:schemeClr>
+                </a:solidFill>
+              </a:defRPr>
+            </a:lvl1pPr>
+            <a:lvl2pPr marL="457200" indent="0">
+              <a:buFontTx/>
+              <a:buNone/>
+              <a:defRPr/>
+            </a:lvl2pPr>
+            <a:lvl3pPr marL="914400" indent="0">
+              <a:buFontTx/>
+              <a:buNone/>
+              <a:defRPr/>
+            </a:lvl3pPr>
+            <a:lvl4pPr marL="1371600" indent="0">
+              <a:buFontTx/>
+              <a:buNone/>
+              <a:defRPr/>
+            </a:lvl4pPr>
+            <a:lvl5pPr marL="1828800" indent="0">
+              <a:buFontTx/>
+              <a:buNone/>
+              <a:defRPr/>
+            </a:lvl5pPr>
+          </a:lstStyle>
+          <a:p>
+            <a:pPr lvl="0"/>
+            <a:r>
+              <a:rPr lang="hu-HU" smtClean="0"/>
+              <a:t>Mintaszöveg szerkesztése</a:t>
+            </a:r>
+          </a:p>
+        </p:txBody>
+      </p:sp>
+      <p:sp>
+        <p:nvSpPr>
+          <p:cNvPr id="3" name="Text Placeholder 2"/>
+          <p:cNvSpPr>
+            <a:spLocks noGrp="1"/>
+          </p:cNvSpPr>
+          <p:nvPr>
+            <p:ph type="body" idx="1"/>
+          </p:nvPr>
+        </p:nvSpPr>
+        <p:spPr>
+          <a:xfrm>
+            <a:off x="677335" y="4470400"/>
+            <a:ext cx="8596668" cy="1570962"/>
+          </a:xfrm>
+        </p:spPr>
+        <p:txBody>
+          <a:bodyPr anchor="ctr">
+            <a:normAutofit/>
+          </a:bodyPr>
+          <a:lstStyle>
+            <a:lvl1pPr marL="0" indent="0" algn="l">
+              <a:buNone/>
+              <a:defRPr sz="1800">
+                <a:solidFill>
+                  <a:schemeClr val="tx1">
+                    <a:lumMod val="75000"/>
+                    <a:lumOff val="25000"/>
+                  </a:schemeClr>
+                </a:solidFill>
+              </a:defRPr>
+            </a:lvl1pPr>
+            <a:lvl2pPr marL="457200" indent="0">
+              <a:buNone/>
+              <a:defRPr sz="1800">
+                <a:solidFill>
+                  <a:schemeClr val="tx1">
+                    <a:tint val="75000"/>
+                  </a:schemeClr>
+                </a:solidFill>
+              </a:defRPr>
+            </a:lvl2pPr>
+            <a:lvl3pPr marL="914400" indent="0">
+              <a:buNone/>
+              <a:defRPr sz="1600">
+                <a:solidFill>
+                  <a:schemeClr val="tx1">
+                    <a:tint val="75000"/>
+                  </a:schemeClr>
+                </a:solidFill>
+              </a:defRPr>
+            </a:lvl3pPr>
+            <a:lvl4pPr marL="1371600" indent="0">
+              <a:buNone/>
+              <a:defRPr sz="1400">
+                <a:solidFill>
+                  <a:schemeClr val="tx1">
+                    <a:tint val="75000"/>
+                  </a:schemeClr>
+                </a:solidFill>
+              </a:defRPr>
+            </a:lvl4pPr>
+            <a:lvl5pPr marL="1828800" indent="0">
+              <a:buNone/>
+              <a:defRPr sz="1400">
+                <a:solidFill>
+                  <a:schemeClr val="tx1">
+                    <a:tint val="75000"/>
+                  </a:schemeClr>
+                </a:solidFill>
+              </a:defRPr>
+            </a:lvl5pPr>
+            <a:lvl6pPr marL="2286000" indent="0">
+              <a:buNone/>
+              <a:defRPr sz="1400">
+                <a:solidFill>
+                  <a:schemeClr val="tx1">
+                    <a:tint val="75000"/>
+                  </a:schemeClr>
+                </a:solidFill>
+              </a:defRPr>
+            </a:lvl6pPr>
+            <a:lvl7pPr marL="2743200" indent="0">
+              <a:buNone/>
+              <a:defRPr sz="1400">
+                <a:solidFill>
+                  <a:schemeClr val="tx1">
+                    <a:tint val="75000"/>
+                  </a:schemeClr>
+                </a:solidFill>
+              </a:defRPr>
+            </a:lvl7pPr>
+            <a:lvl8pPr marL="3200400" indent="0">
+              <a:buNone/>
+              <a:defRPr sz="1400">
+                <a:solidFill>
+                  <a:schemeClr val="tx1">
+                    <a:tint val="75000"/>
+                  </a:schemeClr>
+                </a:solidFill>
+              </a:defRPr>
+            </a:lvl8pPr>
+            <a:lvl9pPr marL="3657600" indent="0">
+              <a:buNone/>
+              <a:defRPr sz="1400">
+                <a:solidFill>
+                  <a:schemeClr val="tx1">
+                    <a:tint val="75000"/>
+                  </a:schemeClr>
+                </a:solidFill>
+              </a:defRPr>
+            </a:lvl9pPr>
+          </a:lstStyle>
+          <a:p>
+            <a:pPr lvl="0"/>
+            <a:r>
+              <a:rPr lang="hu-HU" smtClean="0"/>
+              <a:t>Mintaszöveg szerkesztése</a:t>
+            </a:r>
+          </a:p>
+        </p:txBody>
+      </p:sp>
+      <p:sp>
+        <p:nvSpPr>
+          <p:cNvPr id="4" name="Date Placeholder 3"/>
+          <p:cNvSpPr>
+            <a:spLocks noGrp="1"/>
+          </p:cNvSpPr>
+          <p:nvPr>
+            <p:ph type="dt" sz="half" idx="10"/>
+          </p:nvPr>
+        </p:nvSpPr>
+        <p:spPr/>
+        <p:txBody>
+          <a:bodyPr/>
+          <a:lstStyle/>
+          <a:p>
+            <a:fld id="{A515A8DB-1761-43C7-85F6-AF4C95111F34}" type="datetimeFigureOut">
+              <a:rPr lang="hu-HU" smtClean="0"/>
+              <a:t>2022.02.16.</a:t>
+            </a:fld>
+            <a:endParaRPr lang="hu-HU"/>
+          </a:p>
+        </p:txBody>
+      </p:sp>
+      <p:sp>
+        <p:nvSpPr>
+          <p:cNvPr id="5" name="Footer Placeholder 4"/>
+          <p:cNvSpPr>
+            <a:spLocks noGrp="1"/>
+          </p:cNvSpPr>
+          <p:nvPr>
+            <p:ph type="ftr" sz="quarter" idx="11"/>
+          </p:nvPr>
+        </p:nvSpPr>
+        <p:spPr/>
+        <p:txBody>
+          <a:bodyPr/>
+          <a:lstStyle/>
+          <a:p>
+            <a:endParaRPr lang="hu-HU"/>
+          </a:p>
+        </p:txBody>
+      </p:sp>
+      <p:sp>
+        <p:nvSpPr>
+          <p:cNvPr id="6" name="Slide Number Placeholder 5"/>
+          <p:cNvSpPr>
+            <a:spLocks noGrp="1"/>
+          </p:cNvSpPr>
+          <p:nvPr>
+            <p:ph type="sldNum" sz="quarter" idx="12"/>
+          </p:nvPr>
+        </p:nvSpPr>
+        <p:spPr/>
+        <p:txBody>
+          <a:bodyPr/>
+          <a:lstStyle/>
+          <a:p>
+            <a:fld id="{98B65EAF-693C-4B62-9DE5-2CAD6E3E5CB8}" type="slidenum">
+              <a:rPr lang="hu-HU" smtClean="0"/>
+              <a:t>‹#›</a:t>
+            </a:fld>
+            <a:endParaRPr lang="hu-HU"/>
+          </a:p>
+        </p:txBody>
+      </p:sp>
+      <p:sp>
+        <p:nvSpPr>
+          <p:cNvPr id="20" name="TextBox 19"/>
+          <p:cNvSpPr txBox="1"/>
+          <p:nvPr/>
+        </p:nvSpPr>
+        <p:spPr>
+          <a:xfrm>
+            <a:off x="541870" y="790378"/>
+            <a:ext cx="609600" cy="584776"/>
+          </a:xfrm>
+          <a:prstGeom prst="rect">
+            <a:avLst/>
+          </a:prstGeom>
+        </p:spPr>
+        <p:txBody>
+          <a:bodyPr vert="horz" lIns="91440" tIns="45720" rIns="91440" bIns="45720" rtlCol="0" anchor="ctr">
+            <a:noAutofit/>
+          </a:bodyPr>
+          <a:lstStyle/>
+          <a:p>
+            <a:pPr lvl="0"/>
+            <a:r>
+              <a:rPr lang="en-US" sz="8000" baseline="0" dirty="0">
+                <a:ln w="3175" cmpd="sng">
+                  <a:noFill/>
+                </a:ln>
+                <a:solidFill>
+                  <a:schemeClr val="accent1">
+                    <a:lumMod val="60000"/>
+                    <a:lumOff val="40000"/>
+                  </a:schemeClr>
+                </a:solidFill>
+                <a:effectLst/>
+                <a:latin typeface="Arial"/>
+              </a:rPr>
+              <a:t>“</a:t>
+            </a:r>
+          </a:p>
+        </p:txBody>
+      </p:sp>
+      <p:sp>
+        <p:nvSpPr>
+          <p:cNvPr id="22" name="TextBox 21"/>
+          <p:cNvSpPr txBox="1"/>
+          <p:nvPr/>
+        </p:nvSpPr>
+        <p:spPr>
+          <a:xfrm>
+            <a:off x="8893011" y="2886556"/>
+            <a:ext cx="609600" cy="584776"/>
+          </a:xfrm>
+          <a:prstGeom prst="rect">
+            <a:avLst/>
+          </a:prstGeom>
+        </p:spPr>
+        <p:txBody>
+          <a:bodyPr vert="horz" lIns="91440" tIns="45720" rIns="91440" bIns="45720" rtlCol="0" anchor="ctr">
+            <a:noAutofit/>
+          </a:bodyPr>
+          <a:lstStyle/>
+          <a:p>
+            <a:pPr lvl="0"/>
+            <a:r>
+              <a:rPr lang="en-US" sz="8000" baseline="0" dirty="0">
+                <a:ln w="3175" cmpd="sng">
+                  <a:noFill/>
+                </a:ln>
+                <a:solidFill>
+                  <a:schemeClr val="accent1">
+                    <a:lumMod val="60000"/>
+                    <a:lumOff val="40000"/>
+                  </a:schemeClr>
+                </a:solidFill>
+                <a:latin typeface="Arial"/>
+              </a:rPr>
+              <a:t>”</a:t>
+            </a:r>
+            <a:endParaRPr lang="en-US" dirty="0">
+              <a:solidFill>
+                <a:schemeClr val="accent1">
+                  <a:lumMod val="60000"/>
+                  <a:lumOff val="40000"/>
+                </a:schemeClr>
+              </a:solidFill>
+              <a:latin typeface="Arial"/>
+            </a:endParaRPr>
+          </a:p>
+        </p:txBody>
+      </p:sp>
+    </p:spTree>
+    <p:extLst>
+      <p:ext uri="{BB962C8B-B14F-4D97-AF65-F5344CB8AC3E}">
+        <p14:creationId xmlns:p14="http://schemas.microsoft.com/office/powerpoint/2010/main" val="1274755584"/>
+      </p:ext>
+    </p:extLst>
+  </p:cSld>
+  <p:clrMapOvr>
+    <a:masterClrMapping/>
+  </p:clrMapOvr>
+</p:sldLayout>
+</file>
+
+<file path=ppt/slideLayouts/slideLayout12.xml><?xml version="1.0" encoding="utf-8"?>
+<p:sldLayout xmlns:a="http://schemas.openxmlformats.org/drawingml/2006/main" xmlns:r="http://schemas.openxmlformats.org/officeDocument/2006/relationships" xmlns:p="http://schemas.openxmlformats.org/presentationml/2006/main" preserve="1">
+  <p:cSld name="Névkártya">
+    <p:spTree>
+      <p:nvGrpSpPr>
+        <p:cNvPr id="1" name=""/>
+        <p:cNvGrpSpPr/>
+        <p:nvPr/>
+      </p:nvGrpSpPr>
+      <p:grpSpPr>
+        <a:xfrm>
+          <a:off x="0" y="0"/>
+          <a:ext cx="0" cy="0"/>
+          <a:chOff x="0" y="0"/>
+          <a:chExt cx="0" cy="0"/>
+        </a:xfrm>
+      </p:grpSpPr>
+      <p:sp>
+        <p:nvSpPr>
+          <p:cNvPr id="2" name="Title 1"/>
+          <p:cNvSpPr>
+            <a:spLocks noGrp="1"/>
+          </p:cNvSpPr>
+          <p:nvPr>
+            <p:ph type="title"/>
+          </p:nvPr>
+        </p:nvSpPr>
+        <p:spPr>
+          <a:xfrm>
+            <a:off x="677335" y="1931988"/>
+            <a:ext cx="8596668" cy="2595460"/>
+          </a:xfrm>
+        </p:spPr>
+        <p:txBody>
+          <a:bodyPr anchor="b">
+            <a:normAutofit/>
+          </a:bodyPr>
+          <a:lstStyle>
+            <a:lvl1pPr algn="l">
+              <a:defRPr sz="4400" b="0" cap="none"/>
+            </a:lvl1pPr>
+          </a:lstStyle>
+          <a:p>
+            <a:r>
+              <a:rPr lang="hu-HU" smtClean="0"/>
+              <a:t>Mintacím szerkesztése</a:t>
+            </a:r>
+            <a:endParaRPr lang="en-US" dirty="0"/>
+          </a:p>
+        </p:txBody>
+      </p:sp>
+      <p:sp>
+        <p:nvSpPr>
+          <p:cNvPr id="3" name="Text Placeholder 2"/>
+          <p:cNvSpPr>
+            <a:spLocks noGrp="1"/>
+          </p:cNvSpPr>
+          <p:nvPr>
+            <p:ph type="body" idx="1"/>
+          </p:nvPr>
+        </p:nvSpPr>
+        <p:spPr>
+          <a:xfrm>
+            <a:off x="677335" y="4527448"/>
+            <a:ext cx="8596668" cy="1513914"/>
+          </a:xfrm>
+        </p:spPr>
+        <p:txBody>
+          <a:bodyPr anchor="t">
+            <a:normAutofit/>
+          </a:bodyPr>
+          <a:lstStyle>
+            <a:lvl1pPr marL="0" indent="0" algn="l">
+              <a:buNone/>
+              <a:defRPr sz="1800">
+                <a:solidFill>
+                  <a:schemeClr val="tx1">
+                    <a:lumMod val="75000"/>
+                    <a:lumOff val="25000"/>
+                  </a:schemeClr>
+                </a:solidFill>
+              </a:defRPr>
+            </a:lvl1pPr>
+            <a:lvl2pPr marL="457200" indent="0">
+              <a:buNone/>
+              <a:defRPr sz="1800">
+                <a:solidFill>
+                  <a:schemeClr val="tx1">
+                    <a:tint val="75000"/>
+                  </a:schemeClr>
+                </a:solidFill>
+              </a:defRPr>
+            </a:lvl2pPr>
+            <a:lvl3pPr marL="914400" indent="0">
+              <a:buNone/>
+              <a:defRPr sz="1600">
+                <a:solidFill>
+                  <a:schemeClr val="tx1">
+                    <a:tint val="75000"/>
+                  </a:schemeClr>
+                </a:solidFill>
+              </a:defRPr>
+            </a:lvl3pPr>
+            <a:lvl4pPr marL="1371600" indent="0">
+              <a:buNone/>
+              <a:defRPr sz="1400">
+                <a:solidFill>
+                  <a:schemeClr val="tx1">
+                    <a:tint val="75000"/>
+                  </a:schemeClr>
+                </a:solidFill>
+              </a:defRPr>
+            </a:lvl4pPr>
+            <a:lvl5pPr marL="1828800" indent="0">
+              <a:buNone/>
+              <a:defRPr sz="1400">
+                <a:solidFill>
+                  <a:schemeClr val="tx1">
+                    <a:tint val="75000"/>
+                  </a:schemeClr>
+                </a:solidFill>
+              </a:defRPr>
+            </a:lvl5pPr>
+            <a:lvl6pPr marL="2286000" indent="0">
+              <a:buNone/>
+              <a:defRPr sz="1400">
+                <a:solidFill>
+                  <a:schemeClr val="tx1">
+                    <a:tint val="75000"/>
+                  </a:schemeClr>
+                </a:solidFill>
+              </a:defRPr>
+            </a:lvl6pPr>
+            <a:lvl7pPr marL="2743200" indent="0">
+              <a:buNone/>
+              <a:defRPr sz="1400">
+                <a:solidFill>
+                  <a:schemeClr val="tx1">
+                    <a:tint val="75000"/>
+                  </a:schemeClr>
+                </a:solidFill>
+              </a:defRPr>
+            </a:lvl7pPr>
+            <a:lvl8pPr marL="3200400" indent="0">
+              <a:buNone/>
+              <a:defRPr sz="1400">
+                <a:solidFill>
+                  <a:schemeClr val="tx1">
+                    <a:tint val="75000"/>
+                  </a:schemeClr>
+                </a:solidFill>
+              </a:defRPr>
+            </a:lvl8pPr>
+            <a:lvl9pPr marL="3657600" indent="0">
+              <a:buNone/>
+              <a:defRPr sz="1400">
+                <a:solidFill>
+                  <a:schemeClr val="tx1">
+                    <a:tint val="75000"/>
+                  </a:schemeClr>
+                </a:solidFill>
+              </a:defRPr>
+            </a:lvl9pPr>
+          </a:lstStyle>
+          <a:p>
+            <a:pPr lvl="0"/>
+            <a:r>
+              <a:rPr lang="hu-HU" smtClean="0"/>
+              <a:t>Mintaszöveg szerkesztése</a:t>
+            </a:r>
+          </a:p>
+        </p:txBody>
+      </p:sp>
+      <p:sp>
+        <p:nvSpPr>
+          <p:cNvPr id="4" name="Date Placeholder 3"/>
+          <p:cNvSpPr>
+            <a:spLocks noGrp="1"/>
+          </p:cNvSpPr>
+          <p:nvPr>
+            <p:ph type="dt" sz="half" idx="10"/>
+          </p:nvPr>
+        </p:nvSpPr>
+        <p:spPr/>
+        <p:txBody>
+          <a:bodyPr/>
+          <a:lstStyle/>
+          <a:p>
+            <a:fld id="{A515A8DB-1761-43C7-85F6-AF4C95111F34}" type="datetimeFigureOut">
+              <a:rPr lang="hu-HU" smtClean="0"/>
+              <a:t>2022.02.16.</a:t>
+            </a:fld>
+            <a:endParaRPr lang="hu-HU"/>
+          </a:p>
+        </p:txBody>
+      </p:sp>
+      <p:sp>
+        <p:nvSpPr>
+          <p:cNvPr id="5" name="Footer Placeholder 4"/>
+          <p:cNvSpPr>
+            <a:spLocks noGrp="1"/>
+          </p:cNvSpPr>
+          <p:nvPr>
+            <p:ph type="ftr" sz="quarter" idx="11"/>
+          </p:nvPr>
+        </p:nvSpPr>
+        <p:spPr/>
+        <p:txBody>
+          <a:bodyPr/>
+          <a:lstStyle/>
+          <a:p>
+            <a:endParaRPr lang="hu-HU"/>
+          </a:p>
+        </p:txBody>
+      </p:sp>
+      <p:sp>
+        <p:nvSpPr>
+          <p:cNvPr id="6" name="Slide Number Placeholder 5"/>
+          <p:cNvSpPr>
+            <a:spLocks noGrp="1"/>
+          </p:cNvSpPr>
+          <p:nvPr>
+            <p:ph type="sldNum" sz="quarter" idx="12"/>
+          </p:nvPr>
+        </p:nvSpPr>
+        <p:spPr/>
+        <p:txBody>
+          <a:bodyPr/>
+          <a:lstStyle/>
+          <a:p>
+            <a:fld id="{98B65EAF-693C-4B62-9DE5-2CAD6E3E5CB8}" type="slidenum">
+              <a:rPr lang="hu-HU" smtClean="0"/>
+              <a:t>‹#›</a:t>
+            </a:fld>
+            <a:endParaRPr lang="hu-HU"/>
+          </a:p>
+        </p:txBody>
+      </p:sp>
+    </p:spTree>
+    <p:extLst>
+      <p:ext uri="{BB962C8B-B14F-4D97-AF65-F5344CB8AC3E}">
+        <p14:creationId xmlns:p14="http://schemas.microsoft.com/office/powerpoint/2010/main" val="2456841054"/>
+      </p:ext>
+    </p:extLst>
+  </p:cSld>
+  <p:clrMapOvr>
+    <a:masterClrMapping/>
+  </p:clrMapOvr>
+</p:sldLayout>
+</file>
+
+<file path=ppt/slideLayouts/slideLayout13.xml><?xml version="1.0" encoding="utf-8"?>
+<p:sldLayout xmlns:a="http://schemas.openxmlformats.org/drawingml/2006/main" xmlns:r="http://schemas.openxmlformats.org/officeDocument/2006/relationships" xmlns:p="http://schemas.openxmlformats.org/presentationml/2006/main" preserve="1">
+  <p:cSld name="Névkártya idézettel">
+    <p:spTree>
+      <p:nvGrpSpPr>
+        <p:cNvPr id="1" name=""/>
+        <p:cNvGrpSpPr/>
+        <p:nvPr/>
+      </p:nvGrpSpPr>
+      <p:grpSpPr>
+        <a:xfrm>
+          <a:off x="0" y="0"/>
+          <a:ext cx="0" cy="0"/>
+          <a:chOff x="0" y="0"/>
+          <a:chExt cx="0" cy="0"/>
+        </a:xfrm>
+      </p:grpSpPr>
+      <p:sp>
+        <p:nvSpPr>
+          <p:cNvPr id="2" name="Title 1"/>
+          <p:cNvSpPr>
+            <a:spLocks noGrp="1"/>
+          </p:cNvSpPr>
+          <p:nvPr>
+            <p:ph type="title"/>
+          </p:nvPr>
+        </p:nvSpPr>
+        <p:spPr>
+          <a:xfrm>
+            <a:off x="931334" y="609600"/>
+            <a:ext cx="8094134" cy="3022600"/>
+          </a:xfrm>
+        </p:spPr>
+        <p:txBody>
+          <a:bodyPr anchor="ctr">
+            <a:normAutofit/>
+          </a:bodyPr>
+          <a:lstStyle>
+            <a:lvl1pPr algn="l">
+              <a:defRPr sz="4400" b="0" cap="none"/>
+            </a:lvl1pPr>
+          </a:lstStyle>
+          <a:p>
+            <a:r>
+              <a:rPr lang="hu-HU" smtClean="0"/>
+              <a:t>Mintacím szerkesztése</a:t>
+            </a:r>
+            <a:endParaRPr lang="en-US" dirty="0"/>
+          </a:p>
+        </p:txBody>
+      </p:sp>
+      <p:sp>
+        <p:nvSpPr>
+          <p:cNvPr id="23" name="Text Placeholder 9"/>
+          <p:cNvSpPr>
+            <a:spLocks noGrp="1"/>
+          </p:cNvSpPr>
+          <p:nvPr>
+            <p:ph type="body" sz="quarter" idx="13"/>
+          </p:nvPr>
+        </p:nvSpPr>
+        <p:spPr>
+          <a:xfrm>
+            <a:off x="677332" y="4013200"/>
+            <a:ext cx="8596669" cy="514248"/>
+          </a:xfrm>
+        </p:spPr>
+        <p:txBody>
+          <a:bodyPr anchor="b">
+            <a:noAutofit/>
+          </a:bodyPr>
+          <a:lstStyle>
+            <a:lvl1pPr marL="0" indent="0">
+              <a:buFontTx/>
+              <a:buNone/>
+              <a:defRPr sz="2400">
+                <a:solidFill>
+                  <a:schemeClr val="tx1">
+                    <a:lumMod val="75000"/>
+                    <a:lumOff val="25000"/>
+                  </a:schemeClr>
+                </a:solidFill>
+              </a:defRPr>
+            </a:lvl1pPr>
+            <a:lvl2pPr marL="457200" indent="0">
+              <a:buFontTx/>
+              <a:buNone/>
+              <a:defRPr/>
+            </a:lvl2pPr>
+            <a:lvl3pPr marL="914400" indent="0">
+              <a:buFontTx/>
+              <a:buNone/>
+              <a:defRPr/>
+            </a:lvl3pPr>
+            <a:lvl4pPr marL="1371600" indent="0">
+              <a:buFontTx/>
+              <a:buNone/>
+              <a:defRPr/>
+            </a:lvl4pPr>
+            <a:lvl5pPr marL="1828800" indent="0">
+              <a:buFontTx/>
+              <a:buNone/>
+              <a:defRPr/>
+            </a:lvl5pPr>
+          </a:lstStyle>
+          <a:p>
+            <a:pPr lvl="0"/>
+            <a:r>
+              <a:rPr lang="hu-HU" smtClean="0"/>
+              <a:t>Mintaszöveg szerkesztése</a:t>
+            </a:r>
+          </a:p>
+        </p:txBody>
+      </p:sp>
+      <p:sp>
+        <p:nvSpPr>
+          <p:cNvPr id="3" name="Text Placeholder 2"/>
+          <p:cNvSpPr>
+            <a:spLocks noGrp="1"/>
+          </p:cNvSpPr>
+          <p:nvPr>
+            <p:ph type="body" idx="1"/>
+          </p:nvPr>
+        </p:nvSpPr>
+        <p:spPr>
+          <a:xfrm>
+            <a:off x="677335" y="4527448"/>
+            <a:ext cx="8596668" cy="1513914"/>
+          </a:xfrm>
+        </p:spPr>
+        <p:txBody>
+          <a:bodyPr anchor="t">
+            <a:normAutofit/>
+          </a:bodyPr>
+          <a:lstStyle>
+            <a:lvl1pPr marL="0" indent="0" algn="l">
+              <a:buNone/>
+              <a:defRPr sz="1800">
+                <a:solidFill>
+                  <a:schemeClr val="tx1">
+                    <a:lumMod val="50000"/>
+                    <a:lumOff val="50000"/>
+                  </a:schemeClr>
+                </a:solidFill>
+              </a:defRPr>
+            </a:lvl1pPr>
+            <a:lvl2pPr marL="457200" indent="0">
+              <a:buNone/>
+              <a:defRPr sz="1800">
+                <a:solidFill>
+                  <a:schemeClr val="tx1">
+                    <a:tint val="75000"/>
+                  </a:schemeClr>
+                </a:solidFill>
+              </a:defRPr>
+            </a:lvl2pPr>
+            <a:lvl3pPr marL="914400" indent="0">
+              <a:buNone/>
+              <a:defRPr sz="1600">
+                <a:solidFill>
+                  <a:schemeClr val="tx1">
+                    <a:tint val="75000"/>
+                  </a:schemeClr>
+                </a:solidFill>
+              </a:defRPr>
+            </a:lvl3pPr>
+            <a:lvl4pPr marL="1371600" indent="0">
+              <a:buNone/>
+              <a:defRPr sz="1400">
+                <a:solidFill>
+                  <a:schemeClr val="tx1">
+                    <a:tint val="75000"/>
+                  </a:schemeClr>
+                </a:solidFill>
+              </a:defRPr>
+            </a:lvl4pPr>
+            <a:lvl5pPr marL="1828800" indent="0">
+              <a:buNone/>
+              <a:defRPr sz="1400">
+                <a:solidFill>
+                  <a:schemeClr val="tx1">
+                    <a:tint val="75000"/>
+                  </a:schemeClr>
+                </a:solidFill>
+              </a:defRPr>
+            </a:lvl5pPr>
+            <a:lvl6pPr marL="2286000" indent="0">
+              <a:buNone/>
+              <a:defRPr sz="1400">
+                <a:solidFill>
+                  <a:schemeClr val="tx1">
+                    <a:tint val="75000"/>
+                  </a:schemeClr>
+                </a:solidFill>
+              </a:defRPr>
+            </a:lvl6pPr>
+            <a:lvl7pPr marL="2743200" indent="0">
+              <a:buNone/>
+              <a:defRPr sz="1400">
+                <a:solidFill>
+                  <a:schemeClr val="tx1">
+                    <a:tint val="75000"/>
+                  </a:schemeClr>
+                </a:solidFill>
+              </a:defRPr>
+            </a:lvl7pPr>
+            <a:lvl8pPr marL="3200400" indent="0">
+              <a:buNone/>
+              <a:defRPr sz="1400">
+                <a:solidFill>
+                  <a:schemeClr val="tx1">
+                    <a:tint val="75000"/>
+                  </a:schemeClr>
+                </a:solidFill>
+              </a:defRPr>
+            </a:lvl8pPr>
+            <a:lvl9pPr marL="3657600" indent="0">
+              <a:buNone/>
+              <a:defRPr sz="1400">
+                <a:solidFill>
+                  <a:schemeClr val="tx1">
+                    <a:tint val="75000"/>
+                  </a:schemeClr>
+                </a:solidFill>
+              </a:defRPr>
+            </a:lvl9pPr>
+          </a:lstStyle>
+          <a:p>
+            <a:pPr lvl="0"/>
+            <a:r>
+              <a:rPr lang="hu-HU" smtClean="0"/>
+              <a:t>Mintaszöveg szerkesztése</a:t>
+            </a:r>
+          </a:p>
+        </p:txBody>
+      </p:sp>
+      <p:sp>
+        <p:nvSpPr>
+          <p:cNvPr id="4" name="Date Placeholder 3"/>
+          <p:cNvSpPr>
+            <a:spLocks noGrp="1"/>
+          </p:cNvSpPr>
+          <p:nvPr>
+            <p:ph type="dt" sz="half" idx="10"/>
+          </p:nvPr>
+        </p:nvSpPr>
+        <p:spPr/>
+        <p:txBody>
+          <a:bodyPr/>
+          <a:lstStyle/>
+          <a:p>
+            <a:fld id="{A515A8DB-1761-43C7-85F6-AF4C95111F34}" type="datetimeFigureOut">
+              <a:rPr lang="hu-HU" smtClean="0"/>
+              <a:t>2022.02.16.</a:t>
+            </a:fld>
+            <a:endParaRPr lang="hu-HU"/>
+          </a:p>
+        </p:txBody>
+      </p:sp>
+      <p:sp>
+        <p:nvSpPr>
+          <p:cNvPr id="5" name="Footer Placeholder 4"/>
+          <p:cNvSpPr>
+            <a:spLocks noGrp="1"/>
+          </p:cNvSpPr>
+          <p:nvPr>
+            <p:ph type="ftr" sz="quarter" idx="11"/>
+          </p:nvPr>
+        </p:nvSpPr>
+        <p:spPr/>
+        <p:txBody>
+          <a:bodyPr/>
+          <a:lstStyle/>
+          <a:p>
+            <a:endParaRPr lang="hu-HU"/>
+          </a:p>
+        </p:txBody>
+      </p:sp>
+      <p:sp>
+        <p:nvSpPr>
+          <p:cNvPr id="6" name="Slide Number Placeholder 5"/>
+          <p:cNvSpPr>
+            <a:spLocks noGrp="1"/>
+          </p:cNvSpPr>
+          <p:nvPr>
+            <p:ph type="sldNum" sz="quarter" idx="12"/>
+          </p:nvPr>
+        </p:nvSpPr>
+        <p:spPr/>
+        <p:txBody>
+          <a:bodyPr/>
+          <a:lstStyle/>
+          <a:p>
+            <a:fld id="{98B65EAF-693C-4B62-9DE5-2CAD6E3E5CB8}" type="slidenum">
+              <a:rPr lang="hu-HU" smtClean="0"/>
+              <a:t>‹#›</a:t>
+            </a:fld>
+            <a:endParaRPr lang="hu-HU"/>
+          </a:p>
+        </p:txBody>
+      </p:sp>
+      <p:sp>
+        <p:nvSpPr>
+          <p:cNvPr id="24" name="TextBox 23"/>
+          <p:cNvSpPr txBox="1"/>
+          <p:nvPr/>
+        </p:nvSpPr>
+        <p:spPr>
+          <a:xfrm>
+            <a:off x="541870" y="790378"/>
+            <a:ext cx="609600" cy="584776"/>
+          </a:xfrm>
+          <a:prstGeom prst="rect">
+            <a:avLst/>
+          </a:prstGeom>
+        </p:spPr>
+        <p:txBody>
+          <a:bodyPr vert="horz" lIns="91440" tIns="45720" rIns="91440" bIns="45720" rtlCol="0" anchor="ctr">
+            <a:noAutofit/>
+          </a:bodyPr>
+          <a:lstStyle/>
+          <a:p>
+            <a:pPr lvl="0"/>
+            <a:r>
+              <a:rPr lang="en-US" sz="8000" baseline="0" dirty="0">
+                <a:ln w="3175" cmpd="sng">
+                  <a:noFill/>
+                </a:ln>
+                <a:solidFill>
+                  <a:schemeClr val="accent1">
+                    <a:lumMod val="60000"/>
+                    <a:lumOff val="40000"/>
+                  </a:schemeClr>
+                </a:solidFill>
+                <a:effectLst/>
+                <a:latin typeface="Arial"/>
+              </a:rPr>
+              <a:t>“</a:t>
+            </a:r>
+          </a:p>
+        </p:txBody>
+      </p:sp>
+      <p:sp>
+        <p:nvSpPr>
+          <p:cNvPr id="25" name="TextBox 24"/>
+          <p:cNvSpPr txBox="1"/>
+          <p:nvPr/>
+        </p:nvSpPr>
+        <p:spPr>
+          <a:xfrm>
+            <a:off x="8893011" y="2886556"/>
+            <a:ext cx="609600" cy="584776"/>
+          </a:xfrm>
+          <a:prstGeom prst="rect">
+            <a:avLst/>
+          </a:prstGeom>
+        </p:spPr>
+        <p:txBody>
+          <a:bodyPr vert="horz" lIns="91440" tIns="45720" rIns="91440" bIns="45720" rtlCol="0" anchor="ctr">
+            <a:noAutofit/>
+          </a:bodyPr>
+          <a:lstStyle/>
+          <a:p>
+            <a:pPr lvl="0"/>
+            <a:r>
+              <a:rPr lang="en-US" sz="8000" baseline="0" dirty="0">
+                <a:ln w="3175" cmpd="sng">
+                  <a:noFill/>
+                </a:ln>
+                <a:solidFill>
+                  <a:schemeClr val="accent1">
+                    <a:lumMod val="60000"/>
+                    <a:lumOff val="40000"/>
+                  </a:schemeClr>
+                </a:solidFill>
+                <a:effectLst/>
+                <a:latin typeface="Arial"/>
+              </a:rPr>
+              <a:t>”</a:t>
+            </a:r>
+          </a:p>
+        </p:txBody>
+      </p:sp>
+    </p:spTree>
+    <p:extLst>
+      <p:ext uri="{BB962C8B-B14F-4D97-AF65-F5344CB8AC3E}">
+        <p14:creationId xmlns:p14="http://schemas.microsoft.com/office/powerpoint/2010/main" val="2880161716"/>
+      </p:ext>
+    </p:extLst>
+  </p:cSld>
+  <p:clrMapOvr>
+    <a:masterClrMapping/>
+  </p:clrMapOvr>
+</p:sldLayout>
+</file>
+
+<file path=ppt/slideLayouts/slideLayout14.xml><?xml version="1.0" encoding="utf-8"?>
+<p:sldLayout xmlns:a="http://schemas.openxmlformats.org/drawingml/2006/main" xmlns:r="http://schemas.openxmlformats.org/officeDocument/2006/relationships" xmlns:p="http://schemas.openxmlformats.org/presentationml/2006/main" preserve="1">
+  <p:cSld name="Igaz vagy hamis">
+    <p:spTree>
+      <p:nvGrpSpPr>
+        <p:cNvPr id="1" name=""/>
+        <p:cNvGrpSpPr/>
+        <p:nvPr/>
+      </p:nvGrpSpPr>
+      <p:grpSpPr>
+        <a:xfrm>
+          <a:off x="0" y="0"/>
+          <a:ext cx="0" cy="0"/>
+          <a:chOff x="0" y="0"/>
+          <a:chExt cx="0" cy="0"/>
+        </a:xfrm>
+      </p:grpSpPr>
+      <p:sp>
+        <p:nvSpPr>
+          <p:cNvPr id="2" name="Title 1"/>
+          <p:cNvSpPr>
+            <a:spLocks noGrp="1"/>
+          </p:cNvSpPr>
+          <p:nvPr>
+            <p:ph type="title"/>
+          </p:nvPr>
+        </p:nvSpPr>
+        <p:spPr>
+          <a:xfrm>
+            <a:off x="685799" y="609600"/>
+            <a:ext cx="8588203" cy="3022600"/>
+          </a:xfrm>
+        </p:spPr>
+        <p:txBody>
+          <a:bodyPr anchor="ctr">
+            <a:normAutofit/>
+          </a:bodyPr>
+          <a:lstStyle>
+            <a:lvl1pPr algn="l">
+              <a:defRPr sz="4400" b="0" cap="none"/>
+            </a:lvl1pPr>
+          </a:lstStyle>
+          <a:p>
+            <a:r>
+              <a:rPr lang="hu-HU" smtClean="0"/>
+              <a:t>Mintacím szerkesztése</a:t>
+            </a:r>
+            <a:endParaRPr lang="en-US" dirty="0"/>
+          </a:p>
+        </p:txBody>
+      </p:sp>
+      <p:sp>
+        <p:nvSpPr>
+          <p:cNvPr id="23" name="Text Placeholder 9"/>
+          <p:cNvSpPr>
+            <a:spLocks noGrp="1"/>
+          </p:cNvSpPr>
+          <p:nvPr>
+            <p:ph type="body" sz="quarter" idx="13"/>
+          </p:nvPr>
+        </p:nvSpPr>
+        <p:spPr>
+          <a:xfrm>
+            <a:off x="677332" y="4013200"/>
+            <a:ext cx="8596669" cy="514248"/>
+          </a:xfrm>
+        </p:spPr>
+        <p:txBody>
+          <a:bodyPr anchor="b">
+            <a:noAutofit/>
+          </a:bodyPr>
+          <a:lstStyle>
+            <a:lvl1pPr marL="0" indent="0">
+              <a:buFontTx/>
+              <a:buNone/>
+              <a:defRPr sz="2400">
+                <a:solidFill>
+                  <a:schemeClr val="accent1"/>
+                </a:solidFill>
+              </a:defRPr>
+            </a:lvl1pPr>
+            <a:lvl2pPr marL="457200" indent="0">
+              <a:buFontTx/>
+              <a:buNone/>
+              <a:defRPr/>
+            </a:lvl2pPr>
+            <a:lvl3pPr marL="914400" indent="0">
+              <a:buFontTx/>
+              <a:buNone/>
+              <a:defRPr/>
+            </a:lvl3pPr>
+            <a:lvl4pPr marL="1371600" indent="0">
+              <a:buFontTx/>
+              <a:buNone/>
+              <a:defRPr/>
+            </a:lvl4pPr>
+            <a:lvl5pPr marL="1828800" indent="0">
+              <a:buFontTx/>
+              <a:buNone/>
+              <a:defRPr/>
+            </a:lvl5pPr>
+          </a:lstStyle>
+          <a:p>
+            <a:pPr lvl="0"/>
+            <a:r>
+              <a:rPr lang="hu-HU" smtClean="0"/>
+              <a:t>Mintaszöveg szerkesztése</a:t>
+            </a:r>
+          </a:p>
+        </p:txBody>
+      </p:sp>
+      <p:sp>
+        <p:nvSpPr>
+          <p:cNvPr id="3" name="Text Placeholder 2"/>
+          <p:cNvSpPr>
+            <a:spLocks noGrp="1"/>
+          </p:cNvSpPr>
+          <p:nvPr>
+            <p:ph type="body" idx="1"/>
+          </p:nvPr>
+        </p:nvSpPr>
+        <p:spPr>
+          <a:xfrm>
+            <a:off x="677335" y="4527448"/>
+            <a:ext cx="8596668" cy="1513914"/>
+          </a:xfrm>
+        </p:spPr>
+        <p:txBody>
+          <a:bodyPr anchor="t">
+            <a:normAutofit/>
+          </a:bodyPr>
+          <a:lstStyle>
+            <a:lvl1pPr marL="0" indent="0" algn="l">
+              <a:buNone/>
+              <a:defRPr sz="1800">
+                <a:solidFill>
+                  <a:schemeClr val="tx1">
+                    <a:lumMod val="50000"/>
+                    <a:lumOff val="50000"/>
+                  </a:schemeClr>
+                </a:solidFill>
+              </a:defRPr>
+            </a:lvl1pPr>
+            <a:lvl2pPr marL="457200" indent="0">
+              <a:buNone/>
+              <a:defRPr sz="1800">
+                <a:solidFill>
+                  <a:schemeClr val="tx1">
+                    <a:tint val="75000"/>
+                  </a:schemeClr>
+                </a:solidFill>
+              </a:defRPr>
+            </a:lvl2pPr>
+            <a:lvl3pPr marL="914400" indent="0">
+              <a:buNone/>
+              <a:defRPr sz="1600">
+                <a:solidFill>
+                  <a:schemeClr val="tx1">
+                    <a:tint val="75000"/>
+                  </a:schemeClr>
+                </a:solidFill>
+              </a:defRPr>
+            </a:lvl3pPr>
+            <a:lvl4pPr marL="1371600" indent="0">
+              <a:buNone/>
+              <a:defRPr sz="1400">
+                <a:solidFill>
+                  <a:schemeClr val="tx1">
+                    <a:tint val="75000"/>
+                  </a:schemeClr>
+                </a:solidFill>
+              </a:defRPr>
+            </a:lvl4pPr>
+            <a:lvl5pPr marL="1828800" indent="0">
+              <a:buNone/>
+              <a:defRPr sz="1400">
+                <a:solidFill>
+                  <a:schemeClr val="tx1">
+                    <a:tint val="75000"/>
+                  </a:schemeClr>
+                </a:solidFill>
+              </a:defRPr>
+            </a:lvl5pPr>
+            <a:lvl6pPr marL="2286000" indent="0">
+              <a:buNone/>
+              <a:defRPr sz="1400">
+                <a:solidFill>
+                  <a:schemeClr val="tx1">
+                    <a:tint val="75000"/>
+                  </a:schemeClr>
+                </a:solidFill>
+              </a:defRPr>
+            </a:lvl6pPr>
+            <a:lvl7pPr marL="2743200" indent="0">
+              <a:buNone/>
+              <a:defRPr sz="1400">
+                <a:solidFill>
+                  <a:schemeClr val="tx1">
+                    <a:tint val="75000"/>
+                  </a:schemeClr>
+                </a:solidFill>
+              </a:defRPr>
+            </a:lvl7pPr>
+            <a:lvl8pPr marL="3200400" indent="0">
+              <a:buNone/>
+              <a:defRPr sz="1400">
+                <a:solidFill>
+                  <a:schemeClr val="tx1">
+                    <a:tint val="75000"/>
+                  </a:schemeClr>
+                </a:solidFill>
+              </a:defRPr>
+            </a:lvl8pPr>
+            <a:lvl9pPr marL="3657600" indent="0">
+              <a:buNone/>
+              <a:defRPr sz="1400">
+                <a:solidFill>
+                  <a:schemeClr val="tx1">
+                    <a:tint val="75000"/>
+                  </a:schemeClr>
+                </a:solidFill>
+              </a:defRPr>
+            </a:lvl9pPr>
+          </a:lstStyle>
+          <a:p>
+            <a:pPr lvl="0"/>
+            <a:r>
+              <a:rPr lang="hu-HU" smtClean="0"/>
+              <a:t>Mintaszöveg szerkesztése</a:t>
+            </a:r>
+          </a:p>
+        </p:txBody>
+      </p:sp>
+      <p:sp>
+        <p:nvSpPr>
+          <p:cNvPr id="4" name="Date Placeholder 3"/>
+          <p:cNvSpPr>
+            <a:spLocks noGrp="1"/>
+          </p:cNvSpPr>
+          <p:nvPr>
+            <p:ph type="dt" sz="half" idx="10"/>
+          </p:nvPr>
+        </p:nvSpPr>
+        <p:spPr/>
+        <p:txBody>
+          <a:bodyPr/>
+          <a:lstStyle/>
+          <a:p>
+            <a:fld id="{A515A8DB-1761-43C7-85F6-AF4C95111F34}" type="datetimeFigureOut">
+              <a:rPr lang="hu-HU" smtClean="0"/>
+              <a:t>2022.02.16.</a:t>
+            </a:fld>
+            <a:endParaRPr lang="hu-HU"/>
+          </a:p>
+        </p:txBody>
+      </p:sp>
+      <p:sp>
+        <p:nvSpPr>
+          <p:cNvPr id="5" name="Footer Placeholder 4"/>
+          <p:cNvSpPr>
+            <a:spLocks noGrp="1"/>
+          </p:cNvSpPr>
+          <p:nvPr>
+            <p:ph type="ftr" sz="quarter" idx="11"/>
+          </p:nvPr>
+        </p:nvSpPr>
+        <p:spPr/>
+        <p:txBody>
+          <a:bodyPr/>
+          <a:lstStyle/>
+          <a:p>
+            <a:endParaRPr lang="hu-HU"/>
+          </a:p>
+        </p:txBody>
+      </p:sp>
+      <p:sp>
+        <p:nvSpPr>
+          <p:cNvPr id="6" name="Slide Number Placeholder 5"/>
+          <p:cNvSpPr>
+            <a:spLocks noGrp="1"/>
+          </p:cNvSpPr>
+          <p:nvPr>
+            <p:ph type="sldNum" sz="quarter" idx="12"/>
+          </p:nvPr>
+        </p:nvSpPr>
+        <p:spPr/>
+        <p:txBody>
+          <a:bodyPr/>
+          <a:lstStyle/>
+          <a:p>
+            <a:fld id="{98B65EAF-693C-4B62-9DE5-2CAD6E3E5CB8}" type="slidenum">
+              <a:rPr lang="hu-HU" smtClean="0"/>
+              <a:t>‹#›</a:t>
+            </a:fld>
+            <a:endParaRPr lang="hu-HU"/>
+          </a:p>
+        </p:txBody>
+      </p:sp>
+    </p:spTree>
+    <p:extLst>
+      <p:ext uri="{BB962C8B-B14F-4D97-AF65-F5344CB8AC3E}">
+        <p14:creationId xmlns:p14="http://schemas.microsoft.com/office/powerpoint/2010/main" val="1022704765"/>
+      </p:ext>
+    </p:extLst>
+  </p:cSld>
+  <p:clrMapOvr>
+    <a:masterClrMapping/>
+  </p:clrMapOvr>
+</p:sldLayout>
+</file>
+
+<file path=ppt/slideLayouts/slideLayout15.xml><?xml version="1.0" encoding="utf-8"?>
 <p:sldLayout xmlns:a="http://schemas.openxmlformats.org/drawingml/2006/main" xmlns:r="http://schemas.openxmlformats.org/officeDocument/2006/relationships" xmlns:p="http://schemas.openxmlformats.org/presentationml/2006/main" type="vertTx" preserve="1">
   <p:cSld name="Cím és függőleges szöveg">
     <p:spTree>
@@ -320,7 +2548,7 @@
       </p:grpSpPr>
       <p:sp>
         <p:nvSpPr>
-          <p:cNvPr id="2" name="Cím 1"/>
+          <p:cNvPr id="2" name="Title 1"/>
           <p:cNvSpPr>
             <a:spLocks noGrp="1"/>
           </p:cNvSpPr>
@@ -337,13 +2565,13 @@
               <a:rPr lang="hu-HU" smtClean="0"/>
               <a:t>Mintacím szerkesztése</a:t>
             </a:r>
-            <a:endParaRPr lang="hu-HU"/>
-          </a:p>
-        </p:txBody>
-      </p:sp>
-      <p:sp>
-        <p:nvSpPr>
-          <p:cNvPr id="3" name="Függőleges szöveg helye 2"/>
+            <a:endParaRPr lang="en-US" dirty="0"/>
+          </a:p>
+        </p:txBody>
+      </p:sp>
+      <p:sp>
+        <p:nvSpPr>
+          <p:cNvPr id="3" name="Vertical Text Placeholder 2"/>
           <p:cNvSpPr>
             <a:spLocks noGrp="1"/>
           </p:cNvSpPr>
@@ -389,13 +2617,13 @@
               <a:rPr lang="hu-HU" smtClean="0"/>
               <a:t>Ötödik szint</a:t>
             </a:r>
-            <a:endParaRPr lang="hu-HU"/>
-          </a:p>
-        </p:txBody>
-      </p:sp>
-      <p:sp>
-        <p:nvSpPr>
-          <p:cNvPr id="4" name="Dátum helye 3"/>
+            <a:endParaRPr lang="en-US" dirty="0"/>
+          </a:p>
+        </p:txBody>
+      </p:sp>
+      <p:sp>
+        <p:nvSpPr>
+          <p:cNvPr id="4" name="Date Placeholder 3"/>
           <p:cNvSpPr>
             <a:spLocks noGrp="1"/>
           </p:cNvSpPr>
@@ -410,7 +2638,7 @@
           <a:p>
             <a:fld id="{A515A8DB-1761-43C7-85F6-AF4C95111F34}" type="datetimeFigureOut">
               <a:rPr lang="hu-HU" smtClean="0"/>
-              <a:t>2022.02.09.</a:t>
+              <a:t>2022.02.16.</a:t>
             </a:fld>
             <a:endParaRPr lang="hu-HU"/>
           </a:p>
@@ -418,7 +2646,7 @@
       </p:sp>
       <p:sp>
         <p:nvSpPr>
-          <p:cNvPr id="5" name="Élőláb helye 4"/>
+          <p:cNvPr id="5" name="Footer Placeholder 4"/>
           <p:cNvSpPr>
             <a:spLocks noGrp="1"/>
           </p:cNvSpPr>
@@ -437,7 +2665,7 @@
       </p:sp>
       <p:sp>
         <p:nvSpPr>
-          <p:cNvPr id="6" name="Dia számának helye 5"/>
+          <p:cNvPr id="6" name="Slide Number Placeholder 5"/>
           <p:cNvSpPr>
             <a:spLocks noGrp="1"/>
           </p:cNvSpPr>
@@ -461,7 +2689,7 @@
     </p:spTree>
     <p:extLst>
       <p:ext uri="{BB962C8B-B14F-4D97-AF65-F5344CB8AC3E}">
-        <p14:creationId xmlns:p14="http://schemas.microsoft.com/office/powerpoint/2010/main" val="1880873998"/>
+        <p14:creationId xmlns:p14="http://schemas.microsoft.com/office/powerpoint/2010/main" val="64992479"/>
       </p:ext>
     </p:extLst>
   </p:cSld>
@@ -471,7 +2699,7 @@
 </p:sldLayout>
 </file>
 
-<file path=ppt/slideLayouts/slideLayout11.xml><?xml version="1.0" encoding="utf-8"?>
+<file path=ppt/slideLayouts/slideLayout16.xml><?xml version="1.0" encoding="utf-8"?>
 <p:sldLayout xmlns:a="http://schemas.openxmlformats.org/drawingml/2006/main" xmlns:r="http://schemas.openxmlformats.org/officeDocument/2006/relationships" xmlns:p="http://schemas.openxmlformats.org/presentationml/2006/main" type="vertTitleAndTx" preserve="1">
   <p:cSld name="Függőleges cím és szöveg">
     <p:spTree>
@@ -490,7 +2718,7 @@
       </p:grpSpPr>
       <p:sp>
         <p:nvSpPr>
-          <p:cNvPr id="2" name="Függőleges cím 1"/>
+          <p:cNvPr id="2" name="Vertical Title 1"/>
           <p:cNvSpPr>
             <a:spLocks noGrp="1"/>
           </p:cNvSpPr>
@@ -500,25 +2728,25 @@
         </p:nvSpPr>
         <p:spPr>
           <a:xfrm>
-            <a:off x="8724900" y="365125"/>
-            <a:ext cx="2628900" cy="5811838"/>
+            <a:off x="7967673" y="609599"/>
+            <a:ext cx="1304743" cy="5251451"/>
           </a:xfrm>
         </p:spPr>
         <p:txBody>
-          <a:bodyPr vert="eaVert"/>
+          <a:bodyPr vert="eaVert" anchor="ctr"/>
           <a:lstStyle/>
           <a:p>
             <a:r>
               <a:rPr lang="hu-HU" smtClean="0"/>
               <a:t>Mintacím szerkesztése</a:t>
             </a:r>
-            <a:endParaRPr lang="hu-HU"/>
-          </a:p>
-        </p:txBody>
-      </p:sp>
-      <p:sp>
-        <p:nvSpPr>
-          <p:cNvPr id="3" name="Függőleges szöveg helye 2"/>
+            <a:endParaRPr lang="en-US" dirty="0"/>
+          </a:p>
+        </p:txBody>
+      </p:sp>
+      <p:sp>
+        <p:nvSpPr>
+          <p:cNvPr id="3" name="Vertical Text Placeholder 2"/>
           <p:cNvSpPr>
             <a:spLocks noGrp="1"/>
           </p:cNvSpPr>
@@ -528,8 +2756,8 @@
         </p:nvSpPr>
         <p:spPr>
           <a:xfrm>
-            <a:off x="838200" y="365125"/>
-            <a:ext cx="7734300" cy="5811838"/>
+            <a:off x="677335" y="609600"/>
+            <a:ext cx="7060150" cy="5251450"/>
           </a:xfrm>
         </p:spPr>
         <p:txBody>
@@ -569,13 +2797,13 @@
               <a:rPr lang="hu-HU" smtClean="0"/>
               <a:t>Ötödik szint</a:t>
             </a:r>
-            <a:endParaRPr lang="hu-HU"/>
-          </a:p>
-        </p:txBody>
-      </p:sp>
-      <p:sp>
-        <p:nvSpPr>
-          <p:cNvPr id="4" name="Dátum helye 3"/>
+            <a:endParaRPr lang="en-US" dirty="0"/>
+          </a:p>
+        </p:txBody>
+      </p:sp>
+      <p:sp>
+        <p:nvSpPr>
+          <p:cNvPr id="4" name="Date Placeholder 3"/>
           <p:cNvSpPr>
             <a:spLocks noGrp="1"/>
           </p:cNvSpPr>
@@ -590,7 +2818,7 @@
           <a:p>
             <a:fld id="{A515A8DB-1761-43C7-85F6-AF4C95111F34}" type="datetimeFigureOut">
               <a:rPr lang="hu-HU" smtClean="0"/>
-              <a:t>2022.02.09.</a:t>
+              <a:t>2022.02.16.</a:t>
             </a:fld>
             <a:endParaRPr lang="hu-HU"/>
           </a:p>
@@ -598,7 +2826,7 @@
       </p:sp>
       <p:sp>
         <p:nvSpPr>
-          <p:cNvPr id="5" name="Élőláb helye 4"/>
+          <p:cNvPr id="5" name="Footer Placeholder 4"/>
           <p:cNvSpPr>
             <a:spLocks noGrp="1"/>
           </p:cNvSpPr>
@@ -617,7 +2845,7 @@
       </p:sp>
       <p:sp>
         <p:nvSpPr>
-          <p:cNvPr id="6" name="Dia számának helye 5"/>
+          <p:cNvPr id="6" name="Slide Number Placeholder 5"/>
           <p:cNvSpPr>
             <a:spLocks noGrp="1"/>
           </p:cNvSpPr>
@@ -641,7 +2869,7 @@
     </p:spTree>
     <p:extLst>
       <p:ext uri="{BB962C8B-B14F-4D97-AF65-F5344CB8AC3E}">
-        <p14:creationId xmlns:p14="http://schemas.microsoft.com/office/powerpoint/2010/main" val="630580391"/>
+        <p14:creationId xmlns:p14="http://schemas.microsoft.com/office/powerpoint/2010/main" val="4108189307"/>
       </p:ext>
     </p:extLst>
   </p:cSld>
@@ -670,7 +2898,7 @@
       </p:grpSpPr>
       <p:sp>
         <p:nvSpPr>
-          <p:cNvPr id="2" name="Cím 1"/>
+          <p:cNvPr id="2" name="Title 1"/>
           <p:cNvSpPr>
             <a:spLocks noGrp="1"/>
           </p:cNvSpPr>
@@ -680,25 +2908,83 @@
         </p:nvSpPr>
         <p:spPr/>
         <p:txBody>
+          <a:bodyPr>
+            <a:normAutofit/>
+          </a:bodyPr>
+          <a:lstStyle>
+            <a:lvl1pPr>
+              <a:defRPr sz="3600"/>
+            </a:lvl1pPr>
+          </a:lstStyle>
+          <a:p>
+            <a:r>
+              <a:rPr lang="hu-HU" smtClean="0"/>
+              <a:t>Mintacím szerkesztése</a:t>
+            </a:r>
+            <a:endParaRPr lang="en-US" dirty="0"/>
+          </a:p>
+        </p:txBody>
+      </p:sp>
+      <p:sp>
+        <p:nvSpPr>
+          <p:cNvPr id="3" name="Content Placeholder 2"/>
+          <p:cNvSpPr>
+            <a:spLocks noGrp="1"/>
+          </p:cNvSpPr>
+          <p:nvPr>
+            <p:ph idx="1"/>
+          </p:nvPr>
+        </p:nvSpPr>
+        <p:spPr/>
+        <p:txBody>
           <a:bodyPr/>
           <a:lstStyle/>
           <a:p>
-            <a:r>
-              <a:rPr lang="hu-HU" smtClean="0"/>
-              <a:t>Mintacím szerkesztése</a:t>
-            </a:r>
-            <a:endParaRPr lang="hu-HU"/>
-          </a:p>
-        </p:txBody>
-      </p:sp>
-      <p:sp>
-        <p:nvSpPr>
-          <p:cNvPr id="3" name="Tartalom helye 2"/>
-          <p:cNvSpPr>
-            <a:spLocks noGrp="1"/>
-          </p:cNvSpPr>
-          <p:nvPr>
-            <p:ph idx="1"/>
+            <a:pPr lvl="0"/>
+            <a:r>
+              <a:rPr lang="hu-HU" smtClean="0"/>
+              <a:t>Mintaszöveg szerkesztése</a:t>
+            </a:r>
+          </a:p>
+          <a:p>
+            <a:pPr lvl="1"/>
+            <a:r>
+              <a:rPr lang="hu-HU" smtClean="0"/>
+              <a:t>Második szint</a:t>
+            </a:r>
+          </a:p>
+          <a:p>
+            <a:pPr lvl="2"/>
+            <a:r>
+              <a:rPr lang="hu-HU" smtClean="0"/>
+              <a:t>Harmadik szint</a:t>
+            </a:r>
+          </a:p>
+          <a:p>
+            <a:pPr lvl="3"/>
+            <a:r>
+              <a:rPr lang="hu-HU" smtClean="0"/>
+              <a:t>Negyedik szint</a:t>
+            </a:r>
+          </a:p>
+          <a:p>
+            <a:pPr lvl="4"/>
+            <a:r>
+              <a:rPr lang="hu-HU" smtClean="0"/>
+              <a:t>Ötödik szint</a:t>
+            </a:r>
+            <a:endParaRPr lang="en-US" dirty="0"/>
+          </a:p>
+        </p:txBody>
+      </p:sp>
+      <p:sp>
+        <p:nvSpPr>
+          <p:cNvPr id="4" name="Date Placeholder 3"/>
+          <p:cNvSpPr>
+            <a:spLocks noGrp="1"/>
+          </p:cNvSpPr>
+          <p:nvPr>
+            <p:ph type="dt" sz="half" idx="10"/>
           </p:nvPr>
         </p:nvSpPr>
         <p:spPr/>
@@ -706,61 +2992,9 @@
           <a:bodyPr/>
           <a:lstStyle/>
           <a:p>
-            <a:pPr lvl="0"/>
-            <a:r>
-              <a:rPr lang="hu-HU" smtClean="0"/>
-              <a:t>Mintaszöveg szerkesztése</a:t>
-            </a:r>
-          </a:p>
-          <a:p>
-            <a:pPr lvl="1"/>
-            <a:r>
-              <a:rPr lang="hu-HU" smtClean="0"/>
-              <a:t>Második szint</a:t>
-            </a:r>
-          </a:p>
-          <a:p>
-            <a:pPr lvl="2"/>
-            <a:r>
-              <a:rPr lang="hu-HU" smtClean="0"/>
-              <a:t>Harmadik szint</a:t>
-            </a:r>
-          </a:p>
-          <a:p>
-            <a:pPr lvl="3"/>
-            <a:r>
-              <a:rPr lang="hu-HU" smtClean="0"/>
-              <a:t>Negyedik szint</a:t>
-            </a:r>
-          </a:p>
-          <a:p>
-            <a:pPr lvl="4"/>
-            <a:r>
-              <a:rPr lang="hu-HU" smtClean="0"/>
-              <a:t>Ötödik szint</a:t>
-            </a:r>
-            <a:endParaRPr lang="hu-HU"/>
-          </a:p>
-        </p:txBody>
-      </p:sp>
-      <p:sp>
-        <p:nvSpPr>
-          <p:cNvPr id="4" name="Dátum helye 3"/>
-          <p:cNvSpPr>
-            <a:spLocks noGrp="1"/>
-          </p:cNvSpPr>
-          <p:nvPr>
-            <p:ph type="dt" sz="half" idx="10"/>
-          </p:nvPr>
-        </p:nvSpPr>
-        <p:spPr/>
-        <p:txBody>
-          <a:bodyPr/>
-          <a:lstStyle/>
-          <a:p>
             <a:fld id="{A515A8DB-1761-43C7-85F6-AF4C95111F34}" type="datetimeFigureOut">
               <a:rPr lang="hu-HU" smtClean="0"/>
-              <a:t>2022.02.09.</a:t>
+              <a:t>2022.02.16.</a:t>
             </a:fld>
             <a:endParaRPr lang="hu-HU"/>
           </a:p>
@@ -768,7 +3002,7 @@
       </p:sp>
       <p:sp>
         <p:nvSpPr>
-          <p:cNvPr id="5" name="Élőláb helye 4"/>
+          <p:cNvPr id="5" name="Footer Placeholder 4"/>
           <p:cNvSpPr>
             <a:spLocks noGrp="1"/>
           </p:cNvSpPr>
@@ -787,7 +3021,7 @@
       </p:sp>
       <p:sp>
         <p:nvSpPr>
-          <p:cNvPr id="6" name="Dia számának helye 5"/>
+          <p:cNvPr id="6" name="Slide Number Placeholder 5"/>
           <p:cNvSpPr>
             <a:spLocks noGrp="1"/>
           </p:cNvSpPr>
@@ -811,7 +3045,7 @@
     </p:spTree>
     <p:extLst>
       <p:ext uri="{BB962C8B-B14F-4D97-AF65-F5344CB8AC3E}">
-        <p14:creationId xmlns:p14="http://schemas.microsoft.com/office/powerpoint/2010/main" val="2571693625"/>
+        <p14:creationId xmlns:p14="http://schemas.microsoft.com/office/powerpoint/2010/main" val="425238627"/>
       </p:ext>
     </p:extLst>
   </p:cSld>
@@ -840,7 +3074,7 @@
       </p:grpSpPr>
       <p:sp>
         <p:nvSpPr>
-          <p:cNvPr id="2" name="Cím 1"/>
+          <p:cNvPr id="2" name="Title 1"/>
           <p:cNvSpPr>
             <a:spLocks noGrp="1"/>
           </p:cNvSpPr>
@@ -850,15 +3084,15 @@
         </p:nvSpPr>
         <p:spPr>
           <a:xfrm>
-            <a:off x="831850" y="1709738"/>
-            <a:ext cx="10515600" cy="2852737"/>
+            <a:off x="677335" y="2700867"/>
+            <a:ext cx="8596668" cy="1826581"/>
           </a:xfrm>
         </p:spPr>
         <p:txBody>
           <a:bodyPr anchor="b"/>
           <a:lstStyle>
-            <a:lvl1pPr>
-              <a:defRPr sz="6000"/>
+            <a:lvl1pPr algn="l">
+              <a:defRPr sz="4000" b="0" cap="none"/>
             </a:lvl1pPr>
           </a:lstStyle>
           <a:p>
@@ -866,13 +3100,13 @@
               <a:rPr lang="hu-HU" smtClean="0"/>
               <a:t>Mintacím szerkesztése</a:t>
             </a:r>
-            <a:endParaRPr lang="hu-HU"/>
-          </a:p>
-        </p:txBody>
-      </p:sp>
-      <p:sp>
-        <p:nvSpPr>
-          <p:cNvPr id="3" name="Szöveg helye 2"/>
+            <a:endParaRPr lang="en-US" dirty="0"/>
+          </a:p>
+        </p:txBody>
+      </p:sp>
+      <p:sp>
+        <p:nvSpPr>
+          <p:cNvPr id="3" name="Text Placeholder 2"/>
           <p:cNvSpPr>
             <a:spLocks noGrp="1"/>
           </p:cNvSpPr>
@@ -882,102 +3116,103 @@
         </p:nvSpPr>
         <p:spPr>
           <a:xfrm>
-            <a:off x="831850" y="4589463"/>
-            <a:ext cx="10515600" cy="1500187"/>
+            <a:off x="677335" y="4527448"/>
+            <a:ext cx="8596668" cy="860400"/>
           </a:xfrm>
         </p:spPr>
         <p:txBody>
-          <a:bodyPr/>
+          <a:bodyPr anchor="t"/>
           <a:lstStyle>
-            <a:lvl1pPr marL="0" indent="0">
-              <a:buNone/>
-              <a:defRPr sz="2400">
+            <a:lvl1pPr marL="0" indent="0" algn="l">
+              <a:buNone/>
+              <a:defRPr sz="2000">
+                <a:solidFill>
+                  <a:schemeClr val="tx1">
+                    <a:lumMod val="50000"/>
+                    <a:lumOff val="50000"/>
+                  </a:schemeClr>
+                </a:solidFill>
+              </a:defRPr>
+            </a:lvl1pPr>
+            <a:lvl2pPr marL="457200" indent="0">
+              <a:buNone/>
+              <a:defRPr sz="1800">
                 <a:solidFill>
                   <a:schemeClr val="tx1">
                     <a:tint val="75000"/>
                   </a:schemeClr>
                 </a:solidFill>
               </a:defRPr>
-            </a:lvl1pPr>
-            <a:lvl2pPr marL="457200" indent="0">
-              <a:buNone/>
-              <a:defRPr sz="2000">
+            </a:lvl2pPr>
+            <a:lvl3pPr marL="914400" indent="0">
+              <a:buNone/>
+              <a:defRPr sz="1600">
                 <a:solidFill>
                   <a:schemeClr val="tx1">
                     <a:tint val="75000"/>
                   </a:schemeClr>
                 </a:solidFill>
               </a:defRPr>
-            </a:lvl2pPr>
-            <a:lvl3pPr marL="914400" indent="0">
-              <a:buNone/>
-              <a:defRPr sz="1800">
+            </a:lvl3pPr>
+            <a:lvl4pPr marL="1371600" indent="0">
+              <a:buNone/>
+              <a:defRPr sz="1400">
                 <a:solidFill>
                   <a:schemeClr val="tx1">
                     <a:tint val="75000"/>
                   </a:schemeClr>
                 </a:solidFill>
               </a:defRPr>
-            </a:lvl3pPr>
-            <a:lvl4pPr marL="1371600" indent="0">
-              <a:buNone/>
-              <a:defRPr sz="1600">
+            </a:lvl4pPr>
+            <a:lvl5pPr marL="1828800" indent="0">
+              <a:buNone/>
+              <a:defRPr sz="1400">
                 <a:solidFill>
                   <a:schemeClr val="tx1">
                     <a:tint val="75000"/>
                   </a:schemeClr>
                 </a:solidFill>
               </a:defRPr>
-            </a:lvl4pPr>
-            <a:lvl5pPr marL="1828800" indent="0">
-              <a:buNone/>
-              <a:defRPr sz="1600">
+            </a:lvl5pPr>
+            <a:lvl6pPr marL="2286000" indent="0">
+              <a:buNone/>
+              <a:defRPr sz="1400">
                 <a:solidFill>
                   <a:schemeClr val="tx1">
                     <a:tint val="75000"/>
                   </a:schemeClr>
                 </a:solidFill>
               </a:defRPr>
-            </a:lvl5pPr>
-            <a:lvl6pPr marL="2286000" indent="0">
-              <a:buNone/>
-              <a:defRPr sz="1600">
+            </a:lvl6pPr>
+            <a:lvl7pPr marL="2743200" indent="0">
+              <a:buNone/>
+              <a:defRPr sz="1400">
                 <a:solidFill>
                   <a:schemeClr val="tx1">
                     <a:tint val="75000"/>
                   </a:schemeClr>
                 </a:solidFill>
               </a:defRPr>
-            </a:lvl6pPr>
-            <a:lvl7pPr marL="2743200" indent="0">
-              <a:buNone/>
-              <a:defRPr sz="1600">
+            </a:lvl7pPr>
+            <a:lvl8pPr marL="3200400" indent="0">
+              <a:buNone/>
+              <a:defRPr sz="1400">
                 <a:solidFill>
                   <a:schemeClr val="tx1">
                     <a:tint val="75000"/>
                   </a:schemeClr>
                 </a:solidFill>
               </a:defRPr>
-            </a:lvl7pPr>
-            <a:lvl8pPr marL="3200400" indent="0">
-              <a:buNone/>
-              <a:defRPr sz="1600">
+            </a:lvl8pPr>
+            <a:lvl9pPr marL="3657600" indent="0">
+              <a:buNone/>
+              <a:defRPr sz="1400">
                 <a:solidFill>
                   <a:schemeClr val="tx1">
                     <a:tint val="75000"/>
                   </a:schemeClr>
                 </a:solidFill>
               </a:defRPr>
-            </a:lvl8pPr>
-            <a:lvl9pPr marL="3657600" indent="0">
-              <a:buNone/>
-              <a:defRPr sz="1600">
-                <a:solidFill>
-                  <a:schemeClr val="tx1">
-                    <a:tint val="75000"/>
-                  </a:schemeClr>
-                </a:solidFill>
-              </a:defRPr>
             </a:lvl9pPr>
           </a:lstStyle>
           <a:p>
@@ -991,7 +3226,7 @@
       </p:sp>
       <p:sp>
         <p:nvSpPr>
-          <p:cNvPr id="4" name="Dátum helye 3"/>
+          <p:cNvPr id="4" name="Date Placeholder 3"/>
           <p:cNvSpPr>
             <a:spLocks noGrp="1"/>
           </p:cNvSpPr>
@@ -1006,7 +3241,7 @@
           <a:p>
             <a:fld id="{A515A8DB-1761-43C7-85F6-AF4C95111F34}" type="datetimeFigureOut">
               <a:rPr lang="hu-HU" smtClean="0"/>
-              <a:t>2022.02.09.</a:t>
+              <a:t>2022.02.16.</a:t>
             </a:fld>
             <a:endParaRPr lang="hu-HU"/>
           </a:p>
@@ -1014,7 +3249,7 @@
       </p:sp>
       <p:sp>
         <p:nvSpPr>
-          <p:cNvPr id="5" name="Élőláb helye 4"/>
+          <p:cNvPr id="5" name="Footer Placeholder 4"/>
           <p:cNvSpPr>
             <a:spLocks noGrp="1"/>
           </p:cNvSpPr>
@@ -1033,7 +3268,7 @@
       </p:sp>
       <p:sp>
         <p:nvSpPr>
-          <p:cNvPr id="6" name="Dia számának helye 5"/>
+          <p:cNvPr id="6" name="Slide Number Placeholder 5"/>
           <p:cNvSpPr>
             <a:spLocks noGrp="1"/>
           </p:cNvSpPr>
@@ -1057,7 +3292,7 @@
     </p:spTree>
     <p:extLst>
       <p:ext uri="{BB962C8B-B14F-4D97-AF65-F5344CB8AC3E}">
-        <p14:creationId xmlns:p14="http://schemas.microsoft.com/office/powerpoint/2010/main" val="2235953724"/>
+        <p14:creationId xmlns:p14="http://schemas.microsoft.com/office/powerpoint/2010/main" val="2721873218"/>
       </p:ext>
     </p:extLst>
   </p:cSld>
@@ -1086,7 +3321,7 @@
       </p:grpSpPr>
       <p:sp>
         <p:nvSpPr>
-          <p:cNvPr id="2" name="Cím 1"/>
+          <p:cNvPr id="2" name="Title 1"/>
           <p:cNvSpPr>
             <a:spLocks noGrp="1"/>
           </p:cNvSpPr>
@@ -1103,13 +3338,13 @@
               <a:rPr lang="hu-HU" smtClean="0"/>
               <a:t>Mintacím szerkesztése</a:t>
             </a:r>
-            <a:endParaRPr lang="hu-HU"/>
-          </a:p>
-        </p:txBody>
-      </p:sp>
-      <p:sp>
-        <p:nvSpPr>
-          <p:cNvPr id="3" name="Tartalom helye 2"/>
+            <a:endParaRPr lang="en-US" dirty="0"/>
+          </a:p>
+        </p:txBody>
+      </p:sp>
+      <p:sp>
+        <p:nvSpPr>
+          <p:cNvPr id="3" name="Content Placeholder 2"/>
           <p:cNvSpPr>
             <a:spLocks noGrp="1"/>
           </p:cNvSpPr>
@@ -1119,8 +3354,8 @@
         </p:nvSpPr>
         <p:spPr>
           <a:xfrm>
-            <a:off x="838200" y="1825625"/>
-            <a:ext cx="5181600" cy="4351338"/>
+            <a:off x="677334" y="2160589"/>
+            <a:ext cx="4184035" cy="3880772"/>
           </a:xfrm>
         </p:spPr>
         <p:txBody>
@@ -1160,13 +3395,13 @@
               <a:rPr lang="hu-HU" smtClean="0"/>
               <a:t>Ötödik szint</a:t>
             </a:r>
-            <a:endParaRPr lang="hu-HU"/>
-          </a:p>
-        </p:txBody>
-      </p:sp>
-      <p:sp>
-        <p:nvSpPr>
-          <p:cNvPr id="4" name="Tartalom helye 3"/>
+            <a:endParaRPr lang="en-US" dirty="0"/>
+          </a:p>
+        </p:txBody>
+      </p:sp>
+      <p:sp>
+        <p:nvSpPr>
+          <p:cNvPr id="4" name="Content Placeholder 3"/>
           <p:cNvSpPr>
             <a:spLocks noGrp="1"/>
           </p:cNvSpPr>
@@ -1176,8 +3411,8 @@
         </p:nvSpPr>
         <p:spPr>
           <a:xfrm>
-            <a:off x="6172200" y="1825625"/>
-            <a:ext cx="5181600" cy="4351338"/>
+            <a:off x="5089970" y="2160589"/>
+            <a:ext cx="4184034" cy="3880773"/>
           </a:xfrm>
         </p:spPr>
         <p:txBody>
@@ -1217,13 +3452,13 @@
               <a:rPr lang="hu-HU" smtClean="0"/>
               <a:t>Ötödik szint</a:t>
             </a:r>
-            <a:endParaRPr lang="hu-HU"/>
-          </a:p>
-        </p:txBody>
-      </p:sp>
-      <p:sp>
-        <p:nvSpPr>
-          <p:cNvPr id="5" name="Dátum helye 4"/>
+            <a:endParaRPr lang="en-US" dirty="0"/>
+          </a:p>
+        </p:txBody>
+      </p:sp>
+      <p:sp>
+        <p:nvSpPr>
+          <p:cNvPr id="5" name="Date Placeholder 4"/>
           <p:cNvSpPr>
             <a:spLocks noGrp="1"/>
           </p:cNvSpPr>
@@ -1238,7 +3473,7 @@
           <a:p>
             <a:fld id="{A515A8DB-1761-43C7-85F6-AF4C95111F34}" type="datetimeFigureOut">
               <a:rPr lang="hu-HU" smtClean="0"/>
-              <a:t>2022.02.09.</a:t>
+              <a:t>2022.02.16.</a:t>
             </a:fld>
             <a:endParaRPr lang="hu-HU"/>
           </a:p>
@@ -1246,7 +3481,7 @@
       </p:sp>
       <p:sp>
         <p:nvSpPr>
-          <p:cNvPr id="6" name="Élőláb helye 5"/>
+          <p:cNvPr id="6" name="Footer Placeholder 5"/>
           <p:cNvSpPr>
             <a:spLocks noGrp="1"/>
           </p:cNvSpPr>
@@ -1265,7 +3500,7 @@
       </p:sp>
       <p:sp>
         <p:nvSpPr>
-          <p:cNvPr id="7" name="Dia számának helye 6"/>
+          <p:cNvPr id="7" name="Slide Number Placeholder 6"/>
           <p:cNvSpPr>
             <a:spLocks noGrp="1"/>
           </p:cNvSpPr>
@@ -1289,7 +3524,7 @@
     </p:spTree>
     <p:extLst>
       <p:ext uri="{BB962C8B-B14F-4D97-AF65-F5344CB8AC3E}">
-        <p14:creationId xmlns:p14="http://schemas.microsoft.com/office/powerpoint/2010/main" val="1055628286"/>
+        <p14:creationId xmlns:p14="http://schemas.microsoft.com/office/powerpoint/2010/main" val="2372763132"/>
       </p:ext>
     </p:extLst>
   </p:cSld>
@@ -1318,54 +3553,55 @@
       </p:grpSpPr>
       <p:sp>
         <p:nvSpPr>
-          <p:cNvPr id="2" name="Cím 1"/>
+          <p:cNvPr id="2" name="Title 1"/>
           <p:cNvSpPr>
             <a:spLocks noGrp="1"/>
           </p:cNvSpPr>
           <p:nvPr>
             <p:ph type="title"/>
+          </p:nvPr>
+        </p:nvSpPr>
+        <p:spPr/>
+        <p:txBody>
+          <a:bodyPr/>
+          <a:lstStyle>
+            <a:lvl1pPr>
+              <a:defRPr/>
+            </a:lvl1pPr>
+          </a:lstStyle>
+          <a:p>
+            <a:r>
+              <a:rPr lang="hu-HU" smtClean="0"/>
+              <a:t>Mintacím szerkesztése</a:t>
+            </a:r>
+            <a:endParaRPr lang="en-US" dirty="0"/>
+          </a:p>
+        </p:txBody>
+      </p:sp>
+      <p:sp>
+        <p:nvSpPr>
+          <p:cNvPr id="3" name="Text Placeholder 2"/>
+          <p:cNvSpPr>
+            <a:spLocks noGrp="1"/>
+          </p:cNvSpPr>
+          <p:nvPr>
+            <p:ph type="body" idx="1"/>
           </p:nvPr>
         </p:nvSpPr>
         <p:spPr>
           <a:xfrm>
-            <a:off x="839788" y="365125"/>
-            <a:ext cx="10515600" cy="1325563"/>
+            <a:off x="675745" y="2160983"/>
+            <a:ext cx="4185623" cy="576262"/>
           </a:xfrm>
         </p:spPr>
         <p:txBody>
-          <a:bodyPr/>
-          <a:lstStyle/>
-          <a:p>
-            <a:r>
-              <a:rPr lang="hu-HU" smtClean="0"/>
-              <a:t>Mintacím szerkesztése</a:t>
-            </a:r>
-            <a:endParaRPr lang="hu-HU"/>
-          </a:p>
-        </p:txBody>
-      </p:sp>
-      <p:sp>
-        <p:nvSpPr>
-          <p:cNvPr id="3" name="Szöveg helye 2"/>
-          <p:cNvSpPr>
-            <a:spLocks noGrp="1"/>
-          </p:cNvSpPr>
-          <p:nvPr>
-            <p:ph type="body" idx="1"/>
-          </p:nvPr>
-        </p:nvSpPr>
-        <p:spPr>
-          <a:xfrm>
-            <a:off x="839788" y="1681163"/>
-            <a:ext cx="5157787" cy="823912"/>
-          </a:xfrm>
-        </p:spPr>
-        <p:txBody>
-          <a:bodyPr anchor="b"/>
+          <a:bodyPr anchor="b">
+            <a:noAutofit/>
+          </a:bodyPr>
           <a:lstStyle>
             <a:lvl1pPr marL="0" indent="0">
               <a:buNone/>
-              <a:defRPr sz="2400" b="1"/>
+              <a:defRPr sz="2400" b="0"/>
             </a:lvl1pPr>
             <a:lvl2pPr marL="457200" indent="0">
               <a:buNone/>
@@ -1411,7 +3647,7 @@
       </p:sp>
       <p:sp>
         <p:nvSpPr>
-          <p:cNvPr id="4" name="Tartalom helye 3"/>
+          <p:cNvPr id="4" name="Content Placeholder 3"/>
           <p:cNvSpPr>
             <a:spLocks noGrp="1"/>
           </p:cNvSpPr>
@@ -1421,12 +3657,14 @@
         </p:nvSpPr>
         <p:spPr>
           <a:xfrm>
-            <a:off x="839788" y="2505075"/>
-            <a:ext cx="5157787" cy="3684588"/>
+            <a:off x="675745" y="2737245"/>
+            <a:ext cx="4185623" cy="3304117"/>
           </a:xfrm>
         </p:spPr>
         <p:txBody>
-          <a:bodyPr/>
+          <a:bodyPr>
+            <a:normAutofit/>
+          </a:bodyPr>
           <a:lstStyle/>
           <a:p>
             <a:pPr lvl="0"/>
@@ -1462,13 +3700,13 @@
               <a:rPr lang="hu-HU" smtClean="0"/>
               <a:t>Ötödik szint</a:t>
             </a:r>
-            <a:endParaRPr lang="hu-HU"/>
-          </a:p>
-        </p:txBody>
-      </p:sp>
-      <p:sp>
-        <p:nvSpPr>
-          <p:cNvPr id="5" name="Szöveg helye 4"/>
+            <a:endParaRPr lang="en-US" dirty="0"/>
+          </a:p>
+        </p:txBody>
+      </p:sp>
+      <p:sp>
+        <p:nvSpPr>
+          <p:cNvPr id="5" name="Text Placeholder 4"/>
           <p:cNvSpPr>
             <a:spLocks noGrp="1"/>
           </p:cNvSpPr>
@@ -1478,16 +3716,18 @@
         </p:nvSpPr>
         <p:spPr>
           <a:xfrm>
-            <a:off x="6172200" y="1681163"/>
-            <a:ext cx="5183188" cy="823912"/>
+            <a:off x="5088383" y="2160983"/>
+            <a:ext cx="4185618" cy="576262"/>
           </a:xfrm>
         </p:spPr>
         <p:txBody>
-          <a:bodyPr anchor="b"/>
+          <a:bodyPr anchor="b">
+            <a:noAutofit/>
+          </a:bodyPr>
           <a:lstStyle>
             <a:lvl1pPr marL="0" indent="0">
               <a:buNone/>
-              <a:defRPr sz="2400" b="1"/>
+              <a:defRPr sz="2400" b="0"/>
             </a:lvl1pPr>
             <a:lvl2pPr marL="457200" indent="0">
               <a:buNone/>
@@ -1533,7 +3773,7 @@
       </p:sp>
       <p:sp>
         <p:nvSpPr>
-          <p:cNvPr id="6" name="Tartalom helye 5"/>
+          <p:cNvPr id="6" name="Content Placeholder 5"/>
           <p:cNvSpPr>
             <a:spLocks noGrp="1"/>
           </p:cNvSpPr>
@@ -1543,69 +3783,71 @@
         </p:nvSpPr>
         <p:spPr>
           <a:xfrm>
-            <a:off x="6172200" y="2505075"/>
-            <a:ext cx="5183188" cy="3684588"/>
+            <a:off x="5088384" y="2737245"/>
+            <a:ext cx="4185617" cy="3304117"/>
           </a:xfrm>
         </p:spPr>
         <p:txBody>
+          <a:bodyPr>
+            <a:normAutofit/>
+          </a:bodyPr>
+          <a:lstStyle/>
+          <a:p>
+            <a:pPr lvl="0"/>
+            <a:r>
+              <a:rPr lang="hu-HU" smtClean="0"/>
+              <a:t>Mintaszöveg szerkesztése</a:t>
+            </a:r>
+          </a:p>
+          <a:p>
+            <a:pPr lvl="1"/>
+            <a:r>
+              <a:rPr lang="hu-HU" smtClean="0"/>
+              <a:t>Második szint</a:t>
+            </a:r>
+          </a:p>
+          <a:p>
+            <a:pPr lvl="2"/>
+            <a:r>
+              <a:rPr lang="hu-HU" smtClean="0"/>
+              <a:t>Harmadik szint</a:t>
+            </a:r>
+          </a:p>
+          <a:p>
+            <a:pPr lvl="3"/>
+            <a:r>
+              <a:rPr lang="hu-HU" smtClean="0"/>
+              <a:t>Negyedik szint</a:t>
+            </a:r>
+          </a:p>
+          <a:p>
+            <a:pPr lvl="4"/>
+            <a:r>
+              <a:rPr lang="hu-HU" smtClean="0"/>
+              <a:t>Ötödik szint</a:t>
+            </a:r>
+            <a:endParaRPr lang="en-US" dirty="0"/>
+          </a:p>
+        </p:txBody>
+      </p:sp>
+      <p:sp>
+        <p:nvSpPr>
+          <p:cNvPr id="7" name="Date Placeholder 6"/>
+          <p:cNvSpPr>
+            <a:spLocks noGrp="1"/>
+          </p:cNvSpPr>
+          <p:nvPr>
+            <p:ph type="dt" sz="half" idx="10"/>
+          </p:nvPr>
+        </p:nvSpPr>
+        <p:spPr/>
+        <p:txBody>
           <a:bodyPr/>
           <a:lstStyle/>
           <a:p>
-            <a:pPr lvl="0"/>
-            <a:r>
-              <a:rPr lang="hu-HU" smtClean="0"/>
-              <a:t>Mintaszöveg szerkesztése</a:t>
-            </a:r>
-          </a:p>
-          <a:p>
-            <a:pPr lvl="1"/>
-            <a:r>
-              <a:rPr lang="hu-HU" smtClean="0"/>
-              <a:t>Második szint</a:t>
-            </a:r>
-          </a:p>
-          <a:p>
-            <a:pPr lvl="2"/>
-            <a:r>
-              <a:rPr lang="hu-HU" smtClean="0"/>
-              <a:t>Harmadik szint</a:t>
-            </a:r>
-          </a:p>
-          <a:p>
-            <a:pPr lvl="3"/>
-            <a:r>
-              <a:rPr lang="hu-HU" smtClean="0"/>
-              <a:t>Negyedik szint</a:t>
-            </a:r>
-          </a:p>
-          <a:p>
-            <a:pPr lvl="4"/>
-            <a:r>
-              <a:rPr lang="hu-HU" smtClean="0"/>
-              <a:t>Ötödik szint</a:t>
-            </a:r>
-            <a:endParaRPr lang="hu-HU"/>
-          </a:p>
-        </p:txBody>
-      </p:sp>
-      <p:sp>
-        <p:nvSpPr>
-          <p:cNvPr id="7" name="Dátum helye 6"/>
-          <p:cNvSpPr>
-            <a:spLocks noGrp="1"/>
-          </p:cNvSpPr>
-          <p:nvPr>
-            <p:ph type="dt" sz="half" idx="10"/>
-          </p:nvPr>
-        </p:nvSpPr>
-        <p:spPr/>
-        <p:txBody>
-          <a:bodyPr/>
-          <a:lstStyle/>
-          <a:p>
             <a:fld id="{A515A8DB-1761-43C7-85F6-AF4C95111F34}" type="datetimeFigureOut">
               <a:rPr lang="hu-HU" smtClean="0"/>
-              <a:t>2022.02.09.</a:t>
+              <a:t>2022.02.16.</a:t>
             </a:fld>
             <a:endParaRPr lang="hu-HU"/>
           </a:p>
@@ -1613,7 +3855,7 @@
       </p:sp>
       <p:sp>
         <p:nvSpPr>
-          <p:cNvPr id="8" name="Élőláb helye 7"/>
+          <p:cNvPr id="8" name="Footer Placeholder 7"/>
           <p:cNvSpPr>
             <a:spLocks noGrp="1"/>
           </p:cNvSpPr>
@@ -1632,7 +3874,7 @@
       </p:sp>
       <p:sp>
         <p:nvSpPr>
-          <p:cNvPr id="9" name="Dia számának helye 8"/>
+          <p:cNvPr id="9" name="Slide Number Placeholder 8"/>
           <p:cNvSpPr>
             <a:spLocks noGrp="1"/>
           </p:cNvSpPr>
@@ -1656,7 +3898,7 @@
     </p:spTree>
     <p:extLst>
       <p:ext uri="{BB962C8B-B14F-4D97-AF65-F5344CB8AC3E}">
-        <p14:creationId xmlns:p14="http://schemas.microsoft.com/office/powerpoint/2010/main" val="2808426512"/>
+        <p14:creationId xmlns:p14="http://schemas.microsoft.com/office/powerpoint/2010/main" val="2745785232"/>
       </p:ext>
     </p:extLst>
   </p:cSld>
@@ -1685,7 +3927,7 @@
       </p:grpSpPr>
       <p:sp>
         <p:nvSpPr>
-          <p:cNvPr id="2" name="Cím 1"/>
+          <p:cNvPr id="2" name="Title 1"/>
           <p:cNvSpPr>
             <a:spLocks noGrp="1"/>
           </p:cNvSpPr>
@@ -1693,37 +3935,42 @@
             <p:ph type="title"/>
           </p:nvPr>
         </p:nvSpPr>
+        <p:spPr>
+          <a:xfrm>
+            <a:off x="677334" y="609600"/>
+            <a:ext cx="8596668" cy="1320800"/>
+          </a:xfrm>
+        </p:spPr>
+        <p:txBody>
+          <a:bodyPr/>
+          <a:lstStyle/>
+          <a:p>
+            <a:r>
+              <a:rPr lang="hu-HU" smtClean="0"/>
+              <a:t>Mintacím szerkesztése</a:t>
+            </a:r>
+            <a:endParaRPr lang="en-US" dirty="0"/>
+          </a:p>
+        </p:txBody>
+      </p:sp>
+      <p:sp>
+        <p:nvSpPr>
+          <p:cNvPr id="3" name="Date Placeholder 2"/>
+          <p:cNvSpPr>
+            <a:spLocks noGrp="1"/>
+          </p:cNvSpPr>
+          <p:nvPr>
+            <p:ph type="dt" sz="half" idx="10"/>
+          </p:nvPr>
+        </p:nvSpPr>
         <p:spPr/>
         <p:txBody>
           <a:bodyPr/>
           <a:lstStyle/>
           <a:p>
-            <a:r>
-              <a:rPr lang="hu-HU" smtClean="0"/>
-              <a:t>Mintacím szerkesztése</a:t>
-            </a:r>
-            <a:endParaRPr lang="hu-HU"/>
-          </a:p>
-        </p:txBody>
-      </p:sp>
-      <p:sp>
-        <p:nvSpPr>
-          <p:cNvPr id="3" name="Dátum helye 2"/>
-          <p:cNvSpPr>
-            <a:spLocks noGrp="1"/>
-          </p:cNvSpPr>
-          <p:nvPr>
-            <p:ph type="dt" sz="half" idx="10"/>
-          </p:nvPr>
-        </p:nvSpPr>
-        <p:spPr/>
-        <p:txBody>
-          <a:bodyPr/>
-          <a:lstStyle/>
-          <a:p>
             <a:fld id="{A515A8DB-1761-43C7-85F6-AF4C95111F34}" type="datetimeFigureOut">
               <a:rPr lang="hu-HU" smtClean="0"/>
-              <a:t>2022.02.09.</a:t>
+              <a:t>2022.02.16.</a:t>
             </a:fld>
             <a:endParaRPr lang="hu-HU"/>
           </a:p>
@@ -1731,7 +3978,7 @@
       </p:sp>
       <p:sp>
         <p:nvSpPr>
-          <p:cNvPr id="4" name="Élőláb helye 3"/>
+          <p:cNvPr id="4" name="Footer Placeholder 3"/>
           <p:cNvSpPr>
             <a:spLocks noGrp="1"/>
           </p:cNvSpPr>
@@ -1750,7 +3997,7 @@
       </p:sp>
       <p:sp>
         <p:nvSpPr>
-          <p:cNvPr id="5" name="Dia számának helye 4"/>
+          <p:cNvPr id="5" name="Slide Number Placeholder 4"/>
           <p:cNvSpPr>
             <a:spLocks noGrp="1"/>
           </p:cNvSpPr>
@@ -1774,7 +4021,7 @@
     </p:spTree>
     <p:extLst>
       <p:ext uri="{BB962C8B-B14F-4D97-AF65-F5344CB8AC3E}">
-        <p14:creationId xmlns:p14="http://schemas.microsoft.com/office/powerpoint/2010/main" val="1145177986"/>
+        <p14:creationId xmlns:p14="http://schemas.microsoft.com/office/powerpoint/2010/main" val="193141451"/>
       </p:ext>
     </p:extLst>
   </p:cSld>
@@ -1803,7 +4050,7 @@
       </p:grpSpPr>
       <p:sp>
         <p:nvSpPr>
-          <p:cNvPr id="2" name="Dátum helye 1"/>
+          <p:cNvPr id="2" name="Date Placeholder 1"/>
           <p:cNvSpPr>
             <a:spLocks noGrp="1"/>
           </p:cNvSpPr>
@@ -1818,7 +4065,7 @@
           <a:p>
             <a:fld id="{A515A8DB-1761-43C7-85F6-AF4C95111F34}" type="datetimeFigureOut">
               <a:rPr lang="hu-HU" smtClean="0"/>
-              <a:t>2022.02.09.</a:t>
+              <a:t>2022.02.16.</a:t>
             </a:fld>
             <a:endParaRPr lang="hu-HU"/>
           </a:p>
@@ -1826,7 +4073,7 @@
       </p:sp>
       <p:sp>
         <p:nvSpPr>
-          <p:cNvPr id="3" name="Élőláb helye 2"/>
+          <p:cNvPr id="3" name="Footer Placeholder 2"/>
           <p:cNvSpPr>
             <a:spLocks noGrp="1"/>
           </p:cNvSpPr>
@@ -1845,7 +4092,7 @@
       </p:sp>
       <p:sp>
         <p:nvSpPr>
-          <p:cNvPr id="4" name="Dia számának helye 3"/>
+          <p:cNvPr id="4" name="Slide Number Placeholder 3"/>
           <p:cNvSpPr>
             <a:spLocks noGrp="1"/>
           </p:cNvSpPr>
@@ -1869,7 +4116,7 @@
     </p:spTree>
     <p:extLst>
       <p:ext uri="{BB962C8B-B14F-4D97-AF65-F5344CB8AC3E}">
-        <p14:creationId xmlns:p14="http://schemas.microsoft.com/office/powerpoint/2010/main" val="3584805711"/>
+        <p14:creationId xmlns:p14="http://schemas.microsoft.com/office/powerpoint/2010/main" val="3522987082"/>
       </p:ext>
     </p:extLst>
   </p:cSld>
@@ -1898,7 +4145,7 @@
       </p:grpSpPr>
       <p:sp>
         <p:nvSpPr>
-          <p:cNvPr id="2" name="Cím 1"/>
+          <p:cNvPr id="2" name="Title 1"/>
           <p:cNvSpPr>
             <a:spLocks noGrp="1"/>
           </p:cNvSpPr>
@@ -1908,15 +4155,17 @@
         </p:nvSpPr>
         <p:spPr>
           <a:xfrm>
-            <a:off x="839788" y="457200"/>
-            <a:ext cx="3932237" cy="1600200"/>
+            <a:off x="677334" y="1498604"/>
+            <a:ext cx="3854528" cy="1278466"/>
           </a:xfrm>
         </p:spPr>
         <p:txBody>
-          <a:bodyPr anchor="b"/>
+          <a:bodyPr anchor="b">
+            <a:normAutofit/>
+          </a:bodyPr>
           <a:lstStyle>
             <a:lvl1pPr>
-              <a:defRPr sz="3200"/>
+              <a:defRPr sz="2000"/>
             </a:lvl1pPr>
           </a:lstStyle>
           <a:p>
@@ -1924,13 +4173,13 @@
               <a:rPr lang="hu-HU" smtClean="0"/>
               <a:t>Mintacím szerkesztése</a:t>
             </a:r>
-            <a:endParaRPr lang="hu-HU"/>
-          </a:p>
-        </p:txBody>
-      </p:sp>
-      <p:sp>
-        <p:nvSpPr>
-          <p:cNvPr id="3" name="Tartalom helye 2"/>
+            <a:endParaRPr lang="en-US" dirty="0"/>
+          </a:p>
+        </p:txBody>
+      </p:sp>
+      <p:sp>
+        <p:nvSpPr>
+          <p:cNvPr id="3" name="Content Placeholder 2"/>
           <p:cNvSpPr>
             <a:spLocks noGrp="1"/>
           </p:cNvSpPr>
@@ -1940,41 +4189,15 @@
         </p:nvSpPr>
         <p:spPr>
           <a:xfrm>
-            <a:off x="5183188" y="987425"/>
-            <a:ext cx="6172200" cy="4873625"/>
+            <a:off x="4760461" y="514924"/>
+            <a:ext cx="4513541" cy="5526437"/>
           </a:xfrm>
         </p:spPr>
         <p:txBody>
-          <a:bodyPr/>
-          <a:lstStyle>
-            <a:lvl1pPr>
-              <a:defRPr sz="3200"/>
-            </a:lvl1pPr>
-            <a:lvl2pPr>
-              <a:defRPr sz="2800"/>
-            </a:lvl2pPr>
-            <a:lvl3pPr>
-              <a:defRPr sz="2400"/>
-            </a:lvl3pPr>
-            <a:lvl4pPr>
-              <a:defRPr sz="2000"/>
-            </a:lvl4pPr>
-            <a:lvl5pPr>
-              <a:defRPr sz="2000"/>
-            </a:lvl5pPr>
-            <a:lvl6pPr>
-              <a:defRPr sz="2000"/>
-            </a:lvl6pPr>
-            <a:lvl7pPr>
-              <a:defRPr sz="2000"/>
-            </a:lvl7pPr>
-            <a:lvl8pPr>
-              <a:defRPr sz="2000"/>
-            </a:lvl8pPr>
-            <a:lvl9pPr>
-              <a:defRPr sz="2000"/>
-            </a:lvl9pPr>
-          </a:lstStyle>
+          <a:bodyPr>
+            <a:normAutofit/>
+          </a:bodyPr>
+          <a:lstStyle/>
           <a:p>
             <a:pPr lvl="0"/>
             <a:r>
@@ -2009,13 +4232,13 @@
               <a:rPr lang="hu-HU" smtClean="0"/>
               <a:t>Ötödik szint</a:t>
             </a:r>
-            <a:endParaRPr lang="hu-HU"/>
-          </a:p>
-        </p:txBody>
-      </p:sp>
-      <p:sp>
-        <p:nvSpPr>
-          <p:cNvPr id="4" name="Szöveg helye 3"/>
+            <a:endParaRPr lang="en-US" dirty="0"/>
+          </a:p>
+        </p:txBody>
+      </p:sp>
+      <p:sp>
+        <p:nvSpPr>
+          <p:cNvPr id="4" name="Text Placeholder 3"/>
           <p:cNvSpPr>
             <a:spLocks noGrp="1"/>
           </p:cNvSpPr>
@@ -2025,46 +4248,48 @@
         </p:nvSpPr>
         <p:spPr>
           <a:xfrm>
-            <a:off x="839788" y="2057400"/>
-            <a:ext cx="3932237" cy="3811588"/>
+            <a:off x="677334" y="2777069"/>
+            <a:ext cx="3854528" cy="2584449"/>
           </a:xfrm>
         </p:spPr>
         <p:txBody>
-          <a:bodyPr/>
+          <a:bodyPr>
+            <a:normAutofit/>
+          </a:bodyPr>
           <a:lstStyle>
             <a:lvl1pPr marL="0" indent="0">
               <a:buNone/>
-              <a:defRPr sz="1600"/>
+              <a:defRPr sz="1400"/>
             </a:lvl1pPr>
-            <a:lvl2pPr marL="457200" indent="0">
+            <a:lvl2pPr marL="457063" indent="0">
               <a:buNone/>
               <a:defRPr sz="1400"/>
             </a:lvl2pPr>
-            <a:lvl3pPr marL="914400" indent="0">
+            <a:lvl3pPr marL="914126" indent="0">
               <a:buNone/>
               <a:defRPr sz="1200"/>
             </a:lvl3pPr>
-            <a:lvl4pPr marL="1371600" indent="0">
+            <a:lvl4pPr marL="1371189" indent="0">
               <a:buNone/>
               <a:defRPr sz="1000"/>
             </a:lvl4pPr>
-            <a:lvl5pPr marL="1828800" indent="0">
+            <a:lvl5pPr marL="1828251" indent="0">
               <a:buNone/>
               <a:defRPr sz="1000"/>
             </a:lvl5pPr>
-            <a:lvl6pPr marL="2286000" indent="0">
+            <a:lvl6pPr marL="2285314" indent="0">
               <a:buNone/>
               <a:defRPr sz="1000"/>
             </a:lvl6pPr>
-            <a:lvl7pPr marL="2743200" indent="0">
+            <a:lvl7pPr marL="2742377" indent="0">
               <a:buNone/>
               <a:defRPr sz="1000"/>
             </a:lvl7pPr>
-            <a:lvl8pPr marL="3200400" indent="0">
+            <a:lvl8pPr marL="3199440" indent="0">
               <a:buNone/>
               <a:defRPr sz="1000"/>
             </a:lvl8pPr>
-            <a:lvl9pPr marL="3657600" indent="0">
+            <a:lvl9pPr marL="3656503" indent="0">
               <a:buNone/>
               <a:defRPr sz="1000"/>
             </a:lvl9pPr>
@@ -2080,7 +4305,7 @@
       </p:sp>
       <p:sp>
         <p:nvSpPr>
-          <p:cNvPr id="5" name="Dátum helye 4"/>
+          <p:cNvPr id="5" name="Date Placeholder 4"/>
           <p:cNvSpPr>
             <a:spLocks noGrp="1"/>
           </p:cNvSpPr>
@@ -2095,7 +4320,7 @@
           <a:p>
             <a:fld id="{A515A8DB-1761-43C7-85F6-AF4C95111F34}" type="datetimeFigureOut">
               <a:rPr lang="hu-HU" smtClean="0"/>
-              <a:t>2022.02.09.</a:t>
+              <a:t>2022.02.16.</a:t>
             </a:fld>
             <a:endParaRPr lang="hu-HU"/>
           </a:p>
@@ -2103,7 +4328,7 @@
       </p:sp>
       <p:sp>
         <p:nvSpPr>
-          <p:cNvPr id="6" name="Élőláb helye 5"/>
+          <p:cNvPr id="6" name="Footer Placeholder 5"/>
           <p:cNvSpPr>
             <a:spLocks noGrp="1"/>
           </p:cNvSpPr>
@@ -2122,7 +4347,7 @@
       </p:sp>
       <p:sp>
         <p:nvSpPr>
-          <p:cNvPr id="7" name="Dia számának helye 6"/>
+          <p:cNvPr id="7" name="Slide Number Placeholder 6"/>
           <p:cNvSpPr>
             <a:spLocks noGrp="1"/>
           </p:cNvSpPr>
@@ -2146,7 +4371,7 @@
     </p:spTree>
     <p:extLst>
       <p:ext uri="{BB962C8B-B14F-4D97-AF65-F5344CB8AC3E}">
-        <p14:creationId xmlns:p14="http://schemas.microsoft.com/office/powerpoint/2010/main" val="458083308"/>
+        <p14:creationId xmlns:p14="http://schemas.microsoft.com/office/powerpoint/2010/main" val="2574801799"/>
       </p:ext>
     </p:extLst>
   </p:cSld>
@@ -2175,7 +4400,7 @@
       </p:grpSpPr>
       <p:sp>
         <p:nvSpPr>
-          <p:cNvPr id="2" name="Cím 1"/>
+          <p:cNvPr id="2" name="Title 1"/>
           <p:cNvSpPr>
             <a:spLocks noGrp="1"/>
           </p:cNvSpPr>
@@ -2185,15 +4410,17 @@
         </p:nvSpPr>
         <p:spPr>
           <a:xfrm>
-            <a:off x="839788" y="457200"/>
-            <a:ext cx="3932237" cy="1600200"/>
+            <a:off x="677334" y="4800600"/>
+            <a:ext cx="8596667" cy="566738"/>
           </a:xfrm>
         </p:spPr>
         <p:txBody>
-          <a:bodyPr anchor="b"/>
+          <a:bodyPr anchor="b">
+            <a:normAutofit/>
+          </a:bodyPr>
           <a:lstStyle>
-            <a:lvl1pPr>
-              <a:defRPr sz="3200"/>
+            <a:lvl1pPr algn="l">
+              <a:defRPr sz="2400" b="0"/>
             </a:lvl1pPr>
           </a:lstStyle>
           <a:p>
@@ -2201,15 +4428,15 @@
               <a:rPr lang="hu-HU" smtClean="0"/>
               <a:t>Mintacím szerkesztése</a:t>
             </a:r>
-            <a:endParaRPr lang="hu-HU"/>
-          </a:p>
-        </p:txBody>
-      </p:sp>
-      <p:sp>
-        <p:nvSpPr>
-          <p:cNvPr id="3" name="Kép helye 2"/>
-          <p:cNvSpPr>
-            <a:spLocks noGrp="1"/>
+            <a:endParaRPr lang="en-US" dirty="0"/>
+          </a:p>
+        </p:txBody>
+      </p:sp>
+      <p:sp>
+        <p:nvSpPr>
+          <p:cNvPr id="3" name="Picture Placeholder 2"/>
+          <p:cNvSpPr>
+            <a:spLocks noGrp="1" noChangeAspect="1"/>
           </p:cNvSpPr>
           <p:nvPr>
             <p:ph type="pic" idx="1"/>
@@ -2217,112 +4444,120 @@
         </p:nvSpPr>
         <p:spPr>
           <a:xfrm>
-            <a:off x="5183188" y="987425"/>
-            <a:ext cx="6172200" cy="4873625"/>
+            <a:off x="677334" y="609600"/>
+            <a:ext cx="8596668" cy="3845718"/>
           </a:xfrm>
         </p:spPr>
         <p:txBody>
-          <a:bodyPr/>
+          <a:bodyPr anchor="t">
+            <a:normAutofit/>
+          </a:bodyPr>
           <a:lstStyle>
-            <a:lvl1pPr marL="0" indent="0">
-              <a:buNone/>
-              <a:defRPr sz="3200"/>
-            </a:lvl1pPr>
-            <a:lvl2pPr marL="457200" indent="0">
-              <a:buNone/>
-              <a:defRPr sz="2800"/>
-            </a:lvl2pPr>
-            <a:lvl3pPr marL="914400" indent="0">
-              <a:buNone/>
-              <a:defRPr sz="2400"/>
-            </a:lvl3pPr>
-            <a:lvl4pPr marL="1371600" indent="0">
-              <a:buNone/>
-              <a:defRPr sz="2000"/>
-            </a:lvl4pPr>
-            <a:lvl5pPr marL="1828800" indent="0">
-              <a:buNone/>
-              <a:defRPr sz="2000"/>
-            </a:lvl5pPr>
-            <a:lvl6pPr marL="2286000" indent="0">
-              <a:buNone/>
-              <a:defRPr sz="2000"/>
-            </a:lvl6pPr>
-            <a:lvl7pPr marL="2743200" indent="0">
-              <a:buNone/>
-              <a:defRPr sz="2000"/>
-            </a:lvl7pPr>
-            <a:lvl8pPr marL="3200400" indent="0">
-              <a:buNone/>
-              <a:defRPr sz="2000"/>
-            </a:lvl8pPr>
-            <a:lvl9pPr marL="3657600" indent="0">
-              <a:buNone/>
-              <a:defRPr sz="2000"/>
-            </a:lvl9pPr>
-          </a:lstStyle>
-          <a:p>
-            <a:endParaRPr lang="hu-HU"/>
-          </a:p>
-        </p:txBody>
-      </p:sp>
-      <p:sp>
-        <p:nvSpPr>
-          <p:cNvPr id="4" name="Szöveg helye 3"/>
-          <p:cNvSpPr>
-            <a:spLocks noGrp="1"/>
-          </p:cNvSpPr>
-          <p:nvPr>
-            <p:ph type="body" sz="half" idx="2"/>
-          </p:nvPr>
-        </p:nvSpPr>
-        <p:spPr>
-          <a:xfrm>
-            <a:off x="839788" y="2057400"/>
-            <a:ext cx="3932237" cy="3811588"/>
-          </a:xfrm>
-        </p:spPr>
-        <p:txBody>
-          <a:bodyPr/>
-          <a:lstStyle>
-            <a:lvl1pPr marL="0" indent="0">
+            <a:lvl1pPr marL="0" indent="0" algn="ctr">
               <a:buNone/>
               <a:defRPr sz="1600"/>
             </a:lvl1pPr>
             <a:lvl2pPr marL="457200" indent="0">
               <a:buNone/>
-              <a:defRPr sz="1400"/>
+              <a:defRPr sz="1600"/>
             </a:lvl2pPr>
             <a:lvl3pPr marL="914400" indent="0">
               <a:buNone/>
-              <a:defRPr sz="1200"/>
+              <a:defRPr sz="1600"/>
             </a:lvl3pPr>
             <a:lvl4pPr marL="1371600" indent="0">
               <a:buNone/>
-              <a:defRPr sz="1000"/>
+              <a:defRPr sz="1600"/>
             </a:lvl4pPr>
             <a:lvl5pPr marL="1828800" indent="0">
               <a:buNone/>
-              <a:defRPr sz="1000"/>
+              <a:defRPr sz="1600"/>
             </a:lvl5pPr>
             <a:lvl6pPr marL="2286000" indent="0">
               <a:buNone/>
-              <a:defRPr sz="1000"/>
+              <a:defRPr sz="1600"/>
             </a:lvl6pPr>
             <a:lvl7pPr marL="2743200" indent="0">
               <a:buNone/>
-              <a:defRPr sz="1000"/>
+              <a:defRPr sz="1600"/>
             </a:lvl7pPr>
             <a:lvl8pPr marL="3200400" indent="0">
               <a:buNone/>
-              <a:defRPr sz="1000"/>
+              <a:defRPr sz="1600"/>
             </a:lvl8pPr>
             <a:lvl9pPr marL="3657600" indent="0">
               <a:buNone/>
-              <a:defRPr sz="1000"/>
+              <a:defRPr sz="1600"/>
             </a:lvl9pPr>
           </a:lstStyle>
           <a:p>
+            <a:r>
+              <a:rPr lang="hu-HU" smtClean="0"/>
+              <a:t>Kép beszúrásához kattintson az ikonra</a:t>
+            </a:r>
+            <a:endParaRPr lang="en-US" dirty="0"/>
+          </a:p>
+        </p:txBody>
+      </p:sp>
+      <p:sp>
+        <p:nvSpPr>
+          <p:cNvPr id="4" name="Text Placeholder 3"/>
+          <p:cNvSpPr>
+            <a:spLocks noGrp="1"/>
+          </p:cNvSpPr>
+          <p:nvPr>
+            <p:ph type="body" sz="half" idx="2"/>
+          </p:nvPr>
+        </p:nvSpPr>
+        <p:spPr>
+          <a:xfrm>
+            <a:off x="677334" y="5367338"/>
+            <a:ext cx="8596667" cy="674024"/>
+          </a:xfrm>
+        </p:spPr>
+        <p:txBody>
+          <a:bodyPr>
+            <a:normAutofit/>
+          </a:bodyPr>
+          <a:lstStyle>
+            <a:lvl1pPr marL="0" indent="0">
+              <a:buNone/>
+              <a:defRPr sz="1200"/>
+            </a:lvl1pPr>
+            <a:lvl2pPr marL="457200" indent="0">
+              <a:buNone/>
+              <a:defRPr sz="1200"/>
+            </a:lvl2pPr>
+            <a:lvl3pPr marL="914400" indent="0">
+              <a:buNone/>
+              <a:defRPr sz="1000"/>
+            </a:lvl3pPr>
+            <a:lvl4pPr marL="1371600" indent="0">
+              <a:buNone/>
+              <a:defRPr sz="900"/>
+            </a:lvl4pPr>
+            <a:lvl5pPr marL="1828800" indent="0">
+              <a:buNone/>
+              <a:defRPr sz="900"/>
+            </a:lvl5pPr>
+            <a:lvl6pPr marL="2286000" indent="0">
+              <a:buNone/>
+              <a:defRPr sz="900"/>
+            </a:lvl6pPr>
+            <a:lvl7pPr marL="2743200" indent="0">
+              <a:buNone/>
+              <a:defRPr sz="900"/>
+            </a:lvl7pPr>
+            <a:lvl8pPr marL="3200400" indent="0">
+              <a:buNone/>
+              <a:defRPr sz="900"/>
+            </a:lvl8pPr>
+            <a:lvl9pPr marL="3657600" indent="0">
+              <a:buNone/>
+              <a:defRPr sz="900"/>
+            </a:lvl9pPr>
+          </a:lstStyle>
+          <a:p>
             <a:pPr lvl="0"/>
             <a:r>
               <a:rPr lang="hu-HU" smtClean="0"/>
@@ -2333,7 +4568,7 @@
       </p:sp>
       <p:sp>
         <p:nvSpPr>
-          <p:cNvPr id="5" name="Dátum helye 4"/>
+          <p:cNvPr id="5" name="Date Placeholder 4"/>
           <p:cNvSpPr>
             <a:spLocks noGrp="1"/>
           </p:cNvSpPr>
@@ -2348,7 +4583,7 @@
           <a:p>
             <a:fld id="{A515A8DB-1761-43C7-85F6-AF4C95111F34}" type="datetimeFigureOut">
               <a:rPr lang="hu-HU" smtClean="0"/>
-              <a:t>2022.02.09.</a:t>
+              <a:t>2022.02.16.</a:t>
             </a:fld>
             <a:endParaRPr lang="hu-HU"/>
           </a:p>
@@ -2356,7 +4591,7 @@
       </p:sp>
       <p:sp>
         <p:nvSpPr>
-          <p:cNvPr id="6" name="Élőláb helye 5"/>
+          <p:cNvPr id="6" name="Footer Placeholder 5"/>
           <p:cNvSpPr>
             <a:spLocks noGrp="1"/>
           </p:cNvSpPr>
@@ -2375,7 +4610,7 @@
       </p:sp>
       <p:sp>
         <p:nvSpPr>
-          <p:cNvPr id="7" name="Dia számának helye 6"/>
+          <p:cNvPr id="7" name="Slide Number Placeholder 6"/>
           <p:cNvSpPr>
             <a:spLocks noGrp="1"/>
           </p:cNvSpPr>
@@ -2399,7 +4634,7 @@
     </p:spTree>
     <p:extLst>
       <p:ext uri="{BB962C8B-B14F-4D97-AF65-F5344CB8AC3E}">
-        <p14:creationId xmlns:p14="http://schemas.microsoft.com/office/powerpoint/2010/main" val="3191141887"/>
+        <p14:creationId xmlns:p14="http://schemas.microsoft.com/office/powerpoint/2010/main" val="4075303233"/>
       </p:ext>
     </p:extLst>
   </p:cSld>
@@ -2431,9 +4666,539 @@
           <a:chExt cx="0" cy="0"/>
         </a:xfrm>
       </p:grpSpPr>
-      <p:sp>
-        <p:nvSpPr>
-          <p:cNvPr id="2" name="Cím helye 1"/>
+      <p:grpSp>
+        <p:nvGrpSpPr>
+          <p:cNvPr id="7" name="Group 6"/>
+          <p:cNvGrpSpPr/>
+          <p:nvPr/>
+        </p:nvGrpSpPr>
+        <p:grpSpPr>
+          <a:xfrm>
+            <a:off x="0" y="-8467"/>
+            <a:ext cx="12192000" cy="6866467"/>
+            <a:chOff x="0" y="-8467"/>
+            <a:chExt cx="12192000" cy="6866467"/>
+          </a:xfrm>
+        </p:grpSpPr>
+        <p:cxnSp>
+          <p:nvCxnSpPr>
+            <p:cNvPr id="20" name="Straight Connector 19"/>
+            <p:cNvCxnSpPr/>
+            <p:nvPr/>
+          </p:nvCxnSpPr>
+          <p:spPr>
+            <a:xfrm>
+              <a:off x="9371012" y="0"/>
+              <a:ext cx="1219200" cy="6858000"/>
+            </a:xfrm>
+            <a:prstGeom prst="line">
+              <a:avLst/>
+            </a:prstGeom>
+            <a:ln w="9525">
+              <a:solidFill>
+                <a:schemeClr val="bg1">
+                  <a:lumMod val="75000"/>
+                </a:schemeClr>
+              </a:solidFill>
+            </a:ln>
+          </p:spPr>
+          <p:style>
+            <a:lnRef idx="2">
+              <a:schemeClr val="accent1"/>
+            </a:lnRef>
+            <a:fillRef idx="0">
+              <a:schemeClr val="accent1"/>
+            </a:fillRef>
+            <a:effectRef idx="1">
+              <a:schemeClr val="accent1"/>
+            </a:effectRef>
+            <a:fontRef idx="minor">
+              <a:schemeClr val="tx1"/>
+            </a:fontRef>
+          </p:style>
+        </p:cxnSp>
+        <p:cxnSp>
+          <p:nvCxnSpPr>
+            <p:cNvPr id="21" name="Straight Connector 20"/>
+            <p:cNvCxnSpPr/>
+            <p:nvPr/>
+          </p:nvCxnSpPr>
+          <p:spPr>
+            <a:xfrm flipH="1">
+              <a:off x="7425267" y="3681413"/>
+              <a:ext cx="4763558" cy="3176587"/>
+            </a:xfrm>
+            <a:prstGeom prst="line">
+              <a:avLst/>
+            </a:prstGeom>
+            <a:ln w="9525">
+              <a:solidFill>
+                <a:schemeClr val="bg1">
+                  <a:lumMod val="85000"/>
+                </a:schemeClr>
+              </a:solidFill>
+            </a:ln>
+          </p:spPr>
+          <p:style>
+            <a:lnRef idx="2">
+              <a:schemeClr val="accent1"/>
+            </a:lnRef>
+            <a:fillRef idx="0">
+              <a:schemeClr val="accent1"/>
+            </a:fillRef>
+            <a:effectRef idx="1">
+              <a:schemeClr val="accent1"/>
+            </a:effectRef>
+            <a:fontRef idx="minor">
+              <a:schemeClr val="tx1"/>
+            </a:fontRef>
+          </p:style>
+        </p:cxnSp>
+        <p:sp>
+          <p:nvSpPr>
+            <p:cNvPr id="22" name="Rectangle 23"/>
+            <p:cNvSpPr/>
+            <p:nvPr/>
+          </p:nvSpPr>
+          <p:spPr>
+            <a:xfrm>
+              <a:off x="9181476" y="-8467"/>
+              <a:ext cx="3007349" cy="6866467"/>
+            </a:xfrm>
+            <a:custGeom>
+              <a:avLst/>
+              <a:gdLst/>
+              <a:ahLst/>
+              <a:cxnLst/>
+              <a:rect l="l" t="t" r="r" b="b"/>
+              <a:pathLst>
+                <a:path w="3007349" h="6866467">
+                  <a:moveTo>
+                    <a:pt x="2045532" y="0"/>
+                  </a:moveTo>
+                  <a:lnTo>
+                    <a:pt x="3007349" y="0"/>
+                  </a:lnTo>
+                  <a:lnTo>
+                    <a:pt x="3007349" y="6866467"/>
+                  </a:lnTo>
+                  <a:lnTo>
+                    <a:pt x="0" y="6866467"/>
+                  </a:lnTo>
+                  <a:lnTo>
+                    <a:pt x="2045532" y="0"/>
+                  </a:lnTo>
+                  <a:close/>
+                </a:path>
+              </a:pathLst>
+            </a:custGeom>
+            <a:solidFill>
+              <a:schemeClr val="accent1">
+                <a:alpha val="30000"/>
+              </a:schemeClr>
+            </a:solidFill>
+            <a:ln>
+              <a:noFill/>
+            </a:ln>
+            <a:effectLst/>
+          </p:spPr>
+          <p:style>
+            <a:lnRef idx="1">
+              <a:schemeClr val="accent1"/>
+            </a:lnRef>
+            <a:fillRef idx="3">
+              <a:schemeClr val="accent1"/>
+            </a:fillRef>
+            <a:effectRef idx="2">
+              <a:schemeClr val="accent1"/>
+            </a:effectRef>
+            <a:fontRef idx="minor">
+              <a:schemeClr val="lt1"/>
+            </a:fontRef>
+          </p:style>
+        </p:sp>
+        <p:sp>
+          <p:nvSpPr>
+            <p:cNvPr id="23" name="Rectangle 25"/>
+            <p:cNvSpPr/>
+            <p:nvPr/>
+          </p:nvSpPr>
+          <p:spPr>
+            <a:xfrm>
+              <a:off x="9603442" y="-8467"/>
+              <a:ext cx="2588558" cy="6866467"/>
+            </a:xfrm>
+            <a:custGeom>
+              <a:avLst/>
+              <a:gdLst/>
+              <a:ahLst/>
+              <a:cxnLst/>
+              <a:rect l="l" t="t" r="r" b="b"/>
+              <a:pathLst>
+                <a:path w="2573311" h="6866467">
+                  <a:moveTo>
+                    <a:pt x="0" y="0"/>
+                  </a:moveTo>
+                  <a:lnTo>
+                    <a:pt x="2573311" y="0"/>
+                  </a:lnTo>
+                  <a:lnTo>
+                    <a:pt x="2573311" y="6866467"/>
+                  </a:lnTo>
+                  <a:lnTo>
+                    <a:pt x="1202336" y="6866467"/>
+                  </a:lnTo>
+                  <a:lnTo>
+                    <a:pt x="0" y="0"/>
+                  </a:lnTo>
+                  <a:close/>
+                </a:path>
+              </a:pathLst>
+            </a:custGeom>
+            <a:solidFill>
+              <a:schemeClr val="accent1">
+                <a:alpha val="20000"/>
+              </a:schemeClr>
+            </a:solidFill>
+            <a:ln>
+              <a:noFill/>
+            </a:ln>
+            <a:effectLst/>
+          </p:spPr>
+          <p:style>
+            <a:lnRef idx="1">
+              <a:schemeClr val="accent1"/>
+            </a:lnRef>
+            <a:fillRef idx="3">
+              <a:schemeClr val="accent1"/>
+            </a:fillRef>
+            <a:effectRef idx="2">
+              <a:schemeClr val="accent1"/>
+            </a:effectRef>
+            <a:fontRef idx="minor">
+              <a:schemeClr val="lt1"/>
+            </a:fontRef>
+          </p:style>
+        </p:sp>
+        <p:sp>
+          <p:nvSpPr>
+            <p:cNvPr id="24" name="Isosceles Triangle 23"/>
+            <p:cNvSpPr/>
+            <p:nvPr/>
+          </p:nvSpPr>
+          <p:spPr>
+            <a:xfrm>
+              <a:off x="8932333" y="3048000"/>
+              <a:ext cx="3259667" cy="3810000"/>
+            </a:xfrm>
+            <a:prstGeom prst="triangle">
+              <a:avLst>
+                <a:gd name="adj" fmla="val 100000"/>
+              </a:avLst>
+            </a:prstGeom>
+            <a:solidFill>
+              <a:schemeClr val="accent2">
+                <a:alpha val="72000"/>
+              </a:schemeClr>
+            </a:solidFill>
+            <a:ln>
+              <a:noFill/>
+            </a:ln>
+            <a:effectLst/>
+          </p:spPr>
+          <p:style>
+            <a:lnRef idx="1">
+              <a:schemeClr val="accent1"/>
+            </a:lnRef>
+            <a:fillRef idx="3">
+              <a:schemeClr val="accent1"/>
+            </a:fillRef>
+            <a:effectRef idx="2">
+              <a:schemeClr val="accent1"/>
+            </a:effectRef>
+            <a:fontRef idx="minor">
+              <a:schemeClr val="lt1"/>
+            </a:fontRef>
+          </p:style>
+        </p:sp>
+        <p:sp>
+          <p:nvSpPr>
+            <p:cNvPr id="25" name="Rectangle 27"/>
+            <p:cNvSpPr/>
+            <p:nvPr/>
+          </p:nvSpPr>
+          <p:spPr>
+            <a:xfrm>
+              <a:off x="9334500" y="-8467"/>
+              <a:ext cx="2854326" cy="6866467"/>
+            </a:xfrm>
+            <a:custGeom>
+              <a:avLst/>
+              <a:gdLst/>
+              <a:ahLst/>
+              <a:cxnLst/>
+              <a:rect l="l" t="t" r="r" b="b"/>
+              <a:pathLst>
+                <a:path w="2858013" h="6866467">
+                  <a:moveTo>
+                    <a:pt x="0" y="0"/>
+                  </a:moveTo>
+                  <a:lnTo>
+                    <a:pt x="2858013" y="0"/>
+                  </a:lnTo>
+                  <a:lnTo>
+                    <a:pt x="2858013" y="6866467"/>
+                  </a:lnTo>
+                  <a:lnTo>
+                    <a:pt x="2473942" y="6866467"/>
+                  </a:lnTo>
+                  <a:lnTo>
+                    <a:pt x="0" y="0"/>
+                  </a:lnTo>
+                  <a:close/>
+                </a:path>
+              </a:pathLst>
+            </a:custGeom>
+            <a:solidFill>
+              <a:schemeClr val="accent2">
+                <a:lumMod val="75000"/>
+                <a:alpha val="70000"/>
+              </a:schemeClr>
+            </a:solidFill>
+            <a:ln>
+              <a:noFill/>
+            </a:ln>
+            <a:effectLst/>
+          </p:spPr>
+          <p:style>
+            <a:lnRef idx="1">
+              <a:schemeClr val="accent1"/>
+            </a:lnRef>
+            <a:fillRef idx="3">
+              <a:schemeClr val="accent1"/>
+            </a:fillRef>
+            <a:effectRef idx="2">
+              <a:schemeClr val="accent1"/>
+            </a:effectRef>
+            <a:fontRef idx="minor">
+              <a:schemeClr val="lt1"/>
+            </a:fontRef>
+          </p:style>
+        </p:sp>
+        <p:sp>
+          <p:nvSpPr>
+            <p:cNvPr id="26" name="Rectangle 28"/>
+            <p:cNvSpPr/>
+            <p:nvPr/>
+          </p:nvSpPr>
+          <p:spPr>
+            <a:xfrm>
+              <a:off x="10898730" y="-8467"/>
+              <a:ext cx="1290094" cy="6866467"/>
+            </a:xfrm>
+            <a:custGeom>
+              <a:avLst/>
+              <a:gdLst/>
+              <a:ahLst/>
+              <a:cxnLst/>
+              <a:rect l="l" t="t" r="r" b="b"/>
+              <a:pathLst>
+                <a:path w="1290094" h="6858000">
+                  <a:moveTo>
+                    <a:pt x="1019735" y="0"/>
+                  </a:moveTo>
+                  <a:lnTo>
+                    <a:pt x="1290094" y="0"/>
+                  </a:lnTo>
+                  <a:lnTo>
+                    <a:pt x="1290094" y="6858000"/>
+                  </a:lnTo>
+                  <a:lnTo>
+                    <a:pt x="0" y="6858000"/>
+                  </a:lnTo>
+                  <a:lnTo>
+                    <a:pt x="1019735" y="0"/>
+                  </a:lnTo>
+                  <a:close/>
+                </a:path>
+              </a:pathLst>
+            </a:custGeom>
+            <a:solidFill>
+              <a:schemeClr val="accent1">
+                <a:lumMod val="60000"/>
+                <a:lumOff val="40000"/>
+                <a:alpha val="70000"/>
+              </a:schemeClr>
+            </a:solidFill>
+            <a:ln>
+              <a:noFill/>
+            </a:ln>
+            <a:effectLst/>
+          </p:spPr>
+          <p:style>
+            <a:lnRef idx="1">
+              <a:schemeClr val="accent1"/>
+            </a:lnRef>
+            <a:fillRef idx="3">
+              <a:schemeClr val="accent1"/>
+            </a:fillRef>
+            <a:effectRef idx="2">
+              <a:schemeClr val="accent1"/>
+            </a:effectRef>
+            <a:fontRef idx="minor">
+              <a:schemeClr val="lt1"/>
+            </a:fontRef>
+          </p:style>
+        </p:sp>
+        <p:sp>
+          <p:nvSpPr>
+            <p:cNvPr id="27" name="Rectangle 29"/>
+            <p:cNvSpPr/>
+            <p:nvPr/>
+          </p:nvSpPr>
+          <p:spPr>
+            <a:xfrm>
+              <a:off x="10938999" y="-8467"/>
+              <a:ext cx="1249825" cy="6866467"/>
+            </a:xfrm>
+            <a:custGeom>
+              <a:avLst/>
+              <a:gdLst/>
+              <a:ahLst/>
+              <a:cxnLst/>
+              <a:rect l="l" t="t" r="r" b="b"/>
+              <a:pathLst>
+                <a:path w="1249825" h="6858000">
+                  <a:moveTo>
+                    <a:pt x="0" y="0"/>
+                  </a:moveTo>
+                  <a:lnTo>
+                    <a:pt x="1249825" y="0"/>
+                  </a:lnTo>
+                  <a:lnTo>
+                    <a:pt x="1249825" y="6858000"/>
+                  </a:lnTo>
+                  <a:lnTo>
+                    <a:pt x="1109382" y="6858000"/>
+                  </a:lnTo>
+                  <a:lnTo>
+                    <a:pt x="0" y="0"/>
+                  </a:lnTo>
+                  <a:close/>
+                </a:path>
+              </a:pathLst>
+            </a:custGeom>
+            <a:solidFill>
+              <a:schemeClr val="accent1">
+                <a:alpha val="65000"/>
+              </a:schemeClr>
+            </a:solidFill>
+            <a:ln>
+              <a:noFill/>
+            </a:ln>
+            <a:effectLst/>
+          </p:spPr>
+          <p:style>
+            <a:lnRef idx="1">
+              <a:schemeClr val="accent1"/>
+            </a:lnRef>
+            <a:fillRef idx="3">
+              <a:schemeClr val="accent1"/>
+            </a:fillRef>
+            <a:effectRef idx="2">
+              <a:schemeClr val="accent1"/>
+            </a:effectRef>
+            <a:fontRef idx="minor">
+              <a:schemeClr val="lt1"/>
+            </a:fontRef>
+          </p:style>
+        </p:sp>
+        <p:sp>
+          <p:nvSpPr>
+            <p:cNvPr id="28" name="Isosceles Triangle 27"/>
+            <p:cNvSpPr/>
+            <p:nvPr/>
+          </p:nvSpPr>
+          <p:spPr>
+            <a:xfrm>
+              <a:off x="10371666" y="3589867"/>
+              <a:ext cx="1817159" cy="3268133"/>
+            </a:xfrm>
+            <a:prstGeom prst="triangle">
+              <a:avLst>
+                <a:gd name="adj" fmla="val 100000"/>
+              </a:avLst>
+            </a:prstGeom>
+            <a:solidFill>
+              <a:schemeClr val="accent1">
+                <a:alpha val="80000"/>
+              </a:schemeClr>
+            </a:solidFill>
+            <a:ln>
+              <a:noFill/>
+            </a:ln>
+            <a:effectLst/>
+          </p:spPr>
+          <p:style>
+            <a:lnRef idx="1">
+              <a:schemeClr val="accent1"/>
+            </a:lnRef>
+            <a:fillRef idx="3">
+              <a:schemeClr val="accent1"/>
+            </a:fillRef>
+            <a:effectRef idx="2">
+              <a:schemeClr val="accent1"/>
+            </a:effectRef>
+            <a:fontRef idx="minor">
+              <a:schemeClr val="lt1"/>
+            </a:fontRef>
+          </p:style>
+        </p:sp>
+        <p:sp>
+          <p:nvSpPr>
+            <p:cNvPr id="29" name="Isosceles Triangle 28"/>
+            <p:cNvSpPr/>
+            <p:nvPr/>
+          </p:nvSpPr>
+          <p:spPr>
+            <a:xfrm>
+              <a:off x="0" y="4013200"/>
+              <a:ext cx="448733" cy="2844800"/>
+            </a:xfrm>
+            <a:prstGeom prst="triangle">
+              <a:avLst>
+                <a:gd name="adj" fmla="val 0"/>
+              </a:avLst>
+            </a:prstGeom>
+            <a:solidFill>
+              <a:schemeClr val="accent1">
+                <a:alpha val="85000"/>
+              </a:schemeClr>
+            </a:solidFill>
+            <a:ln>
+              <a:noFill/>
+            </a:ln>
+            <a:effectLst/>
+          </p:spPr>
+          <p:style>
+            <a:lnRef idx="1">
+              <a:schemeClr val="accent1"/>
+            </a:lnRef>
+            <a:fillRef idx="3">
+              <a:schemeClr val="accent1"/>
+            </a:fillRef>
+            <a:effectRef idx="2">
+              <a:schemeClr val="accent1"/>
+            </a:effectRef>
+            <a:fontRef idx="minor">
+              <a:schemeClr val="lt1"/>
+            </a:fontRef>
+          </p:style>
+        </p:sp>
+      </p:grpSp>
+      <p:sp>
+        <p:nvSpPr>
+          <p:cNvPr id="2" name="Title Placeholder 1"/>
           <p:cNvSpPr>
             <a:spLocks noGrp="1"/>
           </p:cNvSpPr>
@@ -2443,15 +5208,15 @@
         </p:nvSpPr>
         <p:spPr>
           <a:xfrm>
-            <a:off x="838200" y="365125"/>
-            <a:ext cx="10515600" cy="1325563"/>
+            <a:off x="677334" y="609600"/>
+            <a:ext cx="8596668" cy="1320800"/>
           </a:xfrm>
           <a:prstGeom prst="rect">
             <a:avLst/>
           </a:prstGeom>
         </p:spPr>
         <p:txBody>
-          <a:bodyPr vert="horz" lIns="91440" tIns="45720" rIns="91440" bIns="45720" rtlCol="0" anchor="ctr">
+          <a:bodyPr vert="horz" lIns="91440" tIns="45720" rIns="91440" bIns="45720" rtlCol="0" anchor="t">
             <a:normAutofit/>
           </a:bodyPr>
           <a:lstStyle/>
@@ -2460,13 +5225,13 @@
               <a:rPr lang="hu-HU" smtClean="0"/>
               <a:t>Mintacím szerkesztése</a:t>
             </a:r>
-            <a:endParaRPr lang="hu-HU"/>
-          </a:p>
-        </p:txBody>
-      </p:sp>
-      <p:sp>
-        <p:nvSpPr>
-          <p:cNvPr id="3" name="Szöveg helye 2"/>
+            <a:endParaRPr lang="en-US" dirty="0"/>
+          </a:p>
+        </p:txBody>
+      </p:sp>
+      <p:sp>
+        <p:nvSpPr>
+          <p:cNvPr id="3" name="Text Placeholder 2"/>
           <p:cNvSpPr>
             <a:spLocks noGrp="1"/>
           </p:cNvSpPr>
@@ -2476,8 +5241,8 @@
         </p:nvSpPr>
         <p:spPr>
           <a:xfrm>
-            <a:off x="838200" y="1825625"/>
-            <a:ext cx="10515600" cy="4351338"/>
+            <a:off x="677334" y="2160589"/>
+            <a:ext cx="8596668" cy="3880773"/>
           </a:xfrm>
           <a:prstGeom prst="rect">
             <a:avLst/>
@@ -2522,13 +5287,13 @@
               <a:rPr lang="hu-HU" smtClean="0"/>
               <a:t>Ötödik szint</a:t>
             </a:r>
-            <a:endParaRPr lang="hu-HU"/>
-          </a:p>
-        </p:txBody>
-      </p:sp>
-      <p:sp>
-        <p:nvSpPr>
-          <p:cNvPr id="4" name="Dátum helye 3"/>
+            <a:endParaRPr lang="en-US" dirty="0"/>
+          </a:p>
+        </p:txBody>
+      </p:sp>
+      <p:sp>
+        <p:nvSpPr>
+          <p:cNvPr id="4" name="Date Placeholder 3"/>
           <p:cNvSpPr>
             <a:spLocks noGrp="1"/>
           </p:cNvSpPr>
@@ -2538,8 +5303,8 @@
         </p:nvSpPr>
         <p:spPr>
           <a:xfrm>
-            <a:off x="838200" y="6356350"/>
-            <a:ext cx="2743200" cy="365125"/>
+            <a:off x="7205133" y="6041362"/>
+            <a:ext cx="911939" cy="365125"/>
           </a:xfrm>
           <a:prstGeom prst="rect">
             <a:avLst/>
@@ -2548,8 +5313,8 @@
         <p:txBody>
           <a:bodyPr vert="horz" lIns="91440" tIns="45720" rIns="91440" bIns="45720" rtlCol="0" anchor="ctr"/>
           <a:lstStyle>
-            <a:lvl1pPr algn="l">
-              <a:defRPr sz="1200">
+            <a:lvl1pPr algn="r">
+              <a:defRPr sz="900">
                 <a:solidFill>
                   <a:schemeClr val="tx1">
                     <a:tint val="75000"/>
@@ -2561,7 +5326,7 @@
           <a:p>
             <a:fld id="{A515A8DB-1761-43C7-85F6-AF4C95111F34}" type="datetimeFigureOut">
               <a:rPr lang="hu-HU" smtClean="0"/>
-              <a:t>2022.02.09.</a:t>
+              <a:t>2022.02.16.</a:t>
             </a:fld>
             <a:endParaRPr lang="hu-HU"/>
           </a:p>
@@ -2569,7 +5334,7 @@
       </p:sp>
       <p:sp>
         <p:nvSpPr>
-          <p:cNvPr id="5" name="Élőláb helye 4"/>
+          <p:cNvPr id="5" name="Footer Placeholder 4"/>
           <p:cNvSpPr>
             <a:spLocks noGrp="1"/>
           </p:cNvSpPr>
@@ -2579,8 +5344,8 @@
         </p:nvSpPr>
         <p:spPr>
           <a:xfrm>
-            <a:off x="4038600" y="6356350"/>
-            <a:ext cx="4114800" cy="365125"/>
+            <a:off x="677334" y="6041362"/>
+            <a:ext cx="6297612" cy="365125"/>
           </a:xfrm>
           <a:prstGeom prst="rect">
             <a:avLst/>
@@ -2589,8 +5354,8 @@
         <p:txBody>
           <a:bodyPr vert="horz" lIns="91440" tIns="45720" rIns="91440" bIns="45720" rtlCol="0" anchor="ctr"/>
           <a:lstStyle>
-            <a:lvl1pPr algn="ctr">
-              <a:defRPr sz="1200">
+            <a:lvl1pPr algn="l">
+              <a:defRPr sz="900">
                 <a:solidFill>
                   <a:schemeClr val="tx1">
                     <a:tint val="75000"/>
@@ -2606,7 +5371,7 @@
       </p:sp>
       <p:sp>
         <p:nvSpPr>
-          <p:cNvPr id="6" name="Dia számának helye 5"/>
+          <p:cNvPr id="6" name="Slide Number Placeholder 5"/>
           <p:cNvSpPr>
             <a:spLocks noGrp="1"/>
           </p:cNvSpPr>
@@ -2616,8 +5381,8 @@
         </p:nvSpPr>
         <p:spPr>
           <a:xfrm>
-            <a:off x="8610600" y="6356350"/>
-            <a:ext cx="2743200" cy="365125"/>
+            <a:off x="8590663" y="6041362"/>
+            <a:ext cx="683339" cy="365125"/>
           </a:xfrm>
           <a:prstGeom prst="rect">
             <a:avLst/>
@@ -2627,11 +5392,9 @@
           <a:bodyPr vert="horz" lIns="91440" tIns="45720" rIns="91440" bIns="45720" rtlCol="0" anchor="ctr"/>
           <a:lstStyle>
             <a:lvl1pPr algn="r">
-              <a:defRPr sz="1200">
-                <a:solidFill>
-                  <a:schemeClr val="tx1">
-                    <a:tint val="75000"/>
-                  </a:schemeClr>
+              <a:defRPr sz="900">
+                <a:solidFill>
+                  <a:schemeClr val="accent1"/>
                 </a:solidFill>
               </a:defRPr>
             </a:lvl1pPr>
@@ -2648,55 +5411,335 @@
     </p:spTree>
     <p:extLst>
       <p:ext uri="{BB962C8B-B14F-4D97-AF65-F5344CB8AC3E}">
-        <p14:creationId xmlns:p14="http://schemas.microsoft.com/office/powerpoint/2010/main" val="787102552"/>
+        <p14:creationId xmlns:p14="http://schemas.microsoft.com/office/powerpoint/2010/main" val="2315051545"/>
       </p:ext>
     </p:extLst>
   </p:cSld>
   <p:clrMap bg1="lt1" tx1="dk1" bg2="lt2" tx2="dk2" accent1="accent1" accent2="accent2" accent3="accent3" accent4="accent4" accent5="accent5" accent6="accent6" hlink="hlink" folHlink="folHlink"/>
   <p:sldLayoutIdLst>
-    <p:sldLayoutId id="2147483649" r:id="rId1"/>
-    <p:sldLayoutId id="2147483650" r:id="rId2"/>
-    <p:sldLayoutId id="2147483651" r:id="rId3"/>
-    <p:sldLayoutId id="2147483652" r:id="rId4"/>
-    <p:sldLayoutId id="2147483653" r:id="rId5"/>
-    <p:sldLayoutId id="2147483654" r:id="rId6"/>
-    <p:sldLayoutId id="2147483655" r:id="rId7"/>
-    <p:sldLayoutId id="2147483656" r:id="rId8"/>
-    <p:sldLayoutId id="2147483657" r:id="rId9"/>
-    <p:sldLayoutId id="2147483658" r:id="rId10"/>
-    <p:sldLayoutId id="2147483659" r:id="rId11"/>
+    <p:sldLayoutId id="2147483741" r:id="rId1"/>
+    <p:sldLayoutId id="2147483742" r:id="rId2"/>
+    <p:sldLayoutId id="2147483743" r:id="rId3"/>
+    <p:sldLayoutId id="2147483744" r:id="rId4"/>
+    <p:sldLayoutId id="2147483745" r:id="rId5"/>
+    <p:sldLayoutId id="2147483746" r:id="rId6"/>
+    <p:sldLayoutId id="2147483747" r:id="rId7"/>
+    <p:sldLayoutId id="2147483748" r:id="rId8"/>
+    <p:sldLayoutId id="2147483749" r:id="rId9"/>
+    <p:sldLayoutId id="2147483750" r:id="rId10"/>
+    <p:sldLayoutId id="2147483751" r:id="rId11"/>
+    <p:sldLayoutId id="2147483752" r:id="rId12"/>
+    <p:sldLayoutId id="2147483753" r:id="rId13"/>
+    <p:sldLayoutId id="2147483754" r:id="rId14"/>
+    <p:sldLayoutId id="2147483755" r:id="rId15"/>
+    <p:sldLayoutId id="2147483756" r:id="rId16"/>
   </p:sldLayoutIdLst>
   <p:txStyles>
     <p:titleStyle>
-      <a:lvl1pPr algn="l" defTabSz="914400" rtl="0" eaLnBrk="1" latinLnBrk="0" hangingPunct="1">
-        <a:lnSpc>
-          <a:spcPct val="90000"/>
-        </a:lnSpc>
+      <a:lvl1pPr algn="l" defTabSz="457200" rtl="0" eaLnBrk="1" latinLnBrk="0" hangingPunct="1">
         <a:spcBef>
           <a:spcPct val="0"/>
         </a:spcBef>
         <a:buNone/>
-        <a:defRPr sz="4400" kern="1200">
+        <a:defRPr sz="3600" kern="1200">
           <a:solidFill>
-            <a:schemeClr val="tx1"/>
+            <a:schemeClr val="accent1"/>
           </a:solidFill>
           <a:latin typeface="+mj-lt"/>
           <a:ea typeface="+mj-ea"/>
           <a:cs typeface="+mj-cs"/>
         </a:defRPr>
       </a:lvl1pPr>
+      <a:lvl2pPr eaLnBrk="1" hangingPunct="1">
+        <a:defRPr>
+          <a:solidFill>
+            <a:schemeClr val="tx2"/>
+          </a:solidFill>
+        </a:defRPr>
+      </a:lvl2pPr>
+      <a:lvl3pPr eaLnBrk="1" hangingPunct="1">
+        <a:defRPr>
+          <a:solidFill>
+            <a:schemeClr val="tx2"/>
+          </a:solidFill>
+        </a:defRPr>
+      </a:lvl3pPr>
+      <a:lvl4pPr eaLnBrk="1" hangingPunct="1">
+        <a:defRPr>
+          <a:solidFill>
+            <a:schemeClr val="tx2"/>
+          </a:solidFill>
+        </a:defRPr>
+      </a:lvl4pPr>
+      <a:lvl5pPr eaLnBrk="1" hangingPunct="1">
+        <a:defRPr>
+          <a:solidFill>
+            <a:schemeClr val="tx2"/>
+          </a:solidFill>
+        </a:defRPr>
+      </a:lvl5pPr>
+      <a:lvl6pPr eaLnBrk="1" hangingPunct="1">
+        <a:defRPr>
+          <a:solidFill>
+            <a:schemeClr val="tx2"/>
+          </a:solidFill>
+        </a:defRPr>
+      </a:lvl6pPr>
+      <a:lvl7pPr eaLnBrk="1" hangingPunct="1">
+        <a:defRPr>
+          <a:solidFill>
+            <a:schemeClr val="tx2"/>
+          </a:solidFill>
+        </a:defRPr>
+      </a:lvl7pPr>
+      <a:lvl8pPr eaLnBrk="1" hangingPunct="1">
+        <a:defRPr>
+          <a:solidFill>
+            <a:schemeClr val="tx2"/>
+          </a:solidFill>
+        </a:defRPr>
+      </a:lvl8pPr>
+      <a:lvl9pPr eaLnBrk="1" hangingPunct="1">
+        <a:defRPr>
+          <a:solidFill>
+            <a:schemeClr val="tx2"/>
+          </a:solidFill>
+        </a:defRPr>
+      </a:lvl9pPr>
     </p:titleStyle>
     <p:bodyStyle>
-      <a:lvl1pPr marL="228600" indent="-228600" algn="l" defTabSz="914400" rtl="0" eaLnBrk="1" latinLnBrk="0" hangingPunct="1">
-        <a:lnSpc>
-          <a:spcPct val="90000"/>
-        </a:lnSpc>
+      <a:lvl1pPr marL="342900" indent="-342900" algn="l" defTabSz="457200" rtl="0" eaLnBrk="1" latinLnBrk="0" hangingPunct="1">
         <a:spcBef>
           <a:spcPts val="1000"/>
         </a:spcBef>
-        <a:buFont typeface="Arial" panose="020B0604020202020204" pitchFamily="34" charset="0"/>
-        <a:buChar char="•"/>
-        <a:defRPr sz="2800" kern="1200">
+        <a:spcAft>
+          <a:spcPts val="0"/>
+        </a:spcAft>
+        <a:buClr>
+          <a:schemeClr val="accent1"/>
+        </a:buClr>
+        <a:buSzPct val="80000"/>
+        <a:buFont typeface="Wingdings 3" charset="2"/>
+        <a:buChar char=""/>
+        <a:defRPr sz="1800" kern="1200">
+          <a:solidFill>
+            <a:schemeClr val="tx1">
+              <a:lumMod val="75000"/>
+              <a:lumOff val="25000"/>
+            </a:schemeClr>
+          </a:solidFill>
+          <a:latin typeface="+mn-lt"/>
+          <a:ea typeface="+mn-ea"/>
+          <a:cs typeface="+mn-cs"/>
+        </a:defRPr>
+      </a:lvl1pPr>
+      <a:lvl2pPr marL="742950" indent="-285750" algn="l" defTabSz="457200" rtl="0" eaLnBrk="1" latinLnBrk="0" hangingPunct="1">
+        <a:spcBef>
+          <a:spcPts val="1000"/>
+        </a:spcBef>
+        <a:spcAft>
+          <a:spcPts val="0"/>
+        </a:spcAft>
+        <a:buClr>
+          <a:schemeClr val="accent1"/>
+        </a:buClr>
+        <a:buSzPct val="80000"/>
+        <a:buFont typeface="Wingdings 3" charset="2"/>
+        <a:buChar char=""/>
+        <a:defRPr sz="1600" kern="1200">
+          <a:solidFill>
+            <a:schemeClr val="tx1">
+              <a:lumMod val="75000"/>
+              <a:lumOff val="25000"/>
+            </a:schemeClr>
+          </a:solidFill>
+          <a:latin typeface="+mn-lt"/>
+          <a:ea typeface="+mn-ea"/>
+          <a:cs typeface="+mn-cs"/>
+        </a:defRPr>
+      </a:lvl2pPr>
+      <a:lvl3pPr marL="1143000" indent="-228600" algn="l" defTabSz="457200" rtl="0" eaLnBrk="1" latinLnBrk="0" hangingPunct="1">
+        <a:spcBef>
+          <a:spcPts val="1000"/>
+        </a:spcBef>
+        <a:spcAft>
+          <a:spcPts val="0"/>
+        </a:spcAft>
+        <a:buClr>
+          <a:schemeClr val="accent1"/>
+        </a:buClr>
+        <a:buSzPct val="80000"/>
+        <a:buFont typeface="Wingdings 3" charset="2"/>
+        <a:buChar char=""/>
+        <a:defRPr sz="1400" kern="1200">
+          <a:solidFill>
+            <a:schemeClr val="tx1">
+              <a:lumMod val="75000"/>
+              <a:lumOff val="25000"/>
+            </a:schemeClr>
+          </a:solidFill>
+          <a:latin typeface="+mn-lt"/>
+          <a:ea typeface="+mn-ea"/>
+          <a:cs typeface="+mn-cs"/>
+        </a:defRPr>
+      </a:lvl3pPr>
+      <a:lvl4pPr marL="1600200" indent="-228600" algn="l" defTabSz="457200" rtl="0" eaLnBrk="1" latinLnBrk="0" hangingPunct="1">
+        <a:spcBef>
+          <a:spcPts val="1000"/>
+        </a:spcBef>
+        <a:spcAft>
+          <a:spcPts val="0"/>
+        </a:spcAft>
+        <a:buClr>
+          <a:schemeClr val="accent1"/>
+        </a:buClr>
+        <a:buSzPct val="80000"/>
+        <a:buFont typeface="Wingdings 3" charset="2"/>
+        <a:buChar char=""/>
+        <a:defRPr sz="1200" kern="1200">
+          <a:solidFill>
+            <a:schemeClr val="tx1">
+              <a:lumMod val="75000"/>
+              <a:lumOff val="25000"/>
+            </a:schemeClr>
+          </a:solidFill>
+          <a:latin typeface="+mn-lt"/>
+          <a:ea typeface="+mn-ea"/>
+          <a:cs typeface="+mn-cs"/>
+        </a:defRPr>
+      </a:lvl4pPr>
+      <a:lvl5pPr marL="2057400" indent="-228600" algn="l" defTabSz="457200" rtl="0" eaLnBrk="1" latinLnBrk="0" hangingPunct="1">
+        <a:spcBef>
+          <a:spcPts val="1000"/>
+        </a:spcBef>
+        <a:spcAft>
+          <a:spcPts val="0"/>
+        </a:spcAft>
+        <a:buClr>
+          <a:schemeClr val="accent1"/>
+        </a:buClr>
+        <a:buSzPct val="80000"/>
+        <a:buFont typeface="Wingdings 3" charset="2"/>
+        <a:buChar char=""/>
+        <a:defRPr sz="1200" kern="1200">
+          <a:solidFill>
+            <a:schemeClr val="tx1">
+              <a:lumMod val="75000"/>
+              <a:lumOff val="25000"/>
+            </a:schemeClr>
+          </a:solidFill>
+          <a:latin typeface="+mn-lt"/>
+          <a:ea typeface="+mn-ea"/>
+          <a:cs typeface="+mn-cs"/>
+        </a:defRPr>
+      </a:lvl5pPr>
+      <a:lvl6pPr marL="2514600" indent="-228600" algn="l" defTabSz="457200" rtl="0" eaLnBrk="1" latinLnBrk="0" hangingPunct="1">
+        <a:spcBef>
+          <a:spcPts val="1000"/>
+        </a:spcBef>
+        <a:spcAft>
+          <a:spcPts val="0"/>
+        </a:spcAft>
+        <a:buClr>
+          <a:schemeClr val="accent1"/>
+        </a:buClr>
+        <a:buSzPct val="80000"/>
+        <a:buFont typeface="Wingdings 3" charset="2"/>
+        <a:buChar char=""/>
+        <a:defRPr sz="1200" kern="1200">
+          <a:solidFill>
+            <a:schemeClr val="tx1">
+              <a:lumMod val="75000"/>
+              <a:lumOff val="25000"/>
+            </a:schemeClr>
+          </a:solidFill>
+          <a:latin typeface="+mn-lt"/>
+          <a:ea typeface="+mn-ea"/>
+          <a:cs typeface="+mn-cs"/>
+        </a:defRPr>
+      </a:lvl6pPr>
+      <a:lvl7pPr marL="2971800" indent="-228600" algn="l" defTabSz="457200" rtl="0" eaLnBrk="1" latinLnBrk="0" hangingPunct="1">
+        <a:spcBef>
+          <a:spcPts val="1000"/>
+        </a:spcBef>
+        <a:spcAft>
+          <a:spcPts val="0"/>
+        </a:spcAft>
+        <a:buClr>
+          <a:schemeClr val="accent1"/>
+        </a:buClr>
+        <a:buSzPct val="80000"/>
+        <a:buFont typeface="Wingdings 3" charset="2"/>
+        <a:buChar char=""/>
+        <a:defRPr sz="1200" kern="1200">
+          <a:solidFill>
+            <a:schemeClr val="tx1">
+              <a:lumMod val="75000"/>
+              <a:lumOff val="25000"/>
+            </a:schemeClr>
+          </a:solidFill>
+          <a:latin typeface="+mn-lt"/>
+          <a:ea typeface="+mn-ea"/>
+          <a:cs typeface="+mn-cs"/>
+        </a:defRPr>
+      </a:lvl7pPr>
+      <a:lvl8pPr marL="3429000" indent="-228600" algn="l" defTabSz="457200" rtl="0" eaLnBrk="1" latinLnBrk="0" hangingPunct="1">
+        <a:spcBef>
+          <a:spcPts val="1000"/>
+        </a:spcBef>
+        <a:spcAft>
+          <a:spcPts val="0"/>
+        </a:spcAft>
+        <a:buClr>
+          <a:schemeClr val="accent1"/>
+        </a:buClr>
+        <a:buSzPct val="80000"/>
+        <a:buFont typeface="Wingdings 3" charset="2"/>
+        <a:buChar char=""/>
+        <a:defRPr sz="1200" kern="1200">
+          <a:solidFill>
+            <a:schemeClr val="tx1">
+              <a:lumMod val="75000"/>
+              <a:lumOff val="25000"/>
+            </a:schemeClr>
+          </a:solidFill>
+          <a:latin typeface="+mn-lt"/>
+          <a:ea typeface="+mn-ea"/>
+          <a:cs typeface="+mn-cs"/>
+        </a:defRPr>
+      </a:lvl8pPr>
+      <a:lvl9pPr marL="3886200" indent="-228600" algn="l" defTabSz="457200" rtl="0" eaLnBrk="1" latinLnBrk="0" hangingPunct="1">
+        <a:spcBef>
+          <a:spcPts val="1000"/>
+        </a:spcBef>
+        <a:spcAft>
+          <a:spcPts val="0"/>
+        </a:spcAft>
+        <a:buClr>
+          <a:schemeClr val="accent1"/>
+        </a:buClr>
+        <a:buSzPct val="80000"/>
+        <a:buFont typeface="Wingdings 3" charset="2"/>
+        <a:buChar char=""/>
+        <a:defRPr sz="1200" kern="1200">
+          <a:solidFill>
+            <a:schemeClr val="tx1">
+              <a:lumMod val="75000"/>
+              <a:lumOff val="25000"/>
+            </a:schemeClr>
+          </a:solidFill>
+          <a:latin typeface="+mn-lt"/>
+          <a:ea typeface="+mn-ea"/>
+          <a:cs typeface="+mn-cs"/>
+        </a:defRPr>
+      </a:lvl9pPr>
+    </p:bodyStyle>
+    <p:otherStyle>
+      <a:defPPr>
+        <a:defRPr lang="en-US"/>
+      </a:defPPr>
+      <a:lvl1pPr marL="0" algn="l" defTabSz="457200" rtl="0" eaLnBrk="1" latinLnBrk="0" hangingPunct="1">
+        <a:defRPr sz="1800" kern="1200">
           <a:solidFill>
             <a:schemeClr val="tx1"/>
           </a:solidFill>
@@ -2705,16 +5748,8 @@
           <a:cs typeface="+mn-cs"/>
         </a:defRPr>
       </a:lvl1pPr>
-      <a:lvl2pPr marL="685800" indent="-228600" algn="l" defTabSz="914400" rtl="0" eaLnBrk="1" latinLnBrk="0" hangingPunct="1">
-        <a:lnSpc>
-          <a:spcPct val="90000"/>
-        </a:lnSpc>
-        <a:spcBef>
-          <a:spcPts val="500"/>
-        </a:spcBef>
-        <a:buFont typeface="Arial" panose="020B0604020202020204" pitchFamily="34" charset="0"/>
-        <a:buChar char="•"/>
-        <a:defRPr sz="2400" kern="1200">
+      <a:lvl2pPr marL="457200" algn="l" defTabSz="457200" rtl="0" eaLnBrk="1" latinLnBrk="0" hangingPunct="1">
+        <a:defRPr sz="1800" kern="1200">
           <a:solidFill>
             <a:schemeClr val="tx1"/>
           </a:solidFill>
@@ -2723,16 +5758,8 @@
           <a:cs typeface="+mn-cs"/>
         </a:defRPr>
       </a:lvl2pPr>
-      <a:lvl3pPr marL="1143000" indent="-228600" algn="l" defTabSz="914400" rtl="0" eaLnBrk="1" latinLnBrk="0" hangingPunct="1">
-        <a:lnSpc>
-          <a:spcPct val="90000"/>
-        </a:lnSpc>
-        <a:spcBef>
-          <a:spcPts val="500"/>
-        </a:spcBef>
-        <a:buFont typeface="Arial" panose="020B0604020202020204" pitchFamily="34" charset="0"/>
-        <a:buChar char="•"/>
-        <a:defRPr sz="2000" kern="1200">
+      <a:lvl3pPr marL="914400" algn="l" defTabSz="457200" rtl="0" eaLnBrk="1" latinLnBrk="0" hangingPunct="1">
+        <a:defRPr sz="1800" kern="1200">
           <a:solidFill>
             <a:schemeClr val="tx1"/>
           </a:solidFill>
@@ -2741,15 +5768,7 @@
           <a:cs typeface="+mn-cs"/>
         </a:defRPr>
       </a:lvl3pPr>
-      <a:lvl4pPr marL="1600200" indent="-228600" algn="l" defTabSz="914400" rtl="0" eaLnBrk="1" latinLnBrk="0" hangingPunct="1">
-        <a:lnSpc>
-          <a:spcPct val="90000"/>
-        </a:lnSpc>
-        <a:spcBef>
-          <a:spcPts val="500"/>
-        </a:spcBef>
-        <a:buFont typeface="Arial" panose="020B0604020202020204" pitchFamily="34" charset="0"/>
-        <a:buChar char="•"/>
+      <a:lvl4pPr marL="1371600" algn="l" defTabSz="457200" rtl="0" eaLnBrk="1" latinLnBrk="0" hangingPunct="1">
         <a:defRPr sz="1800" kern="1200">
           <a:solidFill>
             <a:schemeClr val="tx1"/>
@@ -2759,15 +5778,7 @@
           <a:cs typeface="+mn-cs"/>
         </a:defRPr>
       </a:lvl4pPr>
-      <a:lvl5pPr marL="2057400" indent="-228600" algn="l" defTabSz="914400" rtl="0" eaLnBrk="1" latinLnBrk="0" hangingPunct="1">
-        <a:lnSpc>
-          <a:spcPct val="90000"/>
-        </a:lnSpc>
-        <a:spcBef>
-          <a:spcPts val="500"/>
-        </a:spcBef>
-        <a:buFont typeface="Arial" panose="020B0604020202020204" pitchFamily="34" charset="0"/>
-        <a:buChar char="•"/>
+      <a:lvl5pPr marL="1828800" algn="l" defTabSz="457200" rtl="0" eaLnBrk="1" latinLnBrk="0" hangingPunct="1">
         <a:defRPr sz="1800" kern="1200">
           <a:solidFill>
             <a:schemeClr val="tx1"/>
@@ -2777,15 +5788,7 @@
           <a:cs typeface="+mn-cs"/>
         </a:defRPr>
       </a:lvl5pPr>
-      <a:lvl6pPr marL="2514600" indent="-228600" algn="l" defTabSz="914400" rtl="0" eaLnBrk="1" latinLnBrk="0" hangingPunct="1">
-        <a:lnSpc>
-          <a:spcPct val="90000"/>
-        </a:lnSpc>
-        <a:spcBef>
-          <a:spcPts val="500"/>
-        </a:spcBef>
-        <a:buFont typeface="Arial" panose="020B0604020202020204" pitchFamily="34" charset="0"/>
-        <a:buChar char="•"/>
+      <a:lvl6pPr marL="2286000" algn="l" defTabSz="457200" rtl="0" eaLnBrk="1" latinLnBrk="0" hangingPunct="1">
         <a:defRPr sz="1800" kern="1200">
           <a:solidFill>
             <a:schemeClr val="tx1"/>
@@ -2795,15 +5798,7 @@
           <a:cs typeface="+mn-cs"/>
         </a:defRPr>
       </a:lvl6pPr>
-      <a:lvl7pPr marL="2971800" indent="-228600" algn="l" defTabSz="914400" rtl="0" eaLnBrk="1" latinLnBrk="0" hangingPunct="1">
-        <a:lnSpc>
-          <a:spcPct val="90000"/>
-        </a:lnSpc>
-        <a:spcBef>
-          <a:spcPts val="500"/>
-        </a:spcBef>
-        <a:buFont typeface="Arial" panose="020B0604020202020204" pitchFamily="34" charset="0"/>
-        <a:buChar char="•"/>
+      <a:lvl7pPr marL="2743200" algn="l" defTabSz="457200" rtl="0" eaLnBrk="1" latinLnBrk="0" hangingPunct="1">
         <a:defRPr sz="1800" kern="1200">
           <a:solidFill>
             <a:schemeClr val="tx1"/>
@@ -2813,15 +5808,7 @@
           <a:cs typeface="+mn-cs"/>
         </a:defRPr>
       </a:lvl7pPr>
-      <a:lvl8pPr marL="3429000" indent="-228600" algn="l" defTabSz="914400" rtl="0" eaLnBrk="1" latinLnBrk="0" hangingPunct="1">
-        <a:lnSpc>
-          <a:spcPct val="90000"/>
-        </a:lnSpc>
-        <a:spcBef>
-          <a:spcPts val="500"/>
-        </a:spcBef>
-        <a:buFont typeface="Arial" panose="020B0604020202020204" pitchFamily="34" charset="0"/>
-        <a:buChar char="•"/>
+      <a:lvl8pPr marL="3200400" algn="l" defTabSz="457200" rtl="0" eaLnBrk="1" latinLnBrk="0" hangingPunct="1">
         <a:defRPr sz="1800" kern="1200">
           <a:solidFill>
             <a:schemeClr val="tx1"/>
@@ -2831,110 +5818,7 @@
           <a:cs typeface="+mn-cs"/>
         </a:defRPr>
       </a:lvl8pPr>
-      <a:lvl9pPr marL="3886200" indent="-228600" algn="l" defTabSz="914400" rtl="0" eaLnBrk="1" latinLnBrk="0" hangingPunct="1">
-        <a:lnSpc>
-          <a:spcPct val="90000"/>
-        </a:lnSpc>
-        <a:spcBef>
-          <a:spcPts val="500"/>
-        </a:spcBef>
-        <a:buFont typeface="Arial" panose="020B0604020202020204" pitchFamily="34" charset="0"/>
-        <a:buChar char="•"/>
-        <a:defRPr sz="1800" kern="1200">
-          <a:solidFill>
-            <a:schemeClr val="tx1"/>
-          </a:solidFill>
-          <a:latin typeface="+mn-lt"/>
-          <a:ea typeface="+mn-ea"/>
-          <a:cs typeface="+mn-cs"/>
-        </a:defRPr>
-      </a:lvl9pPr>
-    </p:bodyStyle>
-    <p:otherStyle>
-      <a:defPPr>
-        <a:defRPr lang="hu-HU"/>
-      </a:defPPr>
-      <a:lvl1pPr marL="0" algn="l" defTabSz="914400" rtl="0" eaLnBrk="1" latinLnBrk="0" hangingPunct="1">
-        <a:defRPr sz="1800" kern="1200">
-          <a:solidFill>
-            <a:schemeClr val="tx1"/>
-          </a:solidFill>
-          <a:latin typeface="+mn-lt"/>
-          <a:ea typeface="+mn-ea"/>
-          <a:cs typeface="+mn-cs"/>
-        </a:defRPr>
-      </a:lvl1pPr>
-      <a:lvl2pPr marL="457200" algn="l" defTabSz="914400" rtl="0" eaLnBrk="1" latinLnBrk="0" hangingPunct="1">
-        <a:defRPr sz="1800" kern="1200">
-          <a:solidFill>
-            <a:schemeClr val="tx1"/>
-          </a:solidFill>
-          <a:latin typeface="+mn-lt"/>
-          <a:ea typeface="+mn-ea"/>
-          <a:cs typeface="+mn-cs"/>
-        </a:defRPr>
-      </a:lvl2pPr>
-      <a:lvl3pPr marL="914400" algn="l" defTabSz="914400" rtl="0" eaLnBrk="1" latinLnBrk="0" hangingPunct="1">
-        <a:defRPr sz="1800" kern="1200">
-          <a:solidFill>
-            <a:schemeClr val="tx1"/>
-          </a:solidFill>
-          <a:latin typeface="+mn-lt"/>
-          <a:ea typeface="+mn-ea"/>
-          <a:cs typeface="+mn-cs"/>
-        </a:defRPr>
-      </a:lvl3pPr>
-      <a:lvl4pPr marL="1371600" algn="l" defTabSz="914400" rtl="0" eaLnBrk="1" latinLnBrk="0" hangingPunct="1">
-        <a:defRPr sz="1800" kern="1200">
-          <a:solidFill>
-            <a:schemeClr val="tx1"/>
-          </a:solidFill>
-          <a:latin typeface="+mn-lt"/>
-          <a:ea typeface="+mn-ea"/>
-          <a:cs typeface="+mn-cs"/>
-        </a:defRPr>
-      </a:lvl4pPr>
-      <a:lvl5pPr marL="1828800" algn="l" defTabSz="914400" rtl="0" eaLnBrk="1" latinLnBrk="0" hangingPunct="1">
-        <a:defRPr sz="1800" kern="1200">
-          <a:solidFill>
-            <a:schemeClr val="tx1"/>
-          </a:solidFill>
-          <a:latin typeface="+mn-lt"/>
-          <a:ea typeface="+mn-ea"/>
-          <a:cs typeface="+mn-cs"/>
-        </a:defRPr>
-      </a:lvl5pPr>
-      <a:lvl6pPr marL="2286000" algn="l" defTabSz="914400" rtl="0" eaLnBrk="1" latinLnBrk="0" hangingPunct="1">
-        <a:defRPr sz="1800" kern="1200">
-          <a:solidFill>
-            <a:schemeClr val="tx1"/>
-          </a:solidFill>
-          <a:latin typeface="+mn-lt"/>
-          <a:ea typeface="+mn-ea"/>
-          <a:cs typeface="+mn-cs"/>
-        </a:defRPr>
-      </a:lvl6pPr>
-      <a:lvl7pPr marL="2743200" algn="l" defTabSz="914400" rtl="0" eaLnBrk="1" latinLnBrk="0" hangingPunct="1">
-        <a:defRPr sz="1800" kern="1200">
-          <a:solidFill>
-            <a:schemeClr val="tx1"/>
-          </a:solidFill>
-          <a:latin typeface="+mn-lt"/>
-          <a:ea typeface="+mn-ea"/>
-          <a:cs typeface="+mn-cs"/>
-        </a:defRPr>
-      </a:lvl7pPr>
-      <a:lvl8pPr marL="3200400" algn="l" defTabSz="914400" rtl="0" eaLnBrk="1" latinLnBrk="0" hangingPunct="1">
-        <a:defRPr sz="1800" kern="1200">
-          <a:solidFill>
-            <a:schemeClr val="tx1"/>
-          </a:solidFill>
-          <a:latin typeface="+mn-lt"/>
-          <a:ea typeface="+mn-ea"/>
-          <a:cs typeface="+mn-cs"/>
-        </a:defRPr>
-      </a:lvl8pPr>
-      <a:lvl9pPr marL="3657600" algn="l" defTabSz="914400" rtl="0" eaLnBrk="1" latinLnBrk="0" hangingPunct="1">
+      <a:lvl9pPr marL="3657600" algn="l" defTabSz="457200" rtl="0" eaLnBrk="1" latinLnBrk="0" hangingPunct="1">
         <a:defRPr sz="1800" kern="1200">
           <a:solidFill>
             <a:schemeClr val="tx1"/>
@@ -3016,6 +5900,47 @@
           </a:p>
         </p:txBody>
       </p:sp>
+      <p:pic>
+        <p:nvPicPr>
+          <p:cNvPr id="3076" name="Picture 4" descr="Roland RP701 CB digitális zongora | hangszerplaza.hu"/>
+          <p:cNvPicPr>
+            <a:picLocks noChangeAspect="1" noChangeArrowheads="1"/>
+          </p:cNvPicPr>
+          <p:nvPr/>
+        </p:nvPicPr>
+        <p:blipFill>
+          <a:blip r:embed="rId2" cstate="print">
+            <a:extLst>
+              <a:ext uri="{28A0092B-C50C-407E-A947-70E740481C1C}">
+                <a14:useLocalDpi xmlns:a14="http://schemas.microsoft.com/office/drawing/2010/main" val="0"/>
+              </a:ext>
+            </a:extLst>
+          </a:blip>
+          <a:srcRect/>
+          <a:stretch>
+            <a:fillRect/>
+          </a:stretch>
+        </p:blipFill>
+        <p:spPr bwMode="auto">
+          <a:xfrm>
+            <a:off x="1168257" y="2233228"/>
+            <a:ext cx="4365714" cy="3635210"/>
+          </a:xfrm>
+          <a:prstGeom prst="rect">
+            <a:avLst/>
+          </a:prstGeom>
+          <a:noFill/>
+          <a:extLst>
+            <a:ext uri="{909E8E84-426E-40DD-AFC4-6F175D3DCCD1}">
+              <a14:hiddenFill xmlns:a14="http://schemas.microsoft.com/office/drawing/2010/main">
+                <a:solidFill>
+                  <a:srgbClr val="FFFFFF"/>
+                </a:solidFill>
+              </a14:hiddenFill>
+            </a:ext>
+          </a:extLst>
+        </p:spPr>
+      </p:pic>
     </p:spTree>
     <p:extLst>
       <p:ext uri="{BB962C8B-B14F-4D97-AF65-F5344CB8AC3E}">
@@ -3026,6 +5951,16 @@
   <p:clrMapOvr>
     <a:masterClrMapping/>
   </p:clrMapOvr>
+  <p:transition spd="slow">
+    <p:push dir="u"/>
+  </p:transition>
+  <p:timing>
+    <p:tnLst>
+      <p:par>
+        <p:cTn id="1" dur="indefinite" restart="never" nodeType="tmRoot"/>
+      </p:par>
+    </p:tnLst>
+  </p:timing>
 </p:sld>
 </file>
 
@@ -3092,7 +6027,11 @@
           <a:p>
             <a:r>
               <a:rPr lang="hu-HU" dirty="0" smtClean="0"/>
-              <a:t>2. Folyamat:</a:t>
+              <a:t>2. </a:t>
+            </a:r>
+            <a:r>
+              <a:rPr lang="hu-HU" dirty="0" smtClean="0"/>
+              <a:t>Folyamat:</a:t>
             </a:r>
           </a:p>
           <a:p>
@@ -3100,65 +6039,107 @@
               <a:buNone/>
             </a:pPr>
             <a:r>
-              <a:rPr lang="hu-HU" b="1" dirty="0" smtClean="0"/>
+              <a:rPr lang="hu-HU" b="1" dirty="0"/>
               <a:t>	-</a:t>
             </a:r>
             <a:r>
+              <a:rPr lang="hu-HU" dirty="0"/>
+              <a:t>HTML</a:t>
+            </a:r>
+          </a:p>
+          <a:p>
+            <a:pPr marL="457200" lvl="1" indent="0">
+              <a:buNone/>
+            </a:pPr>
+            <a:r>
+              <a:rPr lang="hu-HU" b="1" dirty="0"/>
+              <a:t>	-</a:t>
+            </a:r>
+            <a:r>
+              <a:rPr lang="hu-HU" dirty="0"/>
+              <a:t>CSS</a:t>
+            </a:r>
+          </a:p>
+          <a:p>
+            <a:pPr marL="457200" lvl="1" indent="0">
+              <a:buNone/>
+            </a:pPr>
+            <a:r>
+              <a:rPr lang="hu-HU" b="1" dirty="0"/>
+              <a:t>	-</a:t>
+            </a:r>
+            <a:r>
+              <a:rPr lang="hu-HU" dirty="0"/>
+              <a:t>JAVA</a:t>
+            </a:r>
+          </a:p>
+          <a:p>
+            <a:pPr marL="457200" lvl="1" indent="0">
+              <a:buNone/>
+            </a:pPr>
+            <a:r>
+              <a:rPr lang="hu-HU" dirty="0"/>
+              <a:t>	-</a:t>
+            </a:r>
+            <a:r>
               <a:rPr lang="hu-HU" dirty="0" smtClean="0"/>
-              <a:t>HTML</a:t>
-            </a:r>
-          </a:p>
-          <a:p>
-            <a:pPr marL="457200" lvl="1" indent="0">
-              <a:buNone/>
-            </a:pPr>
-            <a:r>
-              <a:rPr lang="hu-HU" b="1" dirty="0" smtClean="0"/>
-              <a:t>	-</a:t>
-            </a:r>
+              <a:t>Hangok</a:t>
+            </a:r>
+            <a:endParaRPr lang="hu-HU" dirty="0" smtClean="0"/>
+          </a:p>
+          <a:p>
             <a:r>
               <a:rPr lang="hu-HU" dirty="0" smtClean="0"/>
-              <a:t>CSS</a:t>
-            </a:r>
-          </a:p>
-          <a:p>
-            <a:pPr marL="457200" lvl="1" indent="0">
-              <a:buNone/>
-            </a:pPr>
-            <a:r>
-              <a:rPr lang="hu-HU" b="1" dirty="0" smtClean="0"/>
-              <a:t>	-</a:t>
+              <a:t>3</a:t>
             </a:r>
             <a:r>
               <a:rPr lang="hu-HU" dirty="0" smtClean="0"/>
-              <a:t>JAVA</a:t>
-            </a:r>
-          </a:p>
-          <a:p>
-            <a:pPr marL="457200" lvl="1" indent="0">
-              <a:buNone/>
-            </a:pPr>
-            <a:r>
-              <a:rPr lang="hu-HU" dirty="0" smtClean="0"/>
-              <a:t>	-Hangok</a:t>
-            </a:r>
-            <a:endParaRPr lang="hu-HU" dirty="0"/>
-          </a:p>
-          <a:p>
-            <a:pPr marL="457200" lvl="1" indent="0">
-              <a:buNone/>
-            </a:pPr>
-            <a:r>
-              <a:rPr lang="hu-HU" smtClean="0"/>
-              <a:t>3. </a:t>
-            </a:r>
-            <a:r>
-              <a:rPr lang="hu-HU" dirty="0" smtClean="0"/>
-              <a:t>A vége</a:t>
-            </a:r>
-          </a:p>
-        </p:txBody>
-      </p:sp>
+              <a:t>. A vége</a:t>
+            </a:r>
+          </a:p>
+        </p:txBody>
+      </p:sp>
+      <p:pic>
+        <p:nvPicPr>
+          <p:cNvPr id="4102" name="Picture 6" descr="Leier HU - Egyenes karú lépcső"/>
+          <p:cNvPicPr>
+            <a:picLocks noChangeAspect="1" noChangeArrowheads="1"/>
+          </p:cNvPicPr>
+          <p:nvPr/>
+        </p:nvPicPr>
+        <p:blipFill>
+          <a:blip r:embed="rId2">
+            <a:extLst>
+              <a:ext uri="{28A0092B-C50C-407E-A947-70E740481C1C}">
+                <a14:useLocalDpi xmlns:a14="http://schemas.microsoft.com/office/drawing/2010/main" val="0"/>
+              </a:ext>
+            </a:extLst>
+          </a:blip>
+          <a:srcRect/>
+          <a:stretch>
+            <a:fillRect/>
+          </a:stretch>
+        </p:blipFill>
+        <p:spPr bwMode="auto">
+          <a:xfrm>
+            <a:off x="3494264" y="2026023"/>
+            <a:ext cx="5779738" cy="3467843"/>
+          </a:xfrm>
+          <a:prstGeom prst="rect">
+            <a:avLst/>
+          </a:prstGeom>
+          <a:noFill/>
+          <a:extLst>
+            <a:ext uri="{909E8E84-426E-40DD-AFC4-6F175D3DCCD1}">
+              <a14:hiddenFill xmlns:a14="http://schemas.microsoft.com/office/drawing/2010/main">
+                <a:solidFill>
+                  <a:srgbClr val="FFFFFF"/>
+                </a:solidFill>
+              </a14:hiddenFill>
+            </a:ext>
+          </a:extLst>
+        </p:spPr>
+      </p:pic>
     </p:spTree>
     <p:extLst>
       <p:ext uri="{BB962C8B-B14F-4D97-AF65-F5344CB8AC3E}">
@@ -3169,6 +6150,25 @@
   <p:clrMapOvr>
     <a:masterClrMapping/>
   </p:clrMapOvr>
+  <mc:AlternateContent xmlns:mc="http://schemas.openxmlformats.org/markup-compatibility/2006">
+    <mc:Choice xmlns:p15="http://schemas.microsoft.com/office/powerpoint/2012/main" Requires="p15">
+      <p:transition xmlns:p14="http://schemas.microsoft.com/office/powerpoint/2010/main" spd="slow" p14:dur="2000">
+        <p15:prstTrans prst="wind"/>
+      </p:transition>
+    </mc:Choice>
+    <mc:Fallback>
+      <p:transition spd="slow">
+        <p:fade/>
+      </p:transition>
+    </mc:Fallback>
+  </mc:AlternateContent>
+  <p:timing>
+    <p:tnLst>
+      <p:par>
+        <p:cTn id="1" dur="indefinite" restart="never" nodeType="tmRoot"/>
+      </p:par>
+    </p:tnLst>
+  </p:timing>
 </p:sld>
 </file>
 
@@ -3199,31 +6199,22 @@
             <p:ph type="title"/>
           </p:nvPr>
         </p:nvSpPr>
-        <p:spPr/>
+        <p:spPr>
+          <a:xfrm>
+            <a:off x="4018435" y="2547677"/>
+            <a:ext cx="3770591" cy="1325563"/>
+          </a:xfrm>
+        </p:spPr>
         <p:txBody>
           <a:bodyPr/>
           <a:lstStyle/>
           <a:p>
-            <a:endParaRPr lang="hu-HU"/>
-          </a:p>
-        </p:txBody>
-      </p:sp>
-      <p:sp>
-        <p:nvSpPr>
-          <p:cNvPr id="3" name="Tartalom helye 2"/>
-          <p:cNvSpPr>
-            <a:spLocks noGrp="1"/>
-          </p:cNvSpPr>
-          <p:nvPr>
-            <p:ph idx="1"/>
-          </p:nvPr>
-        </p:nvSpPr>
-        <p:spPr/>
-        <p:txBody>
-          <a:bodyPr/>
-          <a:lstStyle/>
-          <a:p>
-            <a:endParaRPr lang="hu-HU"/>
+            <a:pPr algn="ctr"/>
+            <a:r>
+              <a:rPr lang="hu-HU" dirty="0" smtClean="0"/>
+              <a:t>HÁTRÁNYOK</a:t>
+            </a:r>
+            <a:endParaRPr lang="hu-HU" dirty="0"/>
           </a:p>
         </p:txBody>
       </p:sp>
@@ -3237,13 +6228,763 @@
   <p:clrMapOvr>
     <a:masterClrMapping/>
   </p:clrMapOvr>
+  <mc:AlternateContent xmlns:mc="http://schemas.openxmlformats.org/markup-compatibility/2006">
+    <mc:Choice xmlns:p15="http://schemas.microsoft.com/office/powerpoint/2012/main" Requires="p15">
+      <p:transition xmlns:p14="http://schemas.microsoft.com/office/powerpoint/2010/main" spd="slow" p14:dur="6000">
+        <p15:prstTrans prst="curtains"/>
+      </p:transition>
+    </mc:Choice>
+    <mc:Fallback>
+      <p:transition spd="slow">
+        <p:fade/>
+      </p:transition>
+    </mc:Fallback>
+  </mc:AlternateContent>
+  <p:timing>
+    <p:tnLst>
+      <p:par>
+        <p:cTn id="1" dur="indefinite" restart="never" nodeType="tmRoot"/>
+      </p:par>
+    </p:tnLst>
+  </p:timing>
+</p:sld>
+</file>
+
+<file path=ppt/slides/slide4.xml><?xml version="1.0" encoding="utf-8"?>
+<p:sld xmlns:a="http://schemas.openxmlformats.org/drawingml/2006/main" xmlns:r="http://schemas.openxmlformats.org/officeDocument/2006/relationships" xmlns:p="http://schemas.openxmlformats.org/presentationml/2006/main">
+  <p:cSld>
+    <p:spTree>
+      <p:nvGrpSpPr>
+        <p:cNvPr id="1" name=""/>
+        <p:cNvGrpSpPr/>
+        <p:nvPr/>
+      </p:nvGrpSpPr>
+      <p:grpSpPr>
+        <a:xfrm>
+          <a:off x="0" y="0"/>
+          <a:ext cx="0" cy="0"/>
+          <a:chOff x="0" y="0"/>
+          <a:chExt cx="0" cy="0"/>
+        </a:xfrm>
+      </p:grpSpPr>
+      <p:sp>
+        <p:nvSpPr>
+          <p:cNvPr id="2" name="Cím 1"/>
+          <p:cNvSpPr>
+            <a:spLocks noGrp="1"/>
+          </p:cNvSpPr>
+          <p:nvPr>
+            <p:ph type="title"/>
+          </p:nvPr>
+        </p:nvSpPr>
+        <p:spPr>
+          <a:xfrm>
+            <a:off x="414250" y="1519454"/>
+            <a:ext cx="7725703" cy="1143064"/>
+          </a:xfrm>
+        </p:spPr>
+        <p:txBody>
+          <a:bodyPr>
+            <a:normAutofit/>
+          </a:bodyPr>
+          <a:lstStyle/>
+          <a:p>
+            <a:pPr algn="just"/>
+            <a:r>
+              <a:rPr lang="hu-HU" sz="2000" dirty="0" smtClean="0"/>
+              <a:t>Kicsit bonyolult volt hogy, hogy játsszuk le a hangokat billentyű lenyomatával, mert először simán csak </a:t>
+            </a:r>
+            <a:r>
+              <a:rPr lang="hu-HU" sz="2000" dirty="0" err="1" smtClean="0"/>
+              <a:t>html-be</a:t>
+            </a:r>
+            <a:r>
+              <a:rPr lang="hu-HU" sz="2000" dirty="0" smtClean="0"/>
+              <a:t> próbáltuk, de az úgy nem működött volna</a:t>
+            </a:r>
+            <a:endParaRPr lang="hu-HU" sz="2000" dirty="0"/>
+          </a:p>
+        </p:txBody>
+      </p:sp>
+      <p:sp>
+        <p:nvSpPr>
+          <p:cNvPr id="3" name="Szövegdoboz 2"/>
+          <p:cNvSpPr txBox="1"/>
+          <p:nvPr/>
+        </p:nvSpPr>
+        <p:spPr>
+          <a:xfrm>
+            <a:off x="414250" y="3035873"/>
+            <a:ext cx="4957482" cy="369332"/>
+          </a:xfrm>
+          <a:prstGeom prst="rect">
+            <a:avLst/>
+          </a:prstGeom>
+          <a:noFill/>
+        </p:spPr>
+        <p:txBody>
+          <a:bodyPr wrap="square" rtlCol="0">
+            <a:spAutoFit/>
+          </a:bodyPr>
+          <a:lstStyle/>
+          <a:p>
+            <a:r>
+              <a:rPr lang="hu-HU" dirty="0" smtClean="0"/>
+              <a:t>Ezen kívül nagyon nem volt más problémánk</a:t>
+            </a:r>
+            <a:endParaRPr lang="hu-HU" dirty="0"/>
+          </a:p>
+        </p:txBody>
+      </p:sp>
+    </p:spTree>
+    <p:extLst>
+      <p:ext uri="{BB962C8B-B14F-4D97-AF65-F5344CB8AC3E}">
+        <p14:creationId xmlns:p14="http://schemas.microsoft.com/office/powerpoint/2010/main" val="3972115560"/>
+      </p:ext>
+    </p:extLst>
+  </p:cSld>
+  <p:clrMapOvr>
+    <a:masterClrMapping/>
+  </p:clrMapOvr>
+  <mc:AlternateContent xmlns:mc="http://schemas.openxmlformats.org/markup-compatibility/2006">
+    <mc:Choice xmlns:p15="http://schemas.microsoft.com/office/powerpoint/2012/main" Requires="p15">
+      <p:transition xmlns:p14="http://schemas.microsoft.com/office/powerpoint/2010/main" spd="slow" p14:dur="2000">
+        <p15:prstTrans prst="prestige"/>
+      </p:transition>
+    </mc:Choice>
+    <mc:Fallback>
+      <p:transition spd="slow">
+        <p:fade/>
+      </p:transition>
+    </mc:Fallback>
+  </mc:AlternateContent>
+  <p:timing>
+    <p:tnLst>
+      <p:par>
+        <p:cTn id="1" dur="indefinite" restart="never" nodeType="tmRoot"/>
+      </p:par>
+    </p:tnLst>
+  </p:timing>
+</p:sld>
+</file>
+
+<file path=ppt/slides/slide5.xml><?xml version="1.0" encoding="utf-8"?>
+<p:sld xmlns:a="http://schemas.openxmlformats.org/drawingml/2006/main" xmlns:r="http://schemas.openxmlformats.org/officeDocument/2006/relationships" xmlns:p="http://schemas.openxmlformats.org/presentationml/2006/main">
+  <p:cSld>
+    <p:spTree>
+      <p:nvGrpSpPr>
+        <p:cNvPr id="1" name=""/>
+        <p:cNvGrpSpPr/>
+        <p:nvPr/>
+      </p:nvGrpSpPr>
+      <p:grpSpPr>
+        <a:xfrm>
+          <a:off x="0" y="0"/>
+          <a:ext cx="0" cy="0"/>
+          <a:chOff x="0" y="0"/>
+          <a:chExt cx="0" cy="0"/>
+        </a:xfrm>
+      </p:grpSpPr>
+      <p:sp>
+        <p:nvSpPr>
+          <p:cNvPr id="2" name="Cím 1"/>
+          <p:cNvSpPr>
+            <a:spLocks noGrp="1"/>
+          </p:cNvSpPr>
+          <p:nvPr>
+            <p:ph type="title"/>
+          </p:nvPr>
+        </p:nvSpPr>
+        <p:spPr>
+          <a:xfrm>
+            <a:off x="1602971" y="2692689"/>
+            <a:ext cx="8206047" cy="1325563"/>
+          </a:xfrm>
+        </p:spPr>
+        <p:txBody>
+          <a:bodyPr/>
+          <a:lstStyle/>
+          <a:p>
+            <a:pPr algn="ctr"/>
+            <a:r>
+              <a:rPr lang="hu-HU" dirty="0" smtClean="0"/>
+              <a:t>A FOLYAMAT</a:t>
+            </a:r>
+            <a:endParaRPr lang="hu-HU" dirty="0"/>
+          </a:p>
+        </p:txBody>
+      </p:sp>
+    </p:spTree>
+    <p:extLst>
+      <p:ext uri="{BB962C8B-B14F-4D97-AF65-F5344CB8AC3E}">
+        <p14:creationId xmlns:p14="http://schemas.microsoft.com/office/powerpoint/2010/main" val="1865136197"/>
+      </p:ext>
+    </p:extLst>
+  </p:cSld>
+  <p:clrMapOvr>
+    <a:masterClrMapping/>
+  </p:clrMapOvr>
+  <p:transition spd="slow">
+    <p:cover/>
+  </p:transition>
+  <p:timing>
+    <p:tnLst>
+      <p:par>
+        <p:cTn id="1" dur="indefinite" restart="never" nodeType="tmRoot"/>
+      </p:par>
+    </p:tnLst>
+  </p:timing>
+</p:sld>
+</file>
+
+<file path=ppt/slides/slide6.xml><?xml version="1.0" encoding="utf-8"?>
+<p:sld xmlns:a="http://schemas.openxmlformats.org/drawingml/2006/main" xmlns:r="http://schemas.openxmlformats.org/officeDocument/2006/relationships" xmlns:p="http://schemas.openxmlformats.org/presentationml/2006/main">
+  <p:cSld>
+    <p:spTree>
+      <p:nvGrpSpPr>
+        <p:cNvPr id="1" name=""/>
+        <p:cNvGrpSpPr/>
+        <p:nvPr/>
+      </p:nvGrpSpPr>
+      <p:grpSpPr>
+        <a:xfrm>
+          <a:off x="0" y="0"/>
+          <a:ext cx="0" cy="0"/>
+          <a:chOff x="0" y="0"/>
+          <a:chExt cx="0" cy="0"/>
+        </a:xfrm>
+      </p:grpSpPr>
+      <p:sp>
+        <p:nvSpPr>
+          <p:cNvPr id="3" name="Szövegdoboz 2"/>
+          <p:cNvSpPr txBox="1"/>
+          <p:nvPr/>
+        </p:nvSpPr>
+        <p:spPr>
+          <a:xfrm>
+            <a:off x="781396" y="1180407"/>
+            <a:ext cx="9842269" cy="369332"/>
+          </a:xfrm>
+          <a:prstGeom prst="rect">
+            <a:avLst/>
+          </a:prstGeom>
+          <a:noFill/>
+        </p:spPr>
+        <p:txBody>
+          <a:bodyPr wrap="square" rtlCol="0">
+            <a:spAutoFit/>
+          </a:bodyPr>
+          <a:lstStyle/>
+          <a:p>
+            <a:r>
+              <a:rPr lang="hu-HU" dirty="0" smtClean="0"/>
+              <a:t>A </a:t>
+            </a:r>
+            <a:r>
+              <a:rPr lang="hu-HU" dirty="0" err="1" smtClean="0"/>
+              <a:t>html</a:t>
+            </a:r>
+            <a:r>
+              <a:rPr lang="hu-HU" dirty="0" smtClean="0"/>
+              <a:t>-el nem volt bajunk szerencsére könnyen megírtuk (A legtöbb másolás volt a gombokhoz).</a:t>
+            </a:r>
+            <a:endParaRPr lang="hu-HU" dirty="0"/>
+          </a:p>
+        </p:txBody>
+      </p:sp>
+      <p:sp>
+        <p:nvSpPr>
+          <p:cNvPr id="4" name="Szövegdoboz 3"/>
+          <p:cNvSpPr txBox="1"/>
+          <p:nvPr/>
+        </p:nvSpPr>
+        <p:spPr>
+          <a:xfrm>
+            <a:off x="781396" y="1936865"/>
+            <a:ext cx="9459883" cy="369332"/>
+          </a:xfrm>
+          <a:prstGeom prst="rect">
+            <a:avLst/>
+          </a:prstGeom>
+          <a:noFill/>
+        </p:spPr>
+        <p:txBody>
+          <a:bodyPr wrap="square" rtlCol="0">
+            <a:spAutoFit/>
+          </a:bodyPr>
+          <a:lstStyle/>
+          <a:p>
+            <a:r>
+              <a:rPr lang="hu-HU" dirty="0"/>
+              <a:t>H</a:t>
+            </a:r>
+            <a:r>
+              <a:rPr lang="hu-HU" dirty="0" smtClean="0"/>
+              <a:t>át a </a:t>
+            </a:r>
+            <a:r>
+              <a:rPr lang="hu-HU" dirty="0" err="1" smtClean="0"/>
+              <a:t>css</a:t>
+            </a:r>
+            <a:r>
+              <a:rPr lang="hu-HU" dirty="0" smtClean="0"/>
+              <a:t>, az sem volt nehéz csak pár ,,ID” volt és EZ GAME.</a:t>
+            </a:r>
+            <a:endParaRPr lang="hu-HU" dirty="0"/>
+          </a:p>
+        </p:txBody>
+      </p:sp>
+      <p:sp>
+        <p:nvSpPr>
+          <p:cNvPr id="5" name="Szövegdoboz 4"/>
+          <p:cNvSpPr txBox="1"/>
+          <p:nvPr/>
+        </p:nvSpPr>
+        <p:spPr>
+          <a:xfrm>
+            <a:off x="781396" y="2610196"/>
+            <a:ext cx="9085811" cy="369332"/>
+          </a:xfrm>
+          <a:prstGeom prst="rect">
+            <a:avLst/>
+          </a:prstGeom>
+          <a:noFill/>
+        </p:spPr>
+        <p:txBody>
+          <a:bodyPr wrap="square" rtlCol="0">
+            <a:spAutoFit/>
+          </a:bodyPr>
+          <a:lstStyle/>
+          <a:p>
+            <a:r>
+              <a:rPr lang="hu-HU" dirty="0" err="1" smtClean="0"/>
+              <a:t>Húúú</a:t>
+            </a:r>
+            <a:r>
+              <a:rPr lang="hu-HU" dirty="0" smtClean="0"/>
+              <a:t>, a </a:t>
+            </a:r>
+            <a:r>
+              <a:rPr lang="hu-HU" dirty="0" err="1" smtClean="0"/>
+              <a:t>javascript</a:t>
+            </a:r>
+            <a:r>
+              <a:rPr lang="hu-HU" dirty="0" smtClean="0"/>
+              <a:t> káosz volt sokat kellett segítséget kérnünk, de a végén megoldottuk valahogy.</a:t>
+            </a:r>
+          </a:p>
+        </p:txBody>
+      </p:sp>
+      <p:sp>
+        <p:nvSpPr>
+          <p:cNvPr id="6" name="Szövegdoboz 5"/>
+          <p:cNvSpPr txBox="1"/>
+          <p:nvPr/>
+        </p:nvSpPr>
+        <p:spPr>
+          <a:xfrm>
+            <a:off x="773083" y="3441469"/>
+            <a:ext cx="11064240" cy="369332"/>
+          </a:xfrm>
+          <a:prstGeom prst="rect">
+            <a:avLst/>
+          </a:prstGeom>
+          <a:noFill/>
+        </p:spPr>
+        <p:txBody>
+          <a:bodyPr wrap="square" rtlCol="0">
+            <a:spAutoFit/>
+          </a:bodyPr>
+          <a:lstStyle/>
+          <a:p>
+            <a:r>
+              <a:rPr lang="hu-HU" dirty="0" smtClean="0"/>
+              <a:t>A hangokkal sokat szenvedtünk, mert mindegyik hangot külön </a:t>
+            </a:r>
+            <a:r>
+              <a:rPr lang="hu-HU" dirty="0" err="1" smtClean="0"/>
+              <a:t>külön</a:t>
+            </a:r>
+            <a:r>
+              <a:rPr lang="hu-HU" dirty="0" smtClean="0"/>
+              <a:t> kellett megcsinálni.</a:t>
+            </a:r>
+            <a:endParaRPr lang="hu-HU" dirty="0"/>
+          </a:p>
+        </p:txBody>
+      </p:sp>
+    </p:spTree>
+    <p:extLst>
+      <p:ext uri="{BB962C8B-B14F-4D97-AF65-F5344CB8AC3E}">
+        <p14:creationId xmlns:p14="http://schemas.microsoft.com/office/powerpoint/2010/main" val="500892298"/>
+      </p:ext>
+    </p:extLst>
+  </p:cSld>
+  <p:clrMapOvr>
+    <a:masterClrMapping/>
+  </p:clrMapOvr>
+  <mc:AlternateContent xmlns:mc="http://schemas.openxmlformats.org/markup-compatibility/2006">
+    <mc:Choice xmlns:p15="http://schemas.microsoft.com/office/powerpoint/2012/main" Requires="p15">
+      <p:transition xmlns:p14="http://schemas.microsoft.com/office/powerpoint/2010/main" spd="slow" p14:dur="2000">
+        <p15:prstTrans prst="fallOver"/>
+      </p:transition>
+    </mc:Choice>
+    <mc:Fallback>
+      <p:transition spd="slow">
+        <p:fade/>
+      </p:transition>
+    </mc:Fallback>
+  </mc:AlternateContent>
+  <p:timing>
+    <p:tnLst>
+      <p:par>
+        <p:cTn id="1" dur="indefinite" restart="never" nodeType="tmRoot"/>
+      </p:par>
+    </p:tnLst>
+  </p:timing>
+</p:sld>
+</file>
+
+<file path=ppt/slides/slide7.xml><?xml version="1.0" encoding="utf-8"?>
+<p:sld xmlns:a="http://schemas.openxmlformats.org/drawingml/2006/main" xmlns:r="http://schemas.openxmlformats.org/officeDocument/2006/relationships" xmlns:p="http://schemas.openxmlformats.org/presentationml/2006/main">
+  <p:cSld>
+    <p:spTree>
+      <p:nvGrpSpPr>
+        <p:cNvPr id="1" name=""/>
+        <p:cNvGrpSpPr/>
+        <p:nvPr/>
+      </p:nvGrpSpPr>
+      <p:grpSpPr>
+        <a:xfrm>
+          <a:off x="0" y="0"/>
+          <a:ext cx="0" cy="0"/>
+          <a:chOff x="0" y="0"/>
+          <a:chExt cx="0" cy="0"/>
+        </a:xfrm>
+      </p:grpSpPr>
+      <p:pic>
+        <p:nvPicPr>
+          <p:cNvPr id="2052" name="Picture 4" descr="Create meme &amp;quot;cursed emoji meme with hand, cursed hand emoji meme, meme  smiley with a hand&amp;quot; - Pictures - Meme-arsenal.com"/>
+          <p:cNvPicPr>
+            <a:picLocks noChangeAspect="1" noChangeArrowheads="1"/>
+          </p:cNvPicPr>
+          <p:nvPr/>
+        </p:nvPicPr>
+        <p:blipFill>
+          <a:blip r:embed="rId2">
+            <a:extLst>
+              <a:ext uri="{28A0092B-C50C-407E-A947-70E740481C1C}">
+                <a14:useLocalDpi xmlns:a14="http://schemas.microsoft.com/office/drawing/2010/main" val="0"/>
+              </a:ext>
+            </a:extLst>
+          </a:blip>
+          <a:srcRect/>
+          <a:stretch>
+            <a:fillRect/>
+          </a:stretch>
+        </p:blipFill>
+        <p:spPr bwMode="auto">
+          <a:xfrm>
+            <a:off x="0" y="0"/>
+            <a:ext cx="12192000" cy="6858000"/>
+          </a:xfrm>
+          <a:prstGeom prst="rect">
+            <a:avLst/>
+          </a:prstGeom>
+          <a:noFill/>
+          <a:extLst>
+            <a:ext uri="{909E8E84-426E-40DD-AFC4-6F175D3DCCD1}">
+              <a14:hiddenFill xmlns:a14="http://schemas.microsoft.com/office/drawing/2010/main">
+                <a:solidFill>
+                  <a:srgbClr val="FFFFFF"/>
+                </a:solidFill>
+              </a14:hiddenFill>
+            </a:ext>
+          </a:extLst>
+        </p:spPr>
+      </p:pic>
+      <p:sp>
+        <p:nvSpPr>
+          <p:cNvPr id="2" name="Cím 1"/>
+          <p:cNvSpPr>
+            <a:spLocks noGrp="1"/>
+          </p:cNvSpPr>
+          <p:nvPr>
+            <p:ph type="title"/>
+          </p:nvPr>
+        </p:nvSpPr>
+        <p:spPr>
+          <a:xfrm>
+            <a:off x="5135880" y="1171461"/>
+            <a:ext cx="2135447" cy="1325563"/>
+          </a:xfrm>
+        </p:spPr>
+        <p:txBody>
+          <a:bodyPr/>
+          <a:lstStyle/>
+          <a:p>
+            <a:r>
+              <a:rPr lang="hu-HU" dirty="0" smtClean="0">
+                <a:solidFill>
+                  <a:schemeClr val="bg1">
+                    <a:lumMod val="95000"/>
+                  </a:schemeClr>
+                </a:solidFill>
+              </a:rPr>
+              <a:t>VÉGE :D</a:t>
+            </a:r>
+            <a:endParaRPr lang="hu-HU" dirty="0">
+              <a:solidFill>
+                <a:schemeClr val="bg1">
+                  <a:lumMod val="95000"/>
+                </a:schemeClr>
+              </a:solidFill>
+            </a:endParaRPr>
+          </a:p>
+        </p:txBody>
+      </p:sp>
+    </p:spTree>
+    <p:extLst>
+      <p:ext uri="{BB962C8B-B14F-4D97-AF65-F5344CB8AC3E}">
+        <p14:creationId xmlns:p14="http://schemas.microsoft.com/office/powerpoint/2010/main" val="3964453611"/>
+      </p:ext>
+    </p:extLst>
+  </p:cSld>
+  <p:clrMapOvr>
+    <a:masterClrMapping/>
+  </p:clrMapOvr>
+  <mc:AlternateContent xmlns:mc="http://schemas.openxmlformats.org/markup-compatibility/2006">
+    <mc:Choice xmlns:p14="http://schemas.microsoft.com/office/powerpoint/2010/main" Requires="p14">
+      <p:transition spd="slow" p14:dur="1500">
+        <p:split orient="vert"/>
+      </p:transition>
+    </mc:Choice>
+    <mc:Fallback>
+      <p:transition spd="slow">
+        <p:split orient="vert"/>
+      </p:transition>
+    </mc:Fallback>
+  </mc:AlternateContent>
+  <p:timing>
+    <p:tnLst>
+      <p:par>
+        <p:cTn id="1" dur="indefinite" restart="never" nodeType="tmRoot">
+          <p:childTnLst>
+            <p:seq concurrent="1" nextAc="seek">
+              <p:cTn id="2" dur="indefinite" nodeType="mainSeq">
+                <p:childTnLst>
+                  <p:par>
+                    <p:cTn id="3" fill="hold">
+                      <p:stCondLst>
+                        <p:cond delay="indefinite"/>
+                      </p:stCondLst>
+                      <p:childTnLst>
+                        <p:par>
+                          <p:cTn id="4" fill="hold">
+                            <p:stCondLst>
+                              <p:cond delay="0"/>
+                            </p:stCondLst>
+                            <p:childTnLst>
+                              <p:par>
+                                <p:cTn id="5" presetID="53" presetClass="entr" presetSubtype="16" fill="hold" nodeType="clickEffect">
+                                  <p:stCondLst>
+                                    <p:cond delay="0"/>
+                                  </p:stCondLst>
+                                  <p:childTnLst>
+                                    <p:set>
+                                      <p:cBhvr>
+                                        <p:cTn id="6" dur="1" fill="hold">
+                                          <p:stCondLst>
+                                            <p:cond delay="0"/>
+                                          </p:stCondLst>
+                                        </p:cTn>
+                                        <p:tgtEl>
+                                          <p:spTgt spid="2052"/>
+                                        </p:tgtEl>
+                                        <p:attrNameLst>
+                                          <p:attrName>style.visibility</p:attrName>
+                                        </p:attrNameLst>
+                                      </p:cBhvr>
+                                      <p:to>
+                                        <p:strVal val="visible"/>
+                                      </p:to>
+                                    </p:set>
+                                    <p:anim calcmode="lin" valueType="num">
+                                      <p:cBhvr>
+                                        <p:cTn id="7" dur="2000" fill="hold"/>
+                                        <p:tgtEl>
+                                          <p:spTgt spid="2052"/>
+                                        </p:tgtEl>
+                                        <p:attrNameLst>
+                                          <p:attrName>ppt_w</p:attrName>
+                                        </p:attrNameLst>
+                                      </p:cBhvr>
+                                      <p:tavLst>
+                                        <p:tav tm="0">
+                                          <p:val>
+                                            <p:fltVal val="0"/>
+                                          </p:val>
+                                        </p:tav>
+                                        <p:tav tm="100000">
+                                          <p:val>
+                                            <p:strVal val="#ppt_w"/>
+                                          </p:val>
+                                        </p:tav>
+                                      </p:tavLst>
+                                    </p:anim>
+                                    <p:anim calcmode="lin" valueType="num">
+                                      <p:cBhvr>
+                                        <p:cTn id="8" dur="2000" fill="hold"/>
+                                        <p:tgtEl>
+                                          <p:spTgt spid="2052"/>
+                                        </p:tgtEl>
+                                        <p:attrNameLst>
+                                          <p:attrName>ppt_h</p:attrName>
+                                        </p:attrNameLst>
+                                      </p:cBhvr>
+                                      <p:tavLst>
+                                        <p:tav tm="0">
+                                          <p:val>
+                                            <p:fltVal val="0"/>
+                                          </p:val>
+                                        </p:tav>
+                                        <p:tav tm="100000">
+                                          <p:val>
+                                            <p:strVal val="#ppt_h"/>
+                                          </p:val>
+                                        </p:tav>
+                                      </p:tavLst>
+                                    </p:anim>
+                                    <p:animEffect transition="in" filter="fade">
+                                      <p:cBhvr>
+                                        <p:cTn id="9" dur="2000"/>
+                                        <p:tgtEl>
+                                          <p:spTgt spid="2052"/>
+                                        </p:tgtEl>
+                                      </p:cBhvr>
+                                    </p:animEffect>
+                                  </p:childTnLst>
+                                </p:cTn>
+                              </p:par>
+                              <p:par>
+                                <p:cTn id="10" presetID="45" presetClass="entr" presetSubtype="0" fill="hold" grpId="0" nodeType="withEffect">
+                                  <p:stCondLst>
+                                    <p:cond delay="0"/>
+                                  </p:stCondLst>
+                                  <p:childTnLst>
+                                    <p:set>
+                                      <p:cBhvr>
+                                        <p:cTn id="11" dur="1" fill="hold">
+                                          <p:stCondLst>
+                                            <p:cond delay="0"/>
+                                          </p:stCondLst>
+                                        </p:cTn>
+                                        <p:tgtEl>
+                                          <p:spTgt spid="2"/>
+                                        </p:tgtEl>
+                                        <p:attrNameLst>
+                                          <p:attrName>style.visibility</p:attrName>
+                                        </p:attrNameLst>
+                                      </p:cBhvr>
+                                      <p:to>
+                                        <p:strVal val="visible"/>
+                                      </p:to>
+                                    </p:set>
+                                    <p:animEffect transition="in" filter="fade">
+                                      <p:cBhvr>
+                                        <p:cTn id="12" dur="2000"/>
+                                        <p:tgtEl>
+                                          <p:spTgt spid="2"/>
+                                        </p:tgtEl>
+                                      </p:cBhvr>
+                                    </p:animEffect>
+                                    <p:anim calcmode="lin" valueType="num">
+                                      <p:cBhvr>
+                                        <p:cTn id="13" dur="2000" fill="hold"/>
+                                        <p:tgtEl>
+                                          <p:spTgt spid="2"/>
+                                        </p:tgtEl>
+                                        <p:attrNameLst>
+                                          <p:attrName>ppt_w</p:attrName>
+                                        </p:attrNameLst>
+                                      </p:cBhvr>
+                                      <p:tavLst>
+                                        <p:tav tm="0" fmla="#ppt_w*sin(2.5*pi*$)">
+                                          <p:val>
+                                            <p:fltVal val="0"/>
+                                          </p:val>
+                                        </p:tav>
+                                        <p:tav tm="100000">
+                                          <p:val>
+                                            <p:fltVal val="1"/>
+                                          </p:val>
+                                        </p:tav>
+                                      </p:tavLst>
+                                    </p:anim>
+                                    <p:anim calcmode="lin" valueType="num">
+                                      <p:cBhvr>
+                                        <p:cTn id="14" dur="2000" fill="hold"/>
+                                        <p:tgtEl>
+                                          <p:spTgt spid="2"/>
+                                        </p:tgtEl>
+                                        <p:attrNameLst>
+                                          <p:attrName>ppt_h</p:attrName>
+                                        </p:attrNameLst>
+                                      </p:cBhvr>
+                                      <p:tavLst>
+                                        <p:tav tm="0">
+                                          <p:val>
+                                            <p:strVal val="#ppt_h"/>
+                                          </p:val>
+                                        </p:tav>
+                                        <p:tav tm="100000">
+                                          <p:val>
+                                            <p:strVal val="#ppt_h"/>
+                                          </p:val>
+                                        </p:tav>
+                                      </p:tavLst>
+                                    </p:anim>
+                                  </p:childTnLst>
+                                </p:cTn>
+                              </p:par>
+                            </p:childTnLst>
+                          </p:cTn>
+                        </p:par>
+                      </p:childTnLst>
+                    </p:cTn>
+                  </p:par>
+                </p:childTnLst>
+              </p:cTn>
+              <p:prevCondLst>
+                <p:cond evt="onPrev" delay="0">
+                  <p:tgtEl>
+                    <p:sldTgt/>
+                  </p:tgtEl>
+                </p:cond>
+              </p:prevCondLst>
+              <p:nextCondLst>
+                <p:cond evt="onNext" delay="0">
+                  <p:tgtEl>
+                    <p:sldTgt/>
+                  </p:tgtEl>
+                </p:cond>
+              </p:nextCondLst>
+            </p:seq>
+          </p:childTnLst>
+        </p:cTn>
+      </p:par>
+    </p:tnLst>
+    <p:bldLst>
+      <p:bldP spid="2" grpId="0"/>
+    </p:bldLst>
+  </p:timing>
 </p:sld>
 </file>
 
 <file path=ppt/theme/theme1.xml><?xml version="1.0" encoding="utf-8"?>
-<a:theme xmlns:a="http://schemas.openxmlformats.org/drawingml/2006/main" name="Office-téma">
+<a:theme xmlns:a="http://schemas.openxmlformats.org/drawingml/2006/main" name="Fazetta">
   <a:themeElements>
-    <a:clrScheme name="Office">
+    <a:clrScheme name="2. egyéni séma">
       <a:dk1>
         <a:sysClr val="windowText" lastClr="000000"/>
       </a:dk1>
@@ -3251,52 +6992,52 @@
         <a:sysClr val="window" lastClr="FFFFFF"/>
       </a:lt1>
       <a:dk2>
-        <a:srgbClr val="44546A"/>
+        <a:srgbClr val="000000"/>
       </a:dk2>
       <a:lt2>
-        <a:srgbClr val="E7E6E6"/>
+        <a:srgbClr val="F8F8F8"/>
       </a:lt2>
       <a:accent1>
-        <a:srgbClr val="5B9BD5"/>
+        <a:srgbClr val="000000"/>
       </a:accent1>
       <a:accent2>
-        <a:srgbClr val="ED7D31"/>
+        <a:srgbClr val="B2B2B2"/>
       </a:accent2>
       <a:accent3>
-        <a:srgbClr val="A5A5A5"/>
+        <a:srgbClr val="7F7F7F"/>
       </a:accent3>
       <a:accent4>
-        <a:srgbClr val="FFC000"/>
+        <a:srgbClr val="808080"/>
       </a:accent4>
       <a:accent5>
-        <a:srgbClr val="4472C4"/>
+        <a:srgbClr val="5F5F5F"/>
       </a:accent5>
       <a:accent6>
-        <a:srgbClr val="70AD47"/>
+        <a:srgbClr val="4D4D4D"/>
       </a:accent6>
       <a:hlink>
-        <a:srgbClr val="0563C1"/>
+        <a:srgbClr val="5F5F5F"/>
       </a:hlink>
       <a:folHlink>
-        <a:srgbClr val="954F72"/>
+        <a:srgbClr val="919191"/>
       </a:folHlink>
     </a:clrScheme>
-    <a:fontScheme name="Office">
+    <a:fontScheme name="Fazetta">
       <a:majorFont>
-        <a:latin typeface="Calibri Light" panose="020F0302020204030204"/>
+        <a:latin typeface="Trebuchet MS" panose="020B0603020202020204"/>
         <a:ea typeface=""/>
         <a:cs typeface=""/>
-        <a:font script="Jpan" typeface="游ゴシック Light"/>
+        <a:font script="Jpan" typeface="メイリオ"/>
         <a:font script="Hang" typeface="맑은 고딕"/>
-        <a:font script="Hans" typeface="等线 Light"/>
-        <a:font script="Hant" typeface="新細明體"/>
-        <a:font script="Arab" typeface="Times New Roman"/>
-        <a:font script="Hebr" typeface="Times New Roman"/>
-        <a:font script="Thai" typeface="Angsana New"/>
+        <a:font script="Hans" typeface="方正姚体"/>
+        <a:font script="Hant" typeface="微軟正黑體"/>
+        <a:font script="Arab" typeface="Tahoma"/>
+        <a:font script="Hebr" typeface="Arial"/>
+        <a:font script="Thai" typeface="Cordia New"/>
         <a:font script="Ethi" typeface="Nyala"/>
         <a:font script="Beng" typeface="Vrinda"/>
         <a:font script="Gujr" typeface="Shruti"/>
-        <a:font script="Khmr" typeface="MoolBoran"/>
+        <a:font script="Khmr" typeface="DaunPenh"/>
         <a:font script="Knda" typeface="Tunga"/>
         <a:font script="Guru" typeface="Raavi"/>
         <a:font script="Cans" typeface="Euphemia"/>
@@ -3313,21 +7054,21 @@
         <a:font script="Laoo" typeface="DokChampa"/>
         <a:font script="Sinh" typeface="Iskoola Pota"/>
         <a:font script="Mong" typeface="Mongolian Baiti"/>
-        <a:font script="Viet" typeface="Times New Roman"/>
+        <a:font script="Viet" typeface="Tahoma"/>
         <a:font script="Uigh" typeface="Microsoft Uighur"/>
         <a:font script="Geor" typeface="Sylfaen"/>
       </a:majorFont>
       <a:minorFont>
-        <a:latin typeface="Calibri" panose="020F0502020204030204"/>
+        <a:latin typeface="Trebuchet MS" panose="020B0603020202020204"/>
         <a:ea typeface=""/>
         <a:cs typeface=""/>
-        <a:font script="Jpan" typeface="游ゴシック"/>
-        <a:font script="Hang" typeface="맑은 고딕"/>
-        <a:font script="Hans" typeface="等线"/>
-        <a:font script="Hant" typeface="新細明體"/>
-        <a:font script="Arab" typeface="Arial"/>
-        <a:font script="Hebr" typeface="Arial"/>
-        <a:font script="Thai" typeface="Cordia New"/>
+        <a:font script="Jpan" typeface="メイリオ"/>
+        <a:font script="Hang" typeface="HY그래픽M"/>
+        <a:font script="Hans" typeface="华文新魏"/>
+        <a:font script="Hant" typeface="微軟正黑體"/>
+        <a:font script="Arab" typeface="Tahoma"/>
+        <a:font script="Hebr" typeface="Gisha"/>
+        <a:font script="Thai" typeface="IrisUPC"/>
         <a:font script="Ethi" typeface="Nyala"/>
         <a:font script="Beng" typeface="Vrinda"/>
         <a:font script="Gujr" typeface="Shruti"/>
@@ -3353,7 +7094,7 @@
         <a:font script="Geor" typeface="Sylfaen"/>
       </a:minorFont>
     </a:fontScheme>
-    <a:fmtScheme name="Office">
+    <a:fmtScheme name="Fazetta">
       <a:fillStyleLst>
         <a:solidFill>
           <a:schemeClr val="phClr"/>
@@ -3362,23 +7103,13 @@
           <a:gsLst>
             <a:gs pos="0">
               <a:schemeClr val="phClr">
+                <a:tint val="65000"/>
                 <a:lumMod val="110000"/>
-                <a:satMod val="105000"/>
-                <a:tint val="67000"/>
               </a:schemeClr>
             </a:gs>
-            <a:gs pos="50000">
+            <a:gs pos="88000">
               <a:schemeClr val="phClr">
-                <a:lumMod val="105000"/>
-                <a:satMod val="103000"/>
-                <a:tint val="73000"/>
-              </a:schemeClr>
-            </a:gs>
-            <a:gs pos="100000">
-              <a:schemeClr val="phClr">
-                <a:lumMod val="105000"/>
-                <a:satMod val="109000"/>
-                <a:tint val="81000"/>
+                <a:tint val="90000"/>
               </a:schemeClr>
             </a:gs>
           </a:gsLst>
@@ -3388,23 +7119,14 @@
           <a:gsLst>
             <a:gs pos="0">
               <a:schemeClr val="phClr">
-                <a:satMod val="103000"/>
-                <a:lumMod val="102000"/>
-                <a:tint val="94000"/>
+                <a:tint val="96000"/>
+                <a:lumMod val="100000"/>
               </a:schemeClr>
             </a:gs>
-            <a:gs pos="50000">
+            <a:gs pos="78000">
               <a:schemeClr val="phClr">
-                <a:satMod val="110000"/>
-                <a:lumMod val="100000"/>
-                <a:shade val="100000"/>
-              </a:schemeClr>
-            </a:gs>
-            <a:gs pos="100000">
-              <a:schemeClr val="phClr">
-                <a:lumMod val="99000"/>
-                <a:satMod val="120000"/>
-                <a:shade val="78000"/>
+                <a:shade val="94000"/>
+                <a:lumMod val="94000"/>
               </a:schemeClr>
             </a:gs>
           </a:gsLst>
@@ -3412,26 +7134,23 @@
         </a:gradFill>
       </a:fillStyleLst>
       <a:lnStyleLst>
-        <a:ln w="6350" cap="flat" cmpd="sng" algn="ctr">
+        <a:ln w="12700" cap="rnd" cmpd="sng" algn="ctr">
           <a:solidFill>
             <a:schemeClr val="phClr"/>
           </a:solidFill>
           <a:prstDash val="solid"/>
-          <a:miter lim="800000"/>
         </a:ln>
-        <a:ln w="12700" cap="flat" cmpd="sng" algn="ctr">
+        <a:ln w="19050" cap="rnd" cmpd="sng" algn="ctr">
           <a:solidFill>
             <a:schemeClr val="phClr"/>
           </a:solidFill>
           <a:prstDash val="solid"/>
-          <a:miter lim="800000"/>
         </a:ln>
-        <a:ln w="19050" cap="flat" cmpd="sng" algn="ctr">
+        <a:ln w="25400" cap="rnd" cmpd="sng" algn="ctr">
           <a:solidFill>
             <a:schemeClr val="phClr"/>
           </a:solidFill>
           <a:prstDash val="solid"/>
-          <a:miter lim="800000"/>
         </a:ln>
       </a:lnStyleLst>
       <a:effectStyleLst>
@@ -3439,54 +7158,72 @@
           <a:effectLst/>
         </a:effectStyle>
         <a:effectStyle>
-          <a:effectLst/>
+          <a:effectLst>
+            <a:outerShdw blurRad="38100" dist="25400" dir="5400000" rotWithShape="0">
+              <a:srgbClr val="000000">
+                <a:alpha val="35000"/>
+              </a:srgbClr>
+            </a:outerShdw>
+          </a:effectLst>
         </a:effectStyle>
         <a:effectStyle>
           <a:effectLst>
-            <a:outerShdw blurRad="57150" dist="19050" dir="5400000" algn="ctr" rotWithShape="0">
+            <a:outerShdw blurRad="50800" dist="38100" dir="5400000" rotWithShape="0">
               <a:srgbClr val="000000">
-                <a:alpha val="63000"/>
+                <a:alpha val="35000"/>
               </a:srgbClr>
             </a:outerShdw>
           </a:effectLst>
+          <a:scene3d>
+            <a:camera prst="orthographicFront">
+              <a:rot lat="0" lon="0" rev="0"/>
+            </a:camera>
+            <a:lightRig rig="threePt" dir="tl"/>
+          </a:scene3d>
+          <a:sp3d prstMaterial="plastic">
+            <a:bevelT w="0" h="0"/>
+          </a:sp3d>
         </a:effectStyle>
       </a:effectStyleLst>
       <a:bgFillStyleLst>
         <a:solidFill>
           <a:schemeClr val="phClr"/>
         </a:solidFill>
-        <a:solidFill>
-          <a:schemeClr val="phClr">
-            <a:tint val="95000"/>
-            <a:satMod val="170000"/>
-          </a:schemeClr>
-        </a:solidFill>
         <a:gradFill rotWithShape="1">
           <a:gsLst>
             <a:gs pos="0">
               <a:schemeClr val="phClr">
-                <a:tint val="93000"/>
-                <a:satMod val="150000"/>
-                <a:shade val="98000"/>
-                <a:lumMod val="102000"/>
+                <a:tint val="90000"/>
+                <a:lumMod val="104000"/>
               </a:schemeClr>
             </a:gs>
-            <a:gs pos="50000">
+            <a:gs pos="94000">
               <a:schemeClr val="phClr">
-                <a:tint val="98000"/>
-                <a:satMod val="130000"/>
-                <a:shade val="90000"/>
-                <a:lumMod val="103000"/>
+                <a:shade val="96000"/>
+                <a:lumMod val="82000"/>
+              </a:schemeClr>
+            </a:gs>
+          </a:gsLst>
+          <a:lin ang="5400000" scaled="0"/>
+        </a:gradFill>
+        <a:gradFill rotWithShape="1">
+          <a:gsLst>
+            <a:gs pos="0">
+              <a:schemeClr val="phClr">
+                <a:tint val="90000"/>
+                <a:lumMod val="110000"/>
               </a:schemeClr>
             </a:gs>
             <a:gs pos="100000">
               <a:schemeClr val="phClr">
-                <a:shade val="63000"/>
-                <a:satMod val="120000"/>
+                <a:shade val="94000"/>
+                <a:lumMod val="96000"/>
               </a:schemeClr>
             </a:gs>
           </a:gsLst>
-          <a:lin ang="5400000" scaled="0"/>
+          <a:path path="circle">
+            <a:fillToRect l="50000" t="50000" r="100000" b="100000"/>
+          </a:path>
         </a:gradFill>
       </a:bgFillStyleLst>
     </a:fmtScheme>
@@ -3495,7 +7232,7 @@
   <a:extraClrSchemeLst/>
   <a:extLst>
     <a:ext uri="{05A4C25C-085E-4340-85A3-A5531E510DB2}">
-      <thm15:themeFamily xmlns:thm15="http://schemas.microsoft.com/office/thememl/2012/main" name="Office Theme" id="{62F939B6-93AF-4DB8-9C6B-D6C7DFDC589F}" vid="{4A3C46E8-61CC-4603-A589-7422A47A8E4A}"/>
+      <thm15:themeFamily xmlns:thm15="http://schemas.microsoft.com/office/thememl/2012/main" name="Facet" id="{C0C680CD-088A-49FC-A102-D699147F32B2}" vid="{CFBC31BA-B70F-4F30-BCAA-4F3011E16C4D}"/>
     </a:ext>
   </a:extLst>
 </a:theme>

--- a/A Zongora.pptx
+++ b/A Zongora.pptx
@@ -11,7 +11,9 @@
     <p:sldId id="261" r:id="rId5"/>
     <p:sldId id="260" r:id="rId6"/>
     <p:sldId id="262" r:id="rId7"/>
-    <p:sldId id="263" r:id="rId8"/>
+    <p:sldId id="265" r:id="rId8"/>
+    <p:sldId id="264" r:id="rId9"/>
+    <p:sldId id="263" r:id="rId10"/>
   </p:sldIdLst>
   <p:sldSz cx="12192000" cy="6858000"/>
   <p:notesSz cx="6858000" cy="9144000"/>
@@ -121,6 +123,8 @@
             <p14:sldId id="261"/>
             <p14:sldId id="260"/>
             <p14:sldId id="262"/>
+            <p14:sldId id="265"/>
+            <p14:sldId id="264"/>
             <p14:sldId id="263"/>
           </p14:sldIdLst>
         </p14:section>
@@ -6016,7 +6020,9 @@
         </p:nvSpPr>
         <p:spPr/>
         <p:txBody>
-          <a:bodyPr/>
+          <a:bodyPr>
+            <a:normAutofit/>
+          </a:bodyPr>
           <a:lstStyle/>
           <a:p>
             <a:r>
@@ -6069,9 +6075,10 @@
               <a:t>	-</a:t>
             </a:r>
             <a:r>
-              <a:rPr lang="hu-HU" dirty="0"/>
-              <a:t>JAVA</a:t>
-            </a:r>
+              <a:rPr lang="hu-HU" dirty="0" smtClean="0"/>
+              <a:t>JAVASCRIPT</a:t>
+            </a:r>
+            <a:endParaRPr lang="hu-HU" dirty="0"/>
           </a:p>
           <a:p>
             <a:pPr marL="457200" lvl="1" indent="0">
@@ -6085,17 +6092,39 @@
               <a:rPr lang="hu-HU" dirty="0" smtClean="0"/>
               <a:t>Hangok</a:t>
             </a:r>
-            <a:endParaRPr lang="hu-HU" dirty="0" smtClean="0"/>
-          </a:p>
-          <a:p>
+            <a:endParaRPr lang="hu-HU" dirty="0"/>
+          </a:p>
+          <a:p>
+            <a:r>
+              <a:rPr lang="hu-HU" dirty="0"/>
+              <a:t> 3. Vissza </a:t>
+            </a:r>
             <a:r>
               <a:rPr lang="hu-HU" dirty="0" smtClean="0"/>
-              <a:t>3</a:t>
-            </a:r>
+              <a:t>emlékezés</a:t>
+            </a:r>
+          </a:p>
+          <a:p>
+            <a:pPr marL="457200" lvl="1" indent="0">
+              <a:buNone/>
+            </a:pPr>
             <a:r>
               <a:rPr lang="hu-HU" dirty="0" smtClean="0"/>
-              <a:t>. A vége</a:t>
-            </a:r>
+              <a:t>	-Peti, Kristóf</a:t>
+            </a:r>
+            <a:endParaRPr lang="hu-HU" dirty="0"/>
+          </a:p>
+          <a:p>
+            <a:r>
+              <a:rPr lang="hu-HU" dirty="0"/>
+              <a:t>4. A vége</a:t>
+            </a:r>
+          </a:p>
+          <a:p>
+            <a:pPr marL="457200" lvl="1" indent="0">
+              <a:buNone/>
+            </a:pPr>
+            <a:endParaRPr lang="hu-HU" dirty="0"/>
           </a:p>
         </p:txBody>
       </p:sp>
@@ -6218,6 +6247,47 @@
           </a:p>
         </p:txBody>
       </p:sp>
+      <p:pic>
+        <p:nvPicPr>
+          <p:cNvPr id="5122" name="Picture 2" descr="Hátfájósok, figyelem!"/>
+          <p:cNvPicPr>
+            <a:picLocks noChangeAspect="1" noChangeArrowheads="1"/>
+          </p:cNvPicPr>
+          <p:nvPr/>
+        </p:nvPicPr>
+        <p:blipFill>
+          <a:blip r:embed="rId2">
+            <a:extLst>
+              <a:ext uri="{28A0092B-C50C-407E-A947-70E740481C1C}">
+                <a14:useLocalDpi xmlns:a14="http://schemas.microsoft.com/office/drawing/2010/main" val="0"/>
+              </a:ext>
+            </a:extLst>
+          </a:blip>
+          <a:srcRect/>
+          <a:stretch>
+            <a:fillRect/>
+          </a:stretch>
+        </p:blipFill>
+        <p:spPr bwMode="auto">
+          <a:xfrm>
+            <a:off x="3350376" y="3603977"/>
+            <a:ext cx="5106707" cy="2827640"/>
+          </a:xfrm>
+          <a:prstGeom prst="rect">
+            <a:avLst/>
+          </a:prstGeom>
+          <a:noFill/>
+          <a:extLst>
+            <a:ext uri="{909E8E84-426E-40DD-AFC4-6F175D3DCCD1}">
+              <a14:hiddenFill xmlns:a14="http://schemas.microsoft.com/office/drawing/2010/main">
+                <a:solidFill>
+                  <a:srgbClr val="FFFFFF"/>
+                </a:solidFill>
+              </a14:hiddenFill>
+            </a:ext>
+          </a:extLst>
+        </p:spPr>
+      </p:pic>
     </p:spTree>
     <p:extLst>
       <p:ext uri="{BB962C8B-B14F-4D97-AF65-F5344CB8AC3E}">
@@ -6414,6 +6484,47 @@
           </a:p>
         </p:txBody>
       </p:sp>
+      <p:pic>
+        <p:nvPicPr>
+          <p:cNvPr id="6150" name="Picture 6" descr="Stunning images of the world&amp;#39;s most beautiful rivers | loveexploring.com"/>
+          <p:cNvPicPr>
+            <a:picLocks noChangeAspect="1" noChangeArrowheads="1"/>
+          </p:cNvPicPr>
+          <p:nvPr/>
+        </p:nvPicPr>
+        <p:blipFill>
+          <a:blip r:embed="rId2">
+            <a:extLst>
+              <a:ext uri="{28A0092B-C50C-407E-A947-70E740481C1C}">
+                <a14:useLocalDpi xmlns:a14="http://schemas.microsoft.com/office/drawing/2010/main" val="0"/>
+              </a:ext>
+            </a:extLst>
+          </a:blip>
+          <a:srcRect/>
+          <a:stretch>
+            <a:fillRect/>
+          </a:stretch>
+        </p:blipFill>
+        <p:spPr bwMode="auto">
+          <a:xfrm>
+            <a:off x="3279775" y="3474885"/>
+            <a:ext cx="4987925" cy="3316440"/>
+          </a:xfrm>
+          <a:prstGeom prst="rect">
+            <a:avLst/>
+          </a:prstGeom>
+          <a:noFill/>
+          <a:extLst>
+            <a:ext uri="{909E8E84-426E-40DD-AFC4-6F175D3DCCD1}">
+              <a14:hiddenFill xmlns:a14="http://schemas.microsoft.com/office/drawing/2010/main">
+                <a:solidFill>
+                  <a:srgbClr val="FFFFFF"/>
+                </a:solidFill>
+              </a14:hiddenFill>
+            </a:ext>
+          </a:extLst>
+        </p:spPr>
+      </p:pic>
     </p:spTree>
     <p:extLst>
       <p:ext uri="{BB962C8B-B14F-4D97-AF65-F5344CB8AC3E}">
@@ -6646,6 +6757,302 @@
 </file>
 
 <file path=ppt/slides/slide7.xml><?xml version="1.0" encoding="utf-8"?>
+<p:sld xmlns:a="http://schemas.openxmlformats.org/drawingml/2006/main" xmlns:r="http://schemas.openxmlformats.org/officeDocument/2006/relationships" xmlns:p="http://schemas.openxmlformats.org/presentationml/2006/main">
+  <p:cSld>
+    <p:spTree>
+      <p:nvGrpSpPr>
+        <p:cNvPr id="1" name=""/>
+        <p:cNvGrpSpPr/>
+        <p:nvPr/>
+      </p:nvGrpSpPr>
+      <p:grpSpPr>
+        <a:xfrm>
+          <a:off x="0" y="0"/>
+          <a:ext cx="0" cy="0"/>
+          <a:chOff x="0" y="0"/>
+          <a:chExt cx="0" cy="0"/>
+        </a:xfrm>
+      </p:grpSpPr>
+      <p:sp>
+        <p:nvSpPr>
+          <p:cNvPr id="2" name="Cím 1"/>
+          <p:cNvSpPr>
+            <a:spLocks noGrp="1"/>
+          </p:cNvSpPr>
+          <p:nvPr>
+            <p:ph type="title"/>
+          </p:nvPr>
+        </p:nvSpPr>
+        <p:spPr>
+          <a:xfrm>
+            <a:off x="3925359" y="2581275"/>
+            <a:ext cx="4123266" cy="1320800"/>
+          </a:xfrm>
+        </p:spPr>
+        <p:txBody>
+          <a:bodyPr/>
+          <a:lstStyle/>
+          <a:p>
+            <a:r>
+              <a:rPr lang="hu-HU" dirty="0" smtClean="0"/>
+              <a:t>VISSZA EMLÉKEZÉS</a:t>
+            </a:r>
+            <a:endParaRPr lang="hu-HU" dirty="0"/>
+          </a:p>
+        </p:txBody>
+      </p:sp>
+      <p:pic>
+        <p:nvPicPr>
+          <p:cNvPr id="7170" name="Picture 2" descr="Vector graphics vissza nyíl ikonra #161432478 | stock images Fotky&amp;amp;Foto"/>
+          <p:cNvPicPr>
+            <a:picLocks noChangeAspect="1" noChangeArrowheads="1"/>
+          </p:cNvPicPr>
+          <p:nvPr/>
+        </p:nvPicPr>
+        <p:blipFill>
+          <a:blip r:embed="rId2">
+            <a:extLst>
+              <a:ext uri="{28A0092B-C50C-407E-A947-70E740481C1C}">
+                <a14:useLocalDpi xmlns:a14="http://schemas.microsoft.com/office/drawing/2010/main" val="0"/>
+              </a:ext>
+            </a:extLst>
+          </a:blip>
+          <a:srcRect/>
+          <a:stretch>
+            <a:fillRect/>
+          </a:stretch>
+        </p:blipFill>
+        <p:spPr bwMode="auto">
+          <a:xfrm>
+            <a:off x="4536017" y="3902075"/>
+            <a:ext cx="2901950" cy="2901950"/>
+          </a:xfrm>
+          <a:prstGeom prst="rect">
+            <a:avLst/>
+          </a:prstGeom>
+          <a:noFill/>
+          <a:extLst>
+            <a:ext uri="{909E8E84-426E-40DD-AFC4-6F175D3DCCD1}">
+              <a14:hiddenFill xmlns:a14="http://schemas.microsoft.com/office/drawing/2010/main">
+                <a:solidFill>
+                  <a:srgbClr val="FFFFFF"/>
+                </a:solidFill>
+              </a14:hiddenFill>
+            </a:ext>
+          </a:extLst>
+        </p:spPr>
+      </p:pic>
+    </p:spTree>
+    <p:extLst>
+      <p:ext uri="{BB962C8B-B14F-4D97-AF65-F5344CB8AC3E}">
+        <p14:creationId xmlns:p14="http://schemas.microsoft.com/office/powerpoint/2010/main" val="903104490"/>
+      </p:ext>
+    </p:extLst>
+  </p:cSld>
+  <p:clrMapOvr>
+    <a:masterClrMapping/>
+  </p:clrMapOvr>
+  <p:timing>
+    <p:tnLst>
+      <p:par>
+        <p:cTn id="1" dur="indefinite" restart="never" nodeType="tmRoot"/>
+      </p:par>
+    </p:tnLst>
+  </p:timing>
+</p:sld>
+</file>
+
+<file path=ppt/slides/slide8.xml><?xml version="1.0" encoding="utf-8"?>
+<p:sld xmlns:a="http://schemas.openxmlformats.org/drawingml/2006/main" xmlns:r="http://schemas.openxmlformats.org/officeDocument/2006/relationships" xmlns:p="http://schemas.openxmlformats.org/presentationml/2006/main">
+  <p:cSld>
+    <p:spTree>
+      <p:nvGrpSpPr>
+        <p:cNvPr id="1" name=""/>
+        <p:cNvGrpSpPr/>
+        <p:nvPr/>
+      </p:nvGrpSpPr>
+      <p:grpSpPr>
+        <a:xfrm>
+          <a:off x="0" y="0"/>
+          <a:ext cx="0" cy="0"/>
+          <a:chOff x="0" y="0"/>
+          <a:chExt cx="0" cy="0"/>
+        </a:xfrm>
+      </p:grpSpPr>
+      <p:sp>
+        <p:nvSpPr>
+          <p:cNvPr id="3" name="Tartalom helye 2"/>
+          <p:cNvSpPr>
+            <a:spLocks noGrp="1"/>
+          </p:cNvSpPr>
+          <p:nvPr>
+            <p:ph sz="half" idx="1"/>
+          </p:nvPr>
+        </p:nvSpPr>
+        <p:spPr>
+          <a:xfrm>
+            <a:off x="677334" y="609600"/>
+            <a:ext cx="4184035" cy="2162175"/>
+          </a:xfrm>
+        </p:spPr>
+        <p:txBody>
+          <a:bodyPr>
+            <a:normAutofit/>
+          </a:bodyPr>
+          <a:lstStyle/>
+          <a:p>
+            <a:pPr marL="0" indent="0" algn="ctr">
+              <a:buNone/>
+            </a:pPr>
+            <a:r>
+              <a:rPr lang="hu-HU" sz="4000" dirty="0" smtClean="0"/>
+              <a:t>Peti</a:t>
+            </a:r>
+          </a:p>
+          <a:p>
+            <a:pPr marL="0" indent="0">
+              <a:buNone/>
+            </a:pPr>
+            <a:r>
+              <a:rPr lang="hu-HU" sz="2800" dirty="0" smtClean="0"/>
+              <a:t>-A felületet</a:t>
+            </a:r>
+          </a:p>
+          <a:p>
+            <a:pPr marL="0" indent="0">
+              <a:buNone/>
+            </a:pPr>
+            <a:r>
+              <a:rPr lang="hu-HU" sz="2800" dirty="0" smtClean="0"/>
+              <a:t>-A CSS-t</a:t>
+            </a:r>
+          </a:p>
+          <a:p>
+            <a:pPr marL="0" indent="0">
+              <a:buNone/>
+            </a:pPr>
+            <a:endParaRPr lang="hu-HU" sz="3200" dirty="0" smtClean="0"/>
+          </a:p>
+          <a:p>
+            <a:pPr marL="0" indent="0">
+              <a:buNone/>
+            </a:pPr>
+            <a:endParaRPr lang="hu-HU" sz="4000" dirty="0" smtClean="0"/>
+          </a:p>
+        </p:txBody>
+      </p:sp>
+      <p:sp>
+        <p:nvSpPr>
+          <p:cNvPr id="4" name="Tartalom helye 3"/>
+          <p:cNvSpPr>
+            <a:spLocks noGrp="1"/>
+          </p:cNvSpPr>
+          <p:nvPr>
+            <p:ph sz="half" idx="2"/>
+          </p:nvPr>
+        </p:nvSpPr>
+        <p:spPr>
+          <a:xfrm>
+            <a:off x="5089970" y="609601"/>
+            <a:ext cx="4184034" cy="2505074"/>
+          </a:xfrm>
+        </p:spPr>
+        <p:txBody>
+          <a:bodyPr>
+            <a:normAutofit/>
+          </a:bodyPr>
+          <a:lstStyle/>
+          <a:p>
+            <a:pPr marL="0" indent="0" algn="ctr">
+              <a:buNone/>
+            </a:pPr>
+            <a:r>
+              <a:rPr lang="hu-HU" sz="4000" dirty="0" smtClean="0"/>
+              <a:t>Kristóf</a:t>
+            </a:r>
+          </a:p>
+          <a:p>
+            <a:pPr marL="0" indent="0">
+              <a:buNone/>
+            </a:pPr>
+            <a:r>
+              <a:rPr lang="hu-HU" sz="2800" dirty="0" smtClean="0"/>
+              <a:t>-A HTML-t</a:t>
+            </a:r>
+          </a:p>
+          <a:p>
+            <a:pPr marL="0" indent="0">
+              <a:buNone/>
+            </a:pPr>
+            <a:r>
+              <a:rPr lang="hu-HU" sz="2800" dirty="0" smtClean="0"/>
+              <a:t>-A hangokat</a:t>
+            </a:r>
+          </a:p>
+        </p:txBody>
+      </p:sp>
+      <p:sp>
+        <p:nvSpPr>
+          <p:cNvPr id="6" name="Szövegdoboz 5"/>
+          <p:cNvSpPr txBox="1"/>
+          <p:nvPr/>
+        </p:nvSpPr>
+        <p:spPr>
+          <a:xfrm>
+            <a:off x="3162300" y="3790950"/>
+            <a:ext cx="3533775" cy="1138773"/>
+          </a:xfrm>
+          <a:prstGeom prst="rect">
+            <a:avLst/>
+          </a:prstGeom>
+          <a:noFill/>
+        </p:spPr>
+        <p:txBody>
+          <a:bodyPr wrap="square" rtlCol="0">
+            <a:spAutoFit/>
+          </a:bodyPr>
+          <a:lstStyle/>
+          <a:p>
+            <a:pPr algn="ctr"/>
+            <a:r>
+              <a:rPr lang="hu-HU" sz="4000" dirty="0" smtClean="0"/>
+              <a:t>Közös</a:t>
+            </a:r>
+          </a:p>
+          <a:p>
+            <a:r>
+              <a:rPr lang="hu-HU" sz="2800" dirty="0" smtClean="0"/>
+              <a:t>-</a:t>
+            </a:r>
+            <a:r>
+              <a:rPr lang="hu-HU" sz="2800" dirty="0" err="1" smtClean="0"/>
+              <a:t>Javascript</a:t>
+            </a:r>
+            <a:endParaRPr lang="hu-HU" sz="2800" dirty="0"/>
+          </a:p>
+        </p:txBody>
+      </p:sp>
+    </p:spTree>
+    <p:extLst>
+      <p:ext uri="{BB962C8B-B14F-4D97-AF65-F5344CB8AC3E}">
+        <p14:creationId xmlns:p14="http://schemas.microsoft.com/office/powerpoint/2010/main" val="2636698437"/>
+      </p:ext>
+    </p:extLst>
+  </p:cSld>
+  <p:clrMapOvr>
+    <a:masterClrMapping/>
+  </p:clrMapOvr>
+  <p:timing>
+    <p:tnLst>
+      <p:par>
+        <p:cTn id="1" dur="indefinite" restart="never" nodeType="tmRoot"/>
+      </p:par>
+    </p:tnLst>
+  </p:timing>
+</p:sld>
+</file>
+
+<file path=ppt/slides/slide9.xml><?xml version="1.0" encoding="utf-8"?>
 <p:sld xmlns:a="http://schemas.openxmlformats.org/drawingml/2006/main" xmlns:r="http://schemas.openxmlformats.org/officeDocument/2006/relationships" xmlns:p="http://schemas.openxmlformats.org/presentationml/2006/main">
   <p:cSld>
     <p:spTree>

--- a/A Zongora.pptx
+++ b/A Zongora.pptx
@@ -13,7 +13,10 @@
     <p:sldId id="262" r:id="rId7"/>
     <p:sldId id="265" r:id="rId8"/>
     <p:sldId id="264" r:id="rId9"/>
-    <p:sldId id="263" r:id="rId10"/>
+    <p:sldId id="266" r:id="rId10"/>
+    <p:sldId id="267" r:id="rId11"/>
+    <p:sldId id="268" r:id="rId12"/>
+    <p:sldId id="263" r:id="rId13"/>
   </p:sldIdLst>
   <p:sldSz cx="12192000" cy="6858000"/>
   <p:notesSz cx="6858000" cy="9144000"/>
@@ -125,6 +128,9 @@
             <p14:sldId id="262"/>
             <p14:sldId id="265"/>
             <p14:sldId id="264"/>
+            <p14:sldId id="266"/>
+            <p14:sldId id="267"/>
+            <p14:sldId id="268"/>
             <p14:sldId id="263"/>
           </p14:sldIdLst>
         </p14:section>
@@ -859,7 +865,7 @@
           <a:p>
             <a:fld id="{A515A8DB-1761-43C7-85F6-AF4C95111F34}" type="datetimeFigureOut">
               <a:rPr lang="hu-HU" smtClean="0"/>
-              <a:t>2022.02.16.</a:t>
+              <a:t>2022.02.23.</a:t>
             </a:fld>
             <a:endParaRPr lang="hu-HU"/>
           </a:p>
@@ -1110,7 +1116,7 @@
           <a:p>
             <a:fld id="{A515A8DB-1761-43C7-85F6-AF4C95111F34}" type="datetimeFigureOut">
               <a:rPr lang="hu-HU" smtClean="0"/>
-              <a:t>2022.02.16.</a:t>
+              <a:t>2022.02.23.</a:t>
             </a:fld>
             <a:endParaRPr lang="hu-HU"/>
           </a:p>
@@ -1424,7 +1430,7 @@
           <a:p>
             <a:fld id="{A515A8DB-1761-43C7-85F6-AF4C95111F34}" type="datetimeFigureOut">
               <a:rPr lang="hu-HU" smtClean="0"/>
-              <a:t>2022.02.16.</a:t>
+              <a:t>2022.02.23.</a:t>
             </a:fld>
             <a:endParaRPr lang="hu-HU"/>
           </a:p>
@@ -1765,7 +1771,7 @@
           <a:p>
             <a:fld id="{A515A8DB-1761-43C7-85F6-AF4C95111F34}" type="datetimeFigureOut">
               <a:rPr lang="hu-HU" smtClean="0"/>
-              <a:t>2022.02.16.</a:t>
+              <a:t>2022.02.23.</a:t>
             </a:fld>
             <a:endParaRPr lang="hu-HU"/>
           </a:p>
@@ -2079,7 +2085,7 @@
           <a:p>
             <a:fld id="{A515A8DB-1761-43C7-85F6-AF4C95111F34}" type="datetimeFigureOut">
               <a:rPr lang="hu-HU" smtClean="0"/>
-              <a:t>2022.02.16.</a:t>
+              <a:t>2022.02.23.</a:t>
             </a:fld>
             <a:endParaRPr lang="hu-HU"/>
           </a:p>
@@ -2472,7 +2478,7 @@
           <a:p>
             <a:fld id="{A515A8DB-1761-43C7-85F6-AF4C95111F34}" type="datetimeFigureOut">
               <a:rPr lang="hu-HU" smtClean="0"/>
-              <a:t>2022.02.16.</a:t>
+              <a:t>2022.02.23.</a:t>
             </a:fld>
             <a:endParaRPr lang="hu-HU"/>
           </a:p>
@@ -2642,7 +2648,7 @@
           <a:p>
             <a:fld id="{A515A8DB-1761-43C7-85F6-AF4C95111F34}" type="datetimeFigureOut">
               <a:rPr lang="hu-HU" smtClean="0"/>
-              <a:t>2022.02.16.</a:t>
+              <a:t>2022.02.23.</a:t>
             </a:fld>
             <a:endParaRPr lang="hu-HU"/>
           </a:p>
@@ -2822,7 +2828,7 @@
           <a:p>
             <a:fld id="{A515A8DB-1761-43C7-85F6-AF4C95111F34}" type="datetimeFigureOut">
               <a:rPr lang="hu-HU" smtClean="0"/>
-              <a:t>2022.02.16.</a:t>
+              <a:t>2022.02.23.</a:t>
             </a:fld>
             <a:endParaRPr lang="hu-HU"/>
           </a:p>
@@ -2998,7 +3004,7 @@
           <a:p>
             <a:fld id="{A515A8DB-1761-43C7-85F6-AF4C95111F34}" type="datetimeFigureOut">
               <a:rPr lang="hu-HU" smtClean="0"/>
-              <a:t>2022.02.16.</a:t>
+              <a:t>2022.02.23.</a:t>
             </a:fld>
             <a:endParaRPr lang="hu-HU"/>
           </a:p>
@@ -3245,7 +3251,7 @@
           <a:p>
             <a:fld id="{A515A8DB-1761-43C7-85F6-AF4C95111F34}" type="datetimeFigureOut">
               <a:rPr lang="hu-HU" smtClean="0"/>
-              <a:t>2022.02.16.</a:t>
+              <a:t>2022.02.23.</a:t>
             </a:fld>
             <a:endParaRPr lang="hu-HU"/>
           </a:p>
@@ -3477,7 +3483,7 @@
           <a:p>
             <a:fld id="{A515A8DB-1761-43C7-85F6-AF4C95111F34}" type="datetimeFigureOut">
               <a:rPr lang="hu-HU" smtClean="0"/>
-              <a:t>2022.02.16.</a:t>
+              <a:t>2022.02.23.</a:t>
             </a:fld>
             <a:endParaRPr lang="hu-HU"/>
           </a:p>
@@ -3851,7 +3857,7 @@
           <a:p>
             <a:fld id="{A515A8DB-1761-43C7-85F6-AF4C95111F34}" type="datetimeFigureOut">
               <a:rPr lang="hu-HU" smtClean="0"/>
-              <a:t>2022.02.16.</a:t>
+              <a:t>2022.02.23.</a:t>
             </a:fld>
             <a:endParaRPr lang="hu-HU"/>
           </a:p>
@@ -3974,7 +3980,7 @@
           <a:p>
             <a:fld id="{A515A8DB-1761-43C7-85F6-AF4C95111F34}" type="datetimeFigureOut">
               <a:rPr lang="hu-HU" smtClean="0"/>
-              <a:t>2022.02.16.</a:t>
+              <a:t>2022.02.23.</a:t>
             </a:fld>
             <a:endParaRPr lang="hu-HU"/>
           </a:p>
@@ -4069,7 +4075,7 @@
           <a:p>
             <a:fld id="{A515A8DB-1761-43C7-85F6-AF4C95111F34}" type="datetimeFigureOut">
               <a:rPr lang="hu-HU" smtClean="0"/>
-              <a:t>2022.02.16.</a:t>
+              <a:t>2022.02.23.</a:t>
             </a:fld>
             <a:endParaRPr lang="hu-HU"/>
           </a:p>
@@ -4324,7 +4330,7 @@
           <a:p>
             <a:fld id="{A515A8DB-1761-43C7-85F6-AF4C95111F34}" type="datetimeFigureOut">
               <a:rPr lang="hu-HU" smtClean="0"/>
-              <a:t>2022.02.16.</a:t>
+              <a:t>2022.02.23.</a:t>
             </a:fld>
             <a:endParaRPr lang="hu-HU"/>
           </a:p>
@@ -4587,7 +4593,7 @@
           <a:p>
             <a:fld id="{A515A8DB-1761-43C7-85F6-AF4C95111F34}" type="datetimeFigureOut">
               <a:rPr lang="hu-HU" smtClean="0"/>
-              <a:t>2022.02.16.</a:t>
+              <a:t>2022.02.23.</a:t>
             </a:fld>
             <a:endParaRPr lang="hu-HU"/>
           </a:p>
@@ -5330,7 +5336,7 @@
           <a:p>
             <a:fld id="{A515A8DB-1761-43C7-85F6-AF4C95111F34}" type="datetimeFigureOut">
               <a:rPr lang="hu-HU" smtClean="0"/>
-              <a:t>2022.02.16.</a:t>
+              <a:t>2022.02.23.</a:t>
             </a:fld>
             <a:endParaRPr lang="hu-HU"/>
           </a:p>
@@ -5893,14 +5899,14 @@
           <a:lstStyle/>
           <a:p>
             <a:r>
-              <a:rPr lang="hu-HU" dirty="0" smtClean="0"/>
+              <a:rPr lang="hu-HU" b="1" dirty="0" smtClean="0"/>
               <a:t>Profi </a:t>
             </a:r>
             <a:r>
-              <a:rPr lang="hu-HU" dirty="0" err="1" smtClean="0"/>
+              <a:rPr lang="hu-HU" b="1" dirty="0" err="1" smtClean="0"/>
               <a:t>programmozók</a:t>
             </a:r>
-            <a:endParaRPr lang="hu-HU" dirty="0" smtClean="0"/>
+            <a:endParaRPr lang="hu-HU" b="1" dirty="0" smtClean="0"/>
           </a:p>
         </p:txBody>
       </p:sp>
@@ -5968,6 +5974,1215 @@
 </p:sld>
 </file>
 
+<file path=ppt/slides/slide10.xml><?xml version="1.0" encoding="utf-8"?>
+<p:sld xmlns:a="http://schemas.openxmlformats.org/drawingml/2006/main" xmlns:r="http://schemas.openxmlformats.org/officeDocument/2006/relationships" xmlns:p="http://schemas.openxmlformats.org/presentationml/2006/main">
+  <p:cSld>
+    <p:spTree>
+      <p:nvGrpSpPr>
+        <p:cNvPr id="1" name=""/>
+        <p:cNvGrpSpPr/>
+        <p:nvPr/>
+      </p:nvGrpSpPr>
+      <p:grpSpPr>
+        <a:xfrm>
+          <a:off x="0" y="0"/>
+          <a:ext cx="0" cy="0"/>
+          <a:chOff x="0" y="0"/>
+          <a:chExt cx="0" cy="0"/>
+        </a:xfrm>
+      </p:grpSpPr>
+      <p:sp>
+        <p:nvSpPr>
+          <p:cNvPr id="2" name="Cím 1"/>
+          <p:cNvSpPr>
+            <a:spLocks noGrp="1"/>
+          </p:cNvSpPr>
+          <p:nvPr>
+            <p:ph type="title"/>
+          </p:nvPr>
+        </p:nvSpPr>
+        <p:spPr>
+          <a:xfrm>
+            <a:off x="677334" y="310342"/>
+            <a:ext cx="1616979" cy="753687"/>
+          </a:xfrm>
+        </p:spPr>
+        <p:txBody>
+          <a:bodyPr/>
+          <a:lstStyle/>
+          <a:p>
+            <a:r>
+              <a:rPr lang="hu-HU" dirty="0" smtClean="0"/>
+              <a:t>Kristóf</a:t>
+            </a:r>
+            <a:endParaRPr lang="hu-HU" dirty="0"/>
+          </a:p>
+        </p:txBody>
+      </p:sp>
+      <p:pic>
+        <p:nvPicPr>
+          <p:cNvPr id="5" name="Tartalom helye 4"/>
+          <p:cNvPicPr>
+            <a:picLocks noGrp="1" noChangeAspect="1"/>
+          </p:cNvPicPr>
+          <p:nvPr>
+            <p:ph sz="half" idx="1"/>
+          </p:nvPr>
+        </p:nvPicPr>
+        <p:blipFill>
+          <a:blip r:embed="rId2"/>
+          <a:stretch>
+            <a:fillRect/>
+          </a:stretch>
+        </p:blipFill>
+        <p:spPr>
+          <a:xfrm>
+            <a:off x="4032061" y="1930400"/>
+            <a:ext cx="2834252" cy="3881437"/>
+          </a:xfrm>
+          <a:prstGeom prst="rect">
+            <a:avLst/>
+          </a:prstGeom>
+        </p:spPr>
+      </p:pic>
+      <p:pic>
+        <p:nvPicPr>
+          <p:cNvPr id="7" name="Kép 6"/>
+          <p:cNvPicPr>
+            <a:picLocks noChangeAspect="1"/>
+          </p:cNvPicPr>
+          <p:nvPr/>
+        </p:nvPicPr>
+        <p:blipFill>
+          <a:blip r:embed="rId3"/>
+          <a:stretch>
+            <a:fillRect/>
+          </a:stretch>
+        </p:blipFill>
+        <p:spPr>
+          <a:xfrm>
+            <a:off x="6866313" y="1930400"/>
+            <a:ext cx="2466297" cy="2107968"/>
+          </a:xfrm>
+          <a:prstGeom prst="rect">
+            <a:avLst/>
+          </a:prstGeom>
+        </p:spPr>
+      </p:pic>
+      <p:sp>
+        <p:nvSpPr>
+          <p:cNvPr id="8" name="Szövegdoboz 7"/>
+          <p:cNvSpPr txBox="1"/>
+          <p:nvPr/>
+        </p:nvSpPr>
+        <p:spPr>
+          <a:xfrm>
+            <a:off x="677334" y="1521229"/>
+            <a:ext cx="3117273" cy="1477328"/>
+          </a:xfrm>
+          <a:prstGeom prst="rect">
+            <a:avLst/>
+          </a:prstGeom>
+          <a:noFill/>
+        </p:spPr>
+        <p:txBody>
+          <a:bodyPr wrap="square" rtlCol="0">
+            <a:spAutoFit/>
+          </a:bodyPr>
+          <a:lstStyle/>
+          <a:p>
+            <a:r>
+              <a:rPr lang="hu-HU" b="1" dirty="0" err="1" smtClean="0"/>
+              <a:t>HTML+Hangok</a:t>
+            </a:r>
+            <a:r>
+              <a:rPr lang="hu-HU" b="1" dirty="0" smtClean="0"/>
+              <a:t>:</a:t>
+            </a:r>
+          </a:p>
+          <a:p>
+            <a:r>
+              <a:rPr lang="hu-HU" b="1" dirty="0" smtClean="0"/>
+              <a:t>A hangokat meg </a:t>
+            </a:r>
+            <a:r>
+              <a:rPr lang="hu-HU" b="1" dirty="0" err="1" smtClean="0"/>
+              <a:t>Audacity</a:t>
+            </a:r>
+            <a:r>
+              <a:rPr lang="hu-HU" b="1" dirty="0" smtClean="0"/>
+              <a:t>-be csináltam meg és ezután importóltam HTML-be.</a:t>
+            </a:r>
+          </a:p>
+        </p:txBody>
+      </p:sp>
+    </p:spTree>
+    <p:extLst>
+      <p:ext uri="{BB962C8B-B14F-4D97-AF65-F5344CB8AC3E}">
+        <p14:creationId xmlns:p14="http://schemas.microsoft.com/office/powerpoint/2010/main" val="3174796375"/>
+      </p:ext>
+    </p:extLst>
+  </p:cSld>
+  <p:clrMapOvr>
+    <a:masterClrMapping/>
+  </p:clrMapOvr>
+  <mc:AlternateContent xmlns:mc="http://schemas.openxmlformats.org/markup-compatibility/2006">
+    <mc:Choice xmlns:p14="http://schemas.microsoft.com/office/powerpoint/2010/main" Requires="p14">
+      <p:transition spd="slow" p14:dur="3900">
+        <p14:glitter pattern="hexagon"/>
+      </p:transition>
+    </mc:Choice>
+    <mc:Fallback>
+      <p:transition spd="slow">
+        <p:fade/>
+      </p:transition>
+    </mc:Fallback>
+  </mc:AlternateContent>
+  <p:timing>
+    <p:tnLst>
+      <p:par>
+        <p:cTn id="1" dur="indefinite" restart="never" nodeType="tmRoot"/>
+      </p:par>
+    </p:tnLst>
+  </p:timing>
+</p:sld>
+</file>
+
+<file path=ppt/slides/slide11.xml><?xml version="1.0" encoding="utf-8"?>
+<p:sld xmlns:a="http://schemas.openxmlformats.org/drawingml/2006/main" xmlns:r="http://schemas.openxmlformats.org/officeDocument/2006/relationships" xmlns:p="http://schemas.openxmlformats.org/presentationml/2006/main">
+  <p:cSld>
+    <p:spTree>
+      <p:nvGrpSpPr>
+        <p:cNvPr id="1" name=""/>
+        <p:cNvGrpSpPr/>
+        <p:nvPr/>
+      </p:nvGrpSpPr>
+      <p:grpSpPr>
+        <a:xfrm>
+          <a:off x="0" y="0"/>
+          <a:ext cx="0" cy="0"/>
+          <a:chOff x="0" y="0"/>
+          <a:chExt cx="0" cy="0"/>
+        </a:xfrm>
+      </p:grpSpPr>
+      <p:sp>
+        <p:nvSpPr>
+          <p:cNvPr id="2" name="Cím 1"/>
+          <p:cNvSpPr>
+            <a:spLocks noGrp="1"/>
+          </p:cNvSpPr>
+          <p:nvPr>
+            <p:ph type="title"/>
+          </p:nvPr>
+        </p:nvSpPr>
+        <p:spPr/>
+        <p:txBody>
+          <a:bodyPr/>
+          <a:lstStyle/>
+          <a:p>
+            <a:r>
+              <a:rPr lang="hu-HU" dirty="0" smtClean="0"/>
+              <a:t>Közös</a:t>
+            </a:r>
+            <a:endParaRPr lang="hu-HU" dirty="0"/>
+          </a:p>
+        </p:txBody>
+      </p:sp>
+      <p:sp>
+        <p:nvSpPr>
+          <p:cNvPr id="3" name="Tartalom helye 2"/>
+          <p:cNvSpPr>
+            <a:spLocks noGrp="1"/>
+          </p:cNvSpPr>
+          <p:nvPr>
+            <p:ph sz="half" idx="1"/>
+          </p:nvPr>
+        </p:nvSpPr>
+        <p:spPr/>
+        <p:txBody>
+          <a:bodyPr/>
+          <a:lstStyle/>
+          <a:p>
+            <a:r>
+              <a:rPr lang="hu-HU" b="1" dirty="0" err="1" smtClean="0"/>
+              <a:t>Javascript</a:t>
+            </a:r>
+            <a:r>
+              <a:rPr lang="hu-HU" b="1" dirty="0" smtClean="0"/>
+              <a:t>:</a:t>
+            </a:r>
+          </a:p>
+          <a:p>
+            <a:pPr marL="0" indent="0">
+              <a:buNone/>
+            </a:pPr>
+            <a:r>
+              <a:rPr lang="hu-HU" b="1" dirty="0"/>
+              <a:t>	</a:t>
+            </a:r>
+            <a:r>
+              <a:rPr lang="hu-HU" b="1" dirty="0" smtClean="0"/>
+              <a:t>Nehezen de megoldottuk nagyrészt a hangok lejátszásához kellett a </a:t>
+            </a:r>
+            <a:r>
+              <a:rPr lang="hu-HU" b="1" dirty="0" err="1" smtClean="0"/>
+              <a:t>Javascript</a:t>
+            </a:r>
+            <a:r>
+              <a:rPr lang="hu-HU" b="1" dirty="0" smtClean="0"/>
+              <a:t>.</a:t>
+            </a:r>
+          </a:p>
+          <a:p>
+            <a:pPr marL="0" indent="0">
+              <a:buNone/>
+            </a:pPr>
+            <a:r>
+              <a:rPr lang="hu-HU" b="1" dirty="0"/>
+              <a:t>	</a:t>
+            </a:r>
+          </a:p>
+        </p:txBody>
+      </p:sp>
+      <p:pic>
+        <p:nvPicPr>
+          <p:cNvPr id="5" name="Kép 4"/>
+          <p:cNvPicPr>
+            <a:picLocks noChangeAspect="1"/>
+          </p:cNvPicPr>
+          <p:nvPr/>
+        </p:nvPicPr>
+        <p:blipFill>
+          <a:blip r:embed="rId2"/>
+          <a:stretch>
+            <a:fillRect/>
+          </a:stretch>
+        </p:blipFill>
+        <p:spPr>
+          <a:xfrm>
+            <a:off x="5148263" y="950258"/>
+            <a:ext cx="3703171" cy="5379944"/>
+          </a:xfrm>
+          <a:prstGeom prst="rect">
+            <a:avLst/>
+          </a:prstGeom>
+        </p:spPr>
+      </p:pic>
+    </p:spTree>
+    <p:extLst>
+      <p:ext uri="{BB962C8B-B14F-4D97-AF65-F5344CB8AC3E}">
+        <p14:creationId xmlns:p14="http://schemas.microsoft.com/office/powerpoint/2010/main" val="2375141524"/>
+      </p:ext>
+    </p:extLst>
+  </p:cSld>
+  <p:clrMapOvr>
+    <a:masterClrMapping/>
+  </p:clrMapOvr>
+  <p:timing>
+    <p:tnLst>
+      <p:par>
+        <p:cTn id="1" dur="indefinite" restart="never" nodeType="tmRoot"/>
+      </p:par>
+    </p:tnLst>
+  </p:timing>
+</p:sld>
+</file>
+
+<file path=ppt/slides/slide12.xml><?xml version="1.0" encoding="utf-8"?>
+<p:sld xmlns:a="http://schemas.openxmlformats.org/drawingml/2006/main" xmlns:r="http://schemas.openxmlformats.org/officeDocument/2006/relationships" xmlns:p="http://schemas.openxmlformats.org/presentationml/2006/main">
+  <p:cSld>
+    <p:spTree>
+      <p:nvGrpSpPr>
+        <p:cNvPr id="1" name=""/>
+        <p:cNvGrpSpPr/>
+        <p:nvPr/>
+      </p:nvGrpSpPr>
+      <p:grpSpPr>
+        <a:xfrm>
+          <a:off x="0" y="0"/>
+          <a:ext cx="0" cy="0"/>
+          <a:chOff x="0" y="0"/>
+          <a:chExt cx="0" cy="0"/>
+        </a:xfrm>
+      </p:grpSpPr>
+      <p:pic>
+        <p:nvPicPr>
+          <p:cNvPr id="1030" name="Picture 6" descr="Troll Face Creepy Smile GIF - Troll Face Creepy Smile - Discover &amp;amp; Share  GIFs"/>
+          <p:cNvPicPr>
+            <a:picLocks noChangeAspect="1" noChangeArrowheads="1" noCrop="1"/>
+          </p:cNvPicPr>
+          <p:nvPr/>
+        </p:nvPicPr>
+        <p:blipFill>
+          <a:blip r:embed="rId2">
+            <a:extLst>
+              <a:ext uri="{28A0092B-C50C-407E-A947-70E740481C1C}">
+                <a14:useLocalDpi xmlns:a14="http://schemas.microsoft.com/office/drawing/2010/main" val="0"/>
+              </a:ext>
+            </a:extLst>
+          </a:blip>
+          <a:srcRect/>
+          <a:stretch>
+            <a:fillRect/>
+          </a:stretch>
+        </p:blipFill>
+        <p:spPr bwMode="auto">
+          <a:xfrm>
+            <a:off x="2528048" y="0"/>
+            <a:ext cx="6858001" cy="6858001"/>
+          </a:xfrm>
+          <a:prstGeom prst="rect">
+            <a:avLst/>
+          </a:prstGeom>
+          <a:noFill/>
+          <a:extLst>
+            <a:ext uri="{909E8E84-426E-40DD-AFC4-6F175D3DCCD1}">
+              <a14:hiddenFill xmlns:a14="http://schemas.microsoft.com/office/drawing/2010/main">
+                <a:solidFill>
+                  <a:srgbClr val="FFFFFF"/>
+                </a:solidFill>
+              </a14:hiddenFill>
+            </a:ext>
+          </a:extLst>
+        </p:spPr>
+      </p:pic>
+      <p:pic>
+        <p:nvPicPr>
+          <p:cNvPr id="2052" name="Picture 4" descr="Create meme &amp;quot;cursed emoji meme with hand, cursed hand emoji meme, meme  smiley with a hand&amp;quot; - Pictures - Meme-arsenal.com"/>
+          <p:cNvPicPr>
+            <a:picLocks noChangeAspect="1" noChangeArrowheads="1"/>
+          </p:cNvPicPr>
+          <p:nvPr/>
+        </p:nvPicPr>
+        <p:blipFill>
+          <a:blip r:embed="rId3">
+            <a:extLst>
+              <a:ext uri="{28A0092B-C50C-407E-A947-70E740481C1C}">
+                <a14:useLocalDpi xmlns:a14="http://schemas.microsoft.com/office/drawing/2010/main" val="0"/>
+              </a:ext>
+            </a:extLst>
+          </a:blip>
+          <a:srcRect/>
+          <a:stretch>
+            <a:fillRect/>
+          </a:stretch>
+        </p:blipFill>
+        <p:spPr bwMode="auto">
+          <a:xfrm>
+            <a:off x="0" y="0"/>
+            <a:ext cx="12192000" cy="6858000"/>
+          </a:xfrm>
+          <a:prstGeom prst="rect">
+            <a:avLst/>
+          </a:prstGeom>
+          <a:noFill/>
+          <a:extLst>
+            <a:ext uri="{909E8E84-426E-40DD-AFC4-6F175D3DCCD1}">
+              <a14:hiddenFill xmlns:a14="http://schemas.microsoft.com/office/drawing/2010/main">
+                <a:solidFill>
+                  <a:srgbClr val="FFFFFF"/>
+                </a:solidFill>
+              </a14:hiddenFill>
+            </a:ext>
+          </a:extLst>
+        </p:spPr>
+      </p:pic>
+      <p:sp>
+        <p:nvSpPr>
+          <p:cNvPr id="2" name="Cím 1"/>
+          <p:cNvSpPr>
+            <a:spLocks noGrp="1"/>
+          </p:cNvSpPr>
+          <p:nvPr>
+            <p:ph type="title"/>
+          </p:nvPr>
+        </p:nvSpPr>
+        <p:spPr>
+          <a:xfrm>
+            <a:off x="5135881" y="1171461"/>
+            <a:ext cx="1847626" cy="720092"/>
+          </a:xfrm>
+        </p:spPr>
+        <p:txBody>
+          <a:bodyPr>
+            <a:normAutofit/>
+          </a:bodyPr>
+          <a:lstStyle/>
+          <a:p>
+            <a:r>
+              <a:rPr lang="hu-HU" dirty="0" smtClean="0">
+                <a:solidFill>
+                  <a:schemeClr val="bg1">
+                    <a:lumMod val="95000"/>
+                  </a:schemeClr>
+                </a:solidFill>
+              </a:rPr>
+              <a:t>VÉGE </a:t>
+            </a:r>
+            <a:r>
+              <a:rPr lang="hu-HU" dirty="0" smtClean="0">
+                <a:solidFill>
+                  <a:schemeClr val="bg1">
+                    <a:lumMod val="95000"/>
+                  </a:schemeClr>
+                </a:solidFill>
+              </a:rPr>
+              <a:t>😁</a:t>
+            </a:r>
+            <a:endParaRPr lang="hu-HU" dirty="0">
+              <a:solidFill>
+                <a:schemeClr val="bg1">
+                  <a:lumMod val="95000"/>
+                </a:schemeClr>
+              </a:solidFill>
+            </a:endParaRPr>
+          </a:p>
+        </p:txBody>
+      </p:sp>
+      <p:sp>
+        <p:nvSpPr>
+          <p:cNvPr id="3" name="Szövegdoboz 2"/>
+          <p:cNvSpPr txBox="1"/>
+          <p:nvPr/>
+        </p:nvSpPr>
+        <p:spPr>
+          <a:xfrm>
+            <a:off x="8265459" y="519953"/>
+            <a:ext cx="1308847" cy="369332"/>
+          </a:xfrm>
+          <a:prstGeom prst="rect">
+            <a:avLst/>
+          </a:prstGeom>
+          <a:noFill/>
+        </p:spPr>
+        <p:txBody>
+          <a:bodyPr wrap="square" rtlCol="0">
+            <a:spAutoFit/>
+          </a:bodyPr>
+          <a:lstStyle/>
+          <a:p>
+            <a:r>
+              <a:rPr lang="hu-HU" dirty="0">
+                <a:solidFill>
+                  <a:schemeClr val="bg1">
+                    <a:lumMod val="95000"/>
+                  </a:schemeClr>
+                </a:solidFill>
+              </a:rPr>
+              <a:t>w(ﾟДﾟ)w</a:t>
+            </a:r>
+            <a:endParaRPr lang="hu-HU" dirty="0"/>
+          </a:p>
+        </p:txBody>
+      </p:sp>
+      <p:pic>
+        <p:nvPicPr>
+          <p:cNvPr id="1034" name="Picture 10" descr="SCARED BLACK MAN | Meme Generator"/>
+          <p:cNvPicPr>
+            <a:picLocks noChangeAspect="1" noChangeArrowheads="1"/>
+          </p:cNvPicPr>
+          <p:nvPr/>
+        </p:nvPicPr>
+        <p:blipFill>
+          <a:blip r:embed="rId4">
+            <a:extLst>
+              <a:ext uri="{28A0092B-C50C-407E-A947-70E740481C1C}">
+                <a14:useLocalDpi xmlns:a14="http://schemas.microsoft.com/office/drawing/2010/main" val="0"/>
+              </a:ext>
+            </a:extLst>
+          </a:blip>
+          <a:srcRect/>
+          <a:stretch>
+            <a:fillRect/>
+          </a:stretch>
+        </p:blipFill>
+        <p:spPr bwMode="auto">
+          <a:xfrm>
+            <a:off x="5135881" y="4760259"/>
+            <a:ext cx="1963271" cy="1963271"/>
+          </a:xfrm>
+          <a:prstGeom prst="rect">
+            <a:avLst/>
+          </a:prstGeom>
+          <a:noFill/>
+          <a:extLst>
+            <a:ext uri="{909E8E84-426E-40DD-AFC4-6F175D3DCCD1}">
+              <a14:hiddenFill xmlns:a14="http://schemas.microsoft.com/office/drawing/2010/main">
+                <a:solidFill>
+                  <a:srgbClr val="FFFFFF"/>
+                </a:solidFill>
+              </a14:hiddenFill>
+            </a:ext>
+          </a:extLst>
+        </p:spPr>
+      </p:pic>
+      <p:pic>
+        <p:nvPicPr>
+          <p:cNvPr id="4" name="Kép 3"/>
+          <p:cNvPicPr>
+            <a:picLocks noChangeAspect="1"/>
+          </p:cNvPicPr>
+          <p:nvPr/>
+        </p:nvPicPr>
+        <p:blipFill>
+          <a:blip r:embed="rId5"/>
+          <a:stretch>
+            <a:fillRect/>
+          </a:stretch>
+        </p:blipFill>
+        <p:spPr>
+          <a:xfrm>
+            <a:off x="8719484" y="2869057"/>
+            <a:ext cx="1709644" cy="1780388"/>
+          </a:xfrm>
+          <a:prstGeom prst="rect">
+            <a:avLst/>
+          </a:prstGeom>
+        </p:spPr>
+      </p:pic>
+    </p:spTree>
+    <p:extLst>
+      <p:ext uri="{BB962C8B-B14F-4D97-AF65-F5344CB8AC3E}">
+        <p14:creationId xmlns:p14="http://schemas.microsoft.com/office/powerpoint/2010/main" val="3964453611"/>
+      </p:ext>
+    </p:extLst>
+  </p:cSld>
+  <p:clrMapOvr>
+    <a:masterClrMapping/>
+  </p:clrMapOvr>
+  <mc:AlternateContent xmlns:mc="http://schemas.openxmlformats.org/markup-compatibility/2006">
+    <mc:Choice xmlns:p15="http://schemas.microsoft.com/office/powerpoint/2012/main" Requires="p15">
+      <p:transition xmlns:p14="http://schemas.microsoft.com/office/powerpoint/2010/main" spd="slow" p14:dur="3250">
+        <p15:prstTrans prst="origami"/>
+      </p:transition>
+    </mc:Choice>
+    <mc:Fallback>
+      <p:transition spd="slow">
+        <p:fade/>
+      </p:transition>
+    </mc:Fallback>
+  </mc:AlternateContent>
+  <p:timing>
+    <p:tnLst>
+      <p:par>
+        <p:cTn id="1" dur="indefinite" restart="never" nodeType="tmRoot">
+          <p:childTnLst>
+            <p:seq concurrent="1" nextAc="seek">
+              <p:cTn id="2" dur="indefinite" nodeType="mainSeq">
+                <p:childTnLst>
+                  <p:par>
+                    <p:cTn id="3" fill="hold">
+                      <p:stCondLst>
+                        <p:cond delay="indefinite"/>
+                        <p:cond evt="onBegin" delay="0">
+                          <p:tn val="2"/>
+                        </p:cond>
+                      </p:stCondLst>
+                      <p:childTnLst>
+                        <p:par>
+                          <p:cTn id="4" fill="hold">
+                            <p:stCondLst>
+                              <p:cond delay="0"/>
+                            </p:stCondLst>
+                            <p:childTnLst>
+                              <p:par>
+                                <p:cTn id="5" presetID="14" presetClass="entr" presetSubtype="10" fill="hold" nodeType="withEffect">
+                                  <p:stCondLst>
+                                    <p:cond delay="0"/>
+                                  </p:stCondLst>
+                                  <p:childTnLst>
+                                    <p:set>
+                                      <p:cBhvr>
+                                        <p:cTn id="6" dur="1" fill="hold">
+                                          <p:stCondLst>
+                                            <p:cond delay="0"/>
+                                          </p:stCondLst>
+                                        </p:cTn>
+                                        <p:tgtEl>
+                                          <p:spTgt spid="1030"/>
+                                        </p:tgtEl>
+                                        <p:attrNameLst>
+                                          <p:attrName>style.visibility</p:attrName>
+                                        </p:attrNameLst>
+                                      </p:cBhvr>
+                                      <p:to>
+                                        <p:strVal val="visible"/>
+                                      </p:to>
+                                    </p:set>
+                                    <p:animEffect transition="in" filter="randombar(horizontal)">
+                                      <p:cBhvr>
+                                        <p:cTn id="7" dur="800"/>
+                                        <p:tgtEl>
+                                          <p:spTgt spid="1030"/>
+                                        </p:tgtEl>
+                                      </p:cBhvr>
+                                    </p:animEffect>
+                                  </p:childTnLst>
+                                </p:cTn>
+                              </p:par>
+                            </p:childTnLst>
+                          </p:cTn>
+                        </p:par>
+                        <p:par>
+                          <p:cTn id="8" fill="hold">
+                            <p:stCondLst>
+                              <p:cond delay="800"/>
+                            </p:stCondLst>
+                            <p:childTnLst>
+                              <p:par>
+                                <p:cTn id="9" presetID="53" presetClass="entr" presetSubtype="16" fill="hold" nodeType="afterEffect">
+                                  <p:stCondLst>
+                                    <p:cond delay="100"/>
+                                  </p:stCondLst>
+                                  <p:childTnLst>
+                                    <p:set>
+                                      <p:cBhvr>
+                                        <p:cTn id="10" dur="1" fill="hold">
+                                          <p:stCondLst>
+                                            <p:cond delay="0"/>
+                                          </p:stCondLst>
+                                        </p:cTn>
+                                        <p:tgtEl>
+                                          <p:spTgt spid="2052"/>
+                                        </p:tgtEl>
+                                        <p:attrNameLst>
+                                          <p:attrName>style.visibility</p:attrName>
+                                        </p:attrNameLst>
+                                      </p:cBhvr>
+                                      <p:to>
+                                        <p:strVal val="visible"/>
+                                      </p:to>
+                                    </p:set>
+                                    <p:anim calcmode="lin" valueType="num">
+                                      <p:cBhvr>
+                                        <p:cTn id="11" dur="1900" fill="hold"/>
+                                        <p:tgtEl>
+                                          <p:spTgt spid="2052"/>
+                                        </p:tgtEl>
+                                        <p:attrNameLst>
+                                          <p:attrName>ppt_w</p:attrName>
+                                        </p:attrNameLst>
+                                      </p:cBhvr>
+                                      <p:tavLst>
+                                        <p:tav tm="0">
+                                          <p:val>
+                                            <p:fltVal val="0"/>
+                                          </p:val>
+                                        </p:tav>
+                                        <p:tav tm="100000">
+                                          <p:val>
+                                            <p:strVal val="#ppt_w"/>
+                                          </p:val>
+                                        </p:tav>
+                                      </p:tavLst>
+                                    </p:anim>
+                                    <p:anim calcmode="lin" valueType="num">
+                                      <p:cBhvr>
+                                        <p:cTn id="12" dur="1900" fill="hold"/>
+                                        <p:tgtEl>
+                                          <p:spTgt spid="2052"/>
+                                        </p:tgtEl>
+                                        <p:attrNameLst>
+                                          <p:attrName>ppt_h</p:attrName>
+                                        </p:attrNameLst>
+                                      </p:cBhvr>
+                                      <p:tavLst>
+                                        <p:tav tm="0">
+                                          <p:val>
+                                            <p:fltVal val="0"/>
+                                          </p:val>
+                                        </p:tav>
+                                        <p:tav tm="100000">
+                                          <p:val>
+                                            <p:strVal val="#ppt_h"/>
+                                          </p:val>
+                                        </p:tav>
+                                      </p:tavLst>
+                                    </p:anim>
+                                    <p:animEffect transition="in" filter="fade">
+                                      <p:cBhvr>
+                                        <p:cTn id="13" dur="1900"/>
+                                        <p:tgtEl>
+                                          <p:spTgt spid="2052"/>
+                                        </p:tgtEl>
+                                      </p:cBhvr>
+                                    </p:animEffect>
+                                  </p:childTnLst>
+                                </p:cTn>
+                              </p:par>
+                              <p:par>
+                                <p:cTn id="14" presetID="10" presetClass="entr" presetSubtype="0" fill="hold" nodeType="withEffect">
+                                  <p:stCondLst>
+                                    <p:cond delay="1700"/>
+                                  </p:stCondLst>
+                                  <p:childTnLst>
+                                    <p:set>
+                                      <p:cBhvr>
+                                        <p:cTn id="15" dur="1" fill="hold">
+                                          <p:stCondLst>
+                                            <p:cond delay="0"/>
+                                          </p:stCondLst>
+                                        </p:cTn>
+                                        <p:tgtEl>
+                                          <p:spTgt spid="4"/>
+                                        </p:tgtEl>
+                                        <p:attrNameLst>
+                                          <p:attrName>style.visibility</p:attrName>
+                                        </p:attrNameLst>
+                                      </p:cBhvr>
+                                      <p:to>
+                                        <p:strVal val="visible"/>
+                                      </p:to>
+                                    </p:set>
+                                    <p:animEffect transition="in" filter="fade">
+                                      <p:cBhvr>
+                                        <p:cTn id="16" dur="500"/>
+                                        <p:tgtEl>
+                                          <p:spTgt spid="4"/>
+                                        </p:tgtEl>
+                                      </p:cBhvr>
+                                    </p:animEffect>
+                                  </p:childTnLst>
+                                </p:cTn>
+                              </p:par>
+                              <p:par>
+                                <p:cTn id="17" presetID="45" presetClass="entr" presetSubtype="0" fill="hold" grpId="0" nodeType="withEffect">
+                                  <p:stCondLst>
+                                    <p:cond delay="1800"/>
+                                  </p:stCondLst>
+                                  <p:childTnLst>
+                                    <p:set>
+                                      <p:cBhvr>
+                                        <p:cTn id="18" dur="1" fill="hold">
+                                          <p:stCondLst>
+                                            <p:cond delay="0"/>
+                                          </p:stCondLst>
+                                        </p:cTn>
+                                        <p:tgtEl>
+                                          <p:spTgt spid="2"/>
+                                        </p:tgtEl>
+                                        <p:attrNameLst>
+                                          <p:attrName>style.visibility</p:attrName>
+                                        </p:attrNameLst>
+                                      </p:cBhvr>
+                                      <p:to>
+                                        <p:strVal val="visible"/>
+                                      </p:to>
+                                    </p:set>
+                                    <p:animEffect transition="in" filter="fade">
+                                      <p:cBhvr>
+                                        <p:cTn id="19" dur="2000"/>
+                                        <p:tgtEl>
+                                          <p:spTgt spid="2"/>
+                                        </p:tgtEl>
+                                      </p:cBhvr>
+                                    </p:animEffect>
+                                    <p:anim calcmode="lin" valueType="num">
+                                      <p:cBhvr>
+                                        <p:cTn id="20" dur="2000" fill="hold"/>
+                                        <p:tgtEl>
+                                          <p:spTgt spid="2"/>
+                                        </p:tgtEl>
+                                        <p:attrNameLst>
+                                          <p:attrName>ppt_w</p:attrName>
+                                        </p:attrNameLst>
+                                      </p:cBhvr>
+                                      <p:tavLst>
+                                        <p:tav tm="0" fmla="#ppt_w*sin(2.5*pi*$)">
+                                          <p:val>
+                                            <p:fltVal val="0"/>
+                                          </p:val>
+                                        </p:tav>
+                                        <p:tav tm="100000">
+                                          <p:val>
+                                            <p:fltVal val="1"/>
+                                          </p:val>
+                                        </p:tav>
+                                      </p:tavLst>
+                                    </p:anim>
+                                    <p:anim calcmode="lin" valueType="num">
+                                      <p:cBhvr>
+                                        <p:cTn id="21" dur="2000" fill="hold"/>
+                                        <p:tgtEl>
+                                          <p:spTgt spid="2"/>
+                                        </p:tgtEl>
+                                        <p:attrNameLst>
+                                          <p:attrName>ppt_h</p:attrName>
+                                        </p:attrNameLst>
+                                      </p:cBhvr>
+                                      <p:tavLst>
+                                        <p:tav tm="0">
+                                          <p:val>
+                                            <p:strVal val="#ppt_h"/>
+                                          </p:val>
+                                        </p:tav>
+                                        <p:tav tm="100000">
+                                          <p:val>
+                                            <p:strVal val="#ppt_h"/>
+                                          </p:val>
+                                        </p:tav>
+                                      </p:tavLst>
+                                    </p:anim>
+                                  </p:childTnLst>
+                                </p:cTn>
+                              </p:par>
+                              <p:par>
+                                <p:cTn id="22" presetID="16" presetClass="entr" presetSubtype="21" fill="hold" nodeType="withEffect">
+                                  <p:stCondLst>
+                                    <p:cond delay="1800"/>
+                                  </p:stCondLst>
+                                  <p:childTnLst>
+                                    <p:set>
+                                      <p:cBhvr>
+                                        <p:cTn id="23" dur="1" fill="hold">
+                                          <p:stCondLst>
+                                            <p:cond delay="0"/>
+                                          </p:stCondLst>
+                                        </p:cTn>
+                                        <p:tgtEl>
+                                          <p:spTgt spid="1034"/>
+                                        </p:tgtEl>
+                                        <p:attrNameLst>
+                                          <p:attrName>style.visibility</p:attrName>
+                                        </p:attrNameLst>
+                                      </p:cBhvr>
+                                      <p:to>
+                                        <p:strVal val="visible"/>
+                                      </p:to>
+                                    </p:set>
+                                    <p:animEffect transition="in" filter="barn(inVertical)">
+                                      <p:cBhvr>
+                                        <p:cTn id="24" dur="500"/>
+                                        <p:tgtEl>
+                                          <p:spTgt spid="1034"/>
+                                        </p:tgtEl>
+                                      </p:cBhvr>
+                                    </p:animEffect>
+                                  </p:childTnLst>
+                                </p:cTn>
+                              </p:par>
+                            </p:childTnLst>
+                          </p:cTn>
+                        </p:par>
+                        <p:par>
+                          <p:cTn id="25" fill="hold">
+                            <p:stCondLst>
+                              <p:cond delay="4600"/>
+                            </p:stCondLst>
+                            <p:childTnLst>
+                              <p:par>
+                                <p:cTn id="26" presetID="26" presetClass="entr" presetSubtype="0" fill="hold" grpId="0" nodeType="afterEffect">
+                                  <p:stCondLst>
+                                    <p:cond delay="0"/>
+                                  </p:stCondLst>
+                                  <p:childTnLst>
+                                    <p:set>
+                                      <p:cBhvr>
+                                        <p:cTn id="27" dur="1" fill="hold">
+                                          <p:stCondLst>
+                                            <p:cond delay="0"/>
+                                          </p:stCondLst>
+                                        </p:cTn>
+                                        <p:tgtEl>
+                                          <p:spTgt spid="3"/>
+                                        </p:tgtEl>
+                                        <p:attrNameLst>
+                                          <p:attrName>style.visibility</p:attrName>
+                                        </p:attrNameLst>
+                                      </p:cBhvr>
+                                      <p:to>
+                                        <p:strVal val="visible"/>
+                                      </p:to>
+                                    </p:set>
+                                    <p:animEffect transition="in" filter="wipe(down)">
+                                      <p:cBhvr>
+                                        <p:cTn id="28" dur="580">
+                                          <p:stCondLst>
+                                            <p:cond delay="0"/>
+                                          </p:stCondLst>
+                                        </p:cTn>
+                                        <p:tgtEl>
+                                          <p:spTgt spid="3"/>
+                                        </p:tgtEl>
+                                      </p:cBhvr>
+                                    </p:animEffect>
+                                    <p:anim calcmode="lin" valueType="num">
+                                      <p:cBhvr>
+                                        <p:cTn id="29" dur="1822" tmFilter="0,0; 0.14,0.36; 0.43,0.73; 0.71,0.91; 1.0,1.0">
+                                          <p:stCondLst>
+                                            <p:cond delay="0"/>
+                                          </p:stCondLst>
+                                        </p:cTn>
+                                        <p:tgtEl>
+                                          <p:spTgt spid="3"/>
+                                        </p:tgtEl>
+                                        <p:attrNameLst>
+                                          <p:attrName>ppt_x</p:attrName>
+                                        </p:attrNameLst>
+                                      </p:cBhvr>
+                                      <p:tavLst>
+                                        <p:tav tm="0">
+                                          <p:val>
+                                            <p:strVal val="#ppt_x-0.25"/>
+                                          </p:val>
+                                        </p:tav>
+                                        <p:tav tm="100000">
+                                          <p:val>
+                                            <p:strVal val="#ppt_x"/>
+                                          </p:val>
+                                        </p:tav>
+                                      </p:tavLst>
+                                    </p:anim>
+                                    <p:anim calcmode="lin" valueType="num">
+                                      <p:cBhvr>
+                                        <p:cTn id="30" dur="664" tmFilter="0.0,0.0; 0.25,0.07; 0.50,0.2; 0.75,0.467; 1.0,1.0">
+                                          <p:stCondLst>
+                                            <p:cond delay="0"/>
+                                          </p:stCondLst>
+                                        </p:cTn>
+                                        <p:tgtEl>
+                                          <p:spTgt spid="3"/>
+                                        </p:tgtEl>
+                                        <p:attrNameLst>
+                                          <p:attrName>ppt_y</p:attrName>
+                                        </p:attrNameLst>
+                                      </p:cBhvr>
+                                      <p:tavLst>
+                                        <p:tav tm="0" fmla="#ppt_y-sin(pi*$)/3">
+                                          <p:val>
+                                            <p:fltVal val="0.5"/>
+                                          </p:val>
+                                        </p:tav>
+                                        <p:tav tm="100000">
+                                          <p:val>
+                                            <p:fltVal val="1"/>
+                                          </p:val>
+                                        </p:tav>
+                                      </p:tavLst>
+                                    </p:anim>
+                                    <p:anim calcmode="lin" valueType="num">
+                                      <p:cBhvr>
+                                        <p:cTn id="31" dur="664" tmFilter="0, 0; 0.125,0.2665; 0.25,0.4; 0.375,0.465; 0.5,0.5;  0.625,0.535; 0.75,0.6; 0.875,0.7335; 1,1">
+                                          <p:stCondLst>
+                                            <p:cond delay="664"/>
+                                          </p:stCondLst>
+                                        </p:cTn>
+                                        <p:tgtEl>
+                                          <p:spTgt spid="3"/>
+                                        </p:tgtEl>
+                                        <p:attrNameLst>
+                                          <p:attrName>ppt_y</p:attrName>
+                                        </p:attrNameLst>
+                                      </p:cBhvr>
+                                      <p:tavLst>
+                                        <p:tav tm="0" fmla="#ppt_y-sin(pi*$)/9">
+                                          <p:val>
+                                            <p:fltVal val="0"/>
+                                          </p:val>
+                                        </p:tav>
+                                        <p:tav tm="100000">
+                                          <p:val>
+                                            <p:fltVal val="1"/>
+                                          </p:val>
+                                        </p:tav>
+                                      </p:tavLst>
+                                    </p:anim>
+                                    <p:anim calcmode="lin" valueType="num">
+                                      <p:cBhvr>
+                                        <p:cTn id="32" dur="332" tmFilter="0, 0; 0.125,0.2665; 0.25,0.4; 0.375,0.465; 0.5,0.5;  0.625,0.535; 0.75,0.6; 0.875,0.7335; 1,1">
+                                          <p:stCondLst>
+                                            <p:cond delay="1324"/>
+                                          </p:stCondLst>
+                                        </p:cTn>
+                                        <p:tgtEl>
+                                          <p:spTgt spid="3"/>
+                                        </p:tgtEl>
+                                        <p:attrNameLst>
+                                          <p:attrName>ppt_y</p:attrName>
+                                        </p:attrNameLst>
+                                      </p:cBhvr>
+                                      <p:tavLst>
+                                        <p:tav tm="0" fmla="#ppt_y-sin(pi*$)/27">
+                                          <p:val>
+                                            <p:fltVal val="0"/>
+                                          </p:val>
+                                        </p:tav>
+                                        <p:tav tm="100000">
+                                          <p:val>
+                                            <p:fltVal val="1"/>
+                                          </p:val>
+                                        </p:tav>
+                                      </p:tavLst>
+                                    </p:anim>
+                                    <p:anim calcmode="lin" valueType="num">
+                                      <p:cBhvr>
+                                        <p:cTn id="33" dur="164" tmFilter="0, 0; 0.125,0.2665; 0.25,0.4; 0.375,0.465; 0.5,0.5;  0.625,0.535; 0.75,0.6; 0.875,0.7335; 1,1">
+                                          <p:stCondLst>
+                                            <p:cond delay="1656"/>
+                                          </p:stCondLst>
+                                        </p:cTn>
+                                        <p:tgtEl>
+                                          <p:spTgt spid="3"/>
+                                        </p:tgtEl>
+                                        <p:attrNameLst>
+                                          <p:attrName>ppt_y</p:attrName>
+                                        </p:attrNameLst>
+                                      </p:cBhvr>
+                                      <p:tavLst>
+                                        <p:tav tm="0" fmla="#ppt_y-sin(pi*$)/81">
+                                          <p:val>
+                                            <p:fltVal val="0"/>
+                                          </p:val>
+                                        </p:tav>
+                                        <p:tav tm="100000">
+                                          <p:val>
+                                            <p:fltVal val="1"/>
+                                          </p:val>
+                                        </p:tav>
+                                      </p:tavLst>
+                                    </p:anim>
+                                    <p:animScale>
+                                      <p:cBhvr>
+                                        <p:cTn id="34" dur="26">
+                                          <p:stCondLst>
+                                            <p:cond delay="650"/>
+                                          </p:stCondLst>
+                                        </p:cTn>
+                                        <p:tgtEl>
+                                          <p:spTgt spid="3"/>
+                                        </p:tgtEl>
+                                      </p:cBhvr>
+                                      <p:to x="100000" y="60000"/>
+                                    </p:animScale>
+                                    <p:animScale>
+                                      <p:cBhvr>
+                                        <p:cTn id="35" dur="166" decel="50000">
+                                          <p:stCondLst>
+                                            <p:cond delay="676"/>
+                                          </p:stCondLst>
+                                        </p:cTn>
+                                        <p:tgtEl>
+                                          <p:spTgt spid="3"/>
+                                        </p:tgtEl>
+                                      </p:cBhvr>
+                                      <p:to x="100000" y="100000"/>
+                                    </p:animScale>
+                                    <p:animScale>
+                                      <p:cBhvr>
+                                        <p:cTn id="36" dur="26">
+                                          <p:stCondLst>
+                                            <p:cond delay="1312"/>
+                                          </p:stCondLst>
+                                        </p:cTn>
+                                        <p:tgtEl>
+                                          <p:spTgt spid="3"/>
+                                        </p:tgtEl>
+                                      </p:cBhvr>
+                                      <p:to x="100000" y="80000"/>
+                                    </p:animScale>
+                                    <p:animScale>
+                                      <p:cBhvr>
+                                        <p:cTn id="37" dur="166" decel="50000">
+                                          <p:stCondLst>
+                                            <p:cond delay="1338"/>
+                                          </p:stCondLst>
+                                        </p:cTn>
+                                        <p:tgtEl>
+                                          <p:spTgt spid="3"/>
+                                        </p:tgtEl>
+                                      </p:cBhvr>
+                                      <p:to x="100000" y="100000"/>
+                                    </p:animScale>
+                                    <p:animScale>
+                                      <p:cBhvr>
+                                        <p:cTn id="38" dur="26">
+                                          <p:stCondLst>
+                                            <p:cond delay="1642"/>
+                                          </p:stCondLst>
+                                        </p:cTn>
+                                        <p:tgtEl>
+                                          <p:spTgt spid="3"/>
+                                        </p:tgtEl>
+                                      </p:cBhvr>
+                                      <p:to x="100000" y="90000"/>
+                                    </p:animScale>
+                                    <p:animScale>
+                                      <p:cBhvr>
+                                        <p:cTn id="39" dur="166" decel="50000">
+                                          <p:stCondLst>
+                                            <p:cond delay="1668"/>
+                                          </p:stCondLst>
+                                        </p:cTn>
+                                        <p:tgtEl>
+                                          <p:spTgt spid="3"/>
+                                        </p:tgtEl>
+                                      </p:cBhvr>
+                                      <p:to x="100000" y="100000"/>
+                                    </p:animScale>
+                                    <p:animScale>
+                                      <p:cBhvr>
+                                        <p:cTn id="40" dur="26">
+                                          <p:stCondLst>
+                                            <p:cond delay="1808"/>
+                                          </p:stCondLst>
+                                        </p:cTn>
+                                        <p:tgtEl>
+                                          <p:spTgt spid="3"/>
+                                        </p:tgtEl>
+                                      </p:cBhvr>
+                                      <p:to x="100000" y="95000"/>
+                                    </p:animScale>
+                                    <p:animScale>
+                                      <p:cBhvr>
+                                        <p:cTn id="41" dur="166" decel="50000">
+                                          <p:stCondLst>
+                                            <p:cond delay="1834"/>
+                                          </p:stCondLst>
+                                        </p:cTn>
+                                        <p:tgtEl>
+                                          <p:spTgt spid="3"/>
+                                        </p:tgtEl>
+                                      </p:cBhvr>
+                                      <p:to x="100000" y="100000"/>
+                                    </p:animScale>
+                                  </p:childTnLst>
+                                </p:cTn>
+                              </p:par>
+                            </p:childTnLst>
+                          </p:cTn>
+                        </p:par>
+                      </p:childTnLst>
+                    </p:cTn>
+                  </p:par>
+                </p:childTnLst>
+              </p:cTn>
+              <p:prevCondLst>
+                <p:cond evt="onPrev" delay="0">
+                  <p:tgtEl>
+                    <p:sldTgt/>
+                  </p:tgtEl>
+                </p:cond>
+              </p:prevCondLst>
+              <p:nextCondLst>
+                <p:cond evt="onNext" delay="0">
+                  <p:tgtEl>
+                    <p:sldTgt/>
+                  </p:tgtEl>
+                </p:cond>
+              </p:nextCondLst>
+            </p:seq>
+          </p:childTnLst>
+        </p:cTn>
+      </p:par>
+    </p:tnLst>
+    <p:bldLst>
+      <p:bldP spid="2" grpId="0"/>
+      <p:bldP spid="3" grpId="0"/>
+    </p:bldLst>
+  </p:timing>
+</p:sld>
+</file>
+
 <file path=ppt/slides/slide2.xml><?xml version="1.0" encoding="utf-8"?>
 <p:sld xmlns:a="http://schemas.openxmlformats.org/drawingml/2006/main" xmlns:r="http://schemas.openxmlformats.org/officeDocument/2006/relationships" xmlns:p="http://schemas.openxmlformats.org/presentationml/2006/main">
   <p:cSld>
@@ -6026,18 +7241,32 @@
           <a:lstStyle/>
           <a:p>
             <a:r>
-              <a:rPr lang="hu-HU" dirty="0" smtClean="0"/>
+              <a:rPr lang="hu-HU" b="1" dirty="0" smtClean="0"/>
               <a:t>1. Hátrányok</a:t>
             </a:r>
           </a:p>
           <a:p>
             <a:r>
-              <a:rPr lang="hu-HU" dirty="0" smtClean="0"/>
-              <a:t>2. </a:t>
-            </a:r>
-            <a:r>
-              <a:rPr lang="hu-HU" dirty="0" smtClean="0"/>
-              <a:t>Folyamat:</a:t>
+              <a:rPr lang="hu-HU" b="1" dirty="0" smtClean="0"/>
+              <a:t>2. Folyamat:</a:t>
+            </a:r>
+          </a:p>
+          <a:p>
+            <a:pPr marL="457200" lvl="1" indent="0">
+              <a:buNone/>
+            </a:pPr>
+            <a:r>
+              <a:rPr lang="hu-HU" b="1" dirty="0"/>
+              <a:t>	-HTML</a:t>
+            </a:r>
+          </a:p>
+          <a:p>
+            <a:pPr marL="457200" lvl="1" indent="0">
+              <a:buNone/>
+            </a:pPr>
+            <a:r>
+              <a:rPr lang="hu-HU" b="1" dirty="0"/>
+              <a:t>	-CSS</a:t>
             </a:r>
           </a:p>
           <a:p>
@@ -6049,9 +7278,10 @@
               <a:t>	-</a:t>
             </a:r>
             <a:r>
-              <a:rPr lang="hu-HU" dirty="0"/>
-              <a:t>HTML</a:t>
-            </a:r>
+              <a:rPr lang="hu-HU" b="1" dirty="0" smtClean="0"/>
+              <a:t>JAVASCRIPT</a:t>
+            </a:r>
+            <a:endParaRPr lang="hu-HU" b="1" dirty="0"/>
           </a:p>
           <a:p>
             <a:pPr marL="457200" lvl="1" indent="0">
@@ -6062,8 +7292,19 @@
               <a:t>	-</a:t>
             </a:r>
             <a:r>
-              <a:rPr lang="hu-HU" dirty="0"/>
-              <a:t>CSS</a:t>
+              <a:rPr lang="hu-HU" b="1" dirty="0" smtClean="0"/>
+              <a:t>Hangok</a:t>
+            </a:r>
+            <a:endParaRPr lang="hu-HU" b="1" dirty="0"/>
+          </a:p>
+          <a:p>
+            <a:r>
+              <a:rPr lang="hu-HU" b="1" dirty="0"/>
+              <a:t> 3. Vissza </a:t>
+            </a:r>
+            <a:r>
+              <a:rPr lang="hu-HU" b="1" dirty="0" smtClean="0"/>
+              <a:t>emlékezés</a:t>
             </a:r>
           </a:p>
           <a:p>
@@ -6071,60 +7312,22 @@
               <a:buNone/>
             </a:pPr>
             <a:r>
+              <a:rPr lang="hu-HU" b="1" dirty="0" smtClean="0"/>
+              <a:t>	-Peti, Kristóf</a:t>
+            </a:r>
+            <a:endParaRPr lang="hu-HU" b="1" dirty="0"/>
+          </a:p>
+          <a:p>
+            <a:r>
               <a:rPr lang="hu-HU" b="1" dirty="0"/>
-              <a:t>	-</a:t>
-            </a:r>
-            <a:r>
-              <a:rPr lang="hu-HU" dirty="0" smtClean="0"/>
-              <a:t>JAVASCRIPT</a:t>
-            </a:r>
-            <a:endParaRPr lang="hu-HU" dirty="0"/>
+              <a:t>4. A vége</a:t>
+            </a:r>
           </a:p>
           <a:p>
             <a:pPr marL="457200" lvl="1" indent="0">
               <a:buNone/>
             </a:pPr>
-            <a:r>
-              <a:rPr lang="hu-HU" dirty="0"/>
-              <a:t>	-</a:t>
-            </a:r>
-            <a:r>
-              <a:rPr lang="hu-HU" dirty="0" smtClean="0"/>
-              <a:t>Hangok</a:t>
-            </a:r>
-            <a:endParaRPr lang="hu-HU" dirty="0"/>
-          </a:p>
-          <a:p>
-            <a:r>
-              <a:rPr lang="hu-HU" dirty="0"/>
-              <a:t> 3. Vissza </a:t>
-            </a:r>
-            <a:r>
-              <a:rPr lang="hu-HU" dirty="0" smtClean="0"/>
-              <a:t>emlékezés</a:t>
-            </a:r>
-          </a:p>
-          <a:p>
-            <a:pPr marL="457200" lvl="1" indent="0">
-              <a:buNone/>
-            </a:pPr>
-            <a:r>
-              <a:rPr lang="hu-HU" dirty="0" smtClean="0"/>
-              <a:t>	-Peti, Kristóf</a:t>
-            </a:r>
-            <a:endParaRPr lang="hu-HU" dirty="0"/>
-          </a:p>
-          <a:p>
-            <a:r>
-              <a:rPr lang="hu-HU" dirty="0"/>
-              <a:t>4. A vége</a:t>
-            </a:r>
-          </a:p>
-          <a:p>
-            <a:pPr marL="457200" lvl="1" indent="0">
-              <a:buNone/>
-            </a:pPr>
-            <a:endParaRPr lang="hu-HU" dirty="0"/>
+            <a:endParaRPr lang="hu-HU" b="1" dirty="0"/>
           </a:p>
         </p:txBody>
       </p:sp>
@@ -6179,13 +7382,13 @@
   <p:clrMapOvr>
     <a:masterClrMapping/>
   </p:clrMapOvr>
-  <mc:AlternateContent xmlns:mc="http://schemas.openxmlformats.org/markup-compatibility/2006">
-    <mc:Choice xmlns:p15="http://schemas.microsoft.com/office/powerpoint/2012/main" Requires="p15">
+  <mc:AlternateContent xmlns:mc="http://schemas.openxmlformats.org/markup-compatibility/2006" xmlns:p15="http://schemas.microsoft.com/office/powerpoint/2012/main">
+    <mc:Choice Requires="p15">
       <p:transition xmlns:p14="http://schemas.microsoft.com/office/powerpoint/2010/main" spd="slow" p14:dur="2000">
         <p15:prstTrans prst="wind"/>
       </p:transition>
     </mc:Choice>
-    <mc:Fallback>
+    <mc:Fallback xmlns="">
       <p:transition spd="slow">
         <p:fade/>
       </p:transition>
@@ -6298,13 +7501,13 @@
   <p:clrMapOvr>
     <a:masterClrMapping/>
   </p:clrMapOvr>
-  <mc:AlternateContent xmlns:mc="http://schemas.openxmlformats.org/markup-compatibility/2006">
-    <mc:Choice xmlns:p15="http://schemas.microsoft.com/office/powerpoint/2012/main" Requires="p15">
+  <mc:AlternateContent xmlns:mc="http://schemas.openxmlformats.org/markup-compatibility/2006" xmlns:p15="http://schemas.microsoft.com/office/powerpoint/2012/main">
+    <mc:Choice Requires="p15">
       <p:transition xmlns:p14="http://schemas.microsoft.com/office/powerpoint/2010/main" spd="slow" p14:dur="6000">
         <p15:prstTrans prst="curtains"/>
       </p:transition>
     </mc:Choice>
-    <mc:Fallback>
+    <mc:Fallback xmlns="">
       <p:transition spd="slow">
         <p:fade/>
       </p:transition>
@@ -6361,18 +7564,18 @@
           <a:p>
             <a:pPr algn="just"/>
             <a:r>
-              <a:rPr lang="hu-HU" sz="2000" dirty="0" smtClean="0"/>
+              <a:rPr lang="hu-HU" sz="2000" b="1" dirty="0" smtClean="0"/>
               <a:t>Kicsit bonyolult volt hogy, hogy játsszuk le a hangokat billentyű lenyomatával, mert először simán csak </a:t>
             </a:r>
             <a:r>
-              <a:rPr lang="hu-HU" sz="2000" dirty="0" err="1" smtClean="0"/>
+              <a:rPr lang="hu-HU" sz="2000" b="1" dirty="0" err="1" smtClean="0"/>
               <a:t>html-be</a:t>
             </a:r>
             <a:r>
-              <a:rPr lang="hu-HU" sz="2000" dirty="0" smtClean="0"/>
+              <a:rPr lang="hu-HU" sz="2000" b="1" dirty="0" smtClean="0"/>
               <a:t> próbáltuk, de az úgy nem működött volna</a:t>
             </a:r>
-            <a:endParaRPr lang="hu-HU" sz="2000" dirty="0"/>
+            <a:endParaRPr lang="hu-HU" sz="2000" b="1" dirty="0"/>
           </a:p>
         </p:txBody>
       </p:sp>
@@ -6399,10 +7602,10 @@
           <a:lstStyle/>
           <a:p>
             <a:r>
-              <a:rPr lang="hu-HU" dirty="0" smtClean="0"/>
+              <a:rPr lang="hu-HU" b="1" dirty="0" smtClean="0"/>
               <a:t>Ezen kívül nagyon nem volt más problémánk</a:t>
             </a:r>
-            <a:endParaRPr lang="hu-HU" dirty="0"/>
+            <a:endParaRPr lang="hu-HU" b="1" dirty="0"/>
           </a:p>
         </p:txBody>
       </p:sp>
@@ -6416,13 +7619,13 @@
   <p:clrMapOvr>
     <a:masterClrMapping/>
   </p:clrMapOvr>
-  <mc:AlternateContent xmlns:mc="http://schemas.openxmlformats.org/markup-compatibility/2006">
-    <mc:Choice xmlns:p15="http://schemas.microsoft.com/office/powerpoint/2012/main" Requires="p15">
+  <mc:AlternateContent xmlns:mc="http://schemas.openxmlformats.org/markup-compatibility/2006" xmlns:p15="http://schemas.microsoft.com/office/powerpoint/2012/main">
+    <mc:Choice Requires="p15">
       <p:transition xmlns:p14="http://schemas.microsoft.com/office/powerpoint/2010/main" spd="slow" p14:dur="2000">
         <p15:prstTrans prst="prestige"/>
       </p:transition>
     </mc:Choice>
-    <mc:Fallback>
+    <mc:Fallback xmlns="">
       <p:transition spd="slow">
         <p:fade/>
       </p:transition>
@@ -6574,7 +7777,7 @@
         <p:spPr>
           <a:xfrm>
             <a:off x="781396" y="1180407"/>
-            <a:ext cx="9842269" cy="369332"/>
+            <a:ext cx="9842269" cy="646331"/>
           </a:xfrm>
           <a:prstGeom prst="rect">
             <a:avLst/>
@@ -6588,18 +7791,18 @@
           <a:lstStyle/>
           <a:p>
             <a:r>
-              <a:rPr lang="hu-HU" dirty="0" smtClean="0"/>
+              <a:rPr lang="hu-HU" b="1" dirty="0" smtClean="0"/>
               <a:t>A </a:t>
             </a:r>
             <a:r>
-              <a:rPr lang="hu-HU" dirty="0" err="1" smtClean="0"/>
+              <a:rPr lang="hu-HU" b="1" dirty="0" err="1" smtClean="0"/>
               <a:t>html</a:t>
             </a:r>
             <a:r>
-              <a:rPr lang="hu-HU" dirty="0" smtClean="0"/>
+              <a:rPr lang="hu-HU" b="1" dirty="0" smtClean="0"/>
               <a:t>-el nem volt bajunk szerencsére könnyen megírtuk (A legtöbb másolás volt a gombokhoz).</a:t>
             </a:r>
-            <a:endParaRPr lang="hu-HU" dirty="0"/>
+            <a:endParaRPr lang="hu-HU" b="1" dirty="0"/>
           </a:p>
         </p:txBody>
       </p:sp>
@@ -6626,22 +7829,30 @@
           <a:lstStyle/>
           <a:p>
             <a:r>
-              <a:rPr lang="hu-HU" dirty="0"/>
+              <a:rPr lang="hu-HU" b="1" dirty="0"/>
               <a:t>H</a:t>
             </a:r>
             <a:r>
-              <a:rPr lang="hu-HU" dirty="0" smtClean="0"/>
+              <a:rPr lang="hu-HU" b="1" dirty="0" smtClean="0"/>
               <a:t>át a </a:t>
             </a:r>
             <a:r>
-              <a:rPr lang="hu-HU" dirty="0" err="1" smtClean="0"/>
+              <a:rPr lang="hu-HU" b="1" dirty="0" err="1" smtClean="0"/>
               <a:t>css</a:t>
             </a:r>
             <a:r>
-              <a:rPr lang="hu-HU" dirty="0" smtClean="0"/>
-              <a:t>, az sem volt nehéz csak pár ,,ID” volt és EZ GAME.</a:t>
-            </a:r>
-            <a:endParaRPr lang="hu-HU" dirty="0"/>
+              <a:rPr lang="hu-HU" b="1" dirty="0" smtClean="0"/>
+              <a:t>, az sem volt nehéz csak pár ,,ID” volt és </a:t>
+            </a:r>
+            <a:r>
+              <a:rPr lang="hu-HU" b="1" dirty="0" smtClean="0"/>
+              <a:t>kész is volt</a:t>
+            </a:r>
+            <a:r>
+              <a:rPr lang="hu-HU" b="1" dirty="0" smtClean="0"/>
+              <a:t>.</a:t>
+            </a:r>
+            <a:endParaRPr lang="hu-HU" b="1" dirty="0"/>
           </a:p>
         </p:txBody>
       </p:sp>
@@ -6654,7 +7865,7 @@
         <p:spPr>
           <a:xfrm>
             <a:off x="781396" y="2610196"/>
-            <a:ext cx="9085811" cy="369332"/>
+            <a:ext cx="9085811" cy="646331"/>
           </a:xfrm>
           <a:prstGeom prst="rect">
             <a:avLst/>
@@ -6668,19 +7879,19 @@
           <a:lstStyle/>
           <a:p>
             <a:r>
-              <a:rPr lang="hu-HU" dirty="0" err="1" smtClean="0"/>
+              <a:rPr lang="hu-HU" b="1" dirty="0" err="1" smtClean="0"/>
               <a:t>Húúú</a:t>
             </a:r>
             <a:r>
-              <a:rPr lang="hu-HU" dirty="0" smtClean="0"/>
+              <a:rPr lang="hu-HU" b="1" dirty="0" smtClean="0"/>
               <a:t>, a </a:t>
             </a:r>
             <a:r>
-              <a:rPr lang="hu-HU" dirty="0" err="1" smtClean="0"/>
+              <a:rPr lang="hu-HU" b="1" dirty="0" err="1" smtClean="0"/>
               <a:t>javascript</a:t>
             </a:r>
             <a:r>
-              <a:rPr lang="hu-HU" dirty="0" smtClean="0"/>
+              <a:rPr lang="hu-HU" b="1" dirty="0" smtClean="0"/>
               <a:t> káosz volt sokat kellett segítséget kérnünk, de a végén megoldottuk valahogy.</a:t>
             </a:r>
           </a:p>
@@ -6709,18 +7920,18 @@
           <a:lstStyle/>
           <a:p>
             <a:r>
-              <a:rPr lang="hu-HU" dirty="0" smtClean="0"/>
+              <a:rPr lang="hu-HU" b="1" dirty="0" smtClean="0"/>
               <a:t>A hangokkal sokat szenvedtünk, mert mindegyik hangot külön </a:t>
             </a:r>
             <a:r>
-              <a:rPr lang="hu-HU" dirty="0" err="1" smtClean="0"/>
+              <a:rPr lang="hu-HU" b="1" dirty="0" err="1" smtClean="0"/>
               <a:t>külön</a:t>
             </a:r>
             <a:r>
-              <a:rPr lang="hu-HU" dirty="0" smtClean="0"/>
+              <a:rPr lang="hu-HU" b="1" dirty="0" smtClean="0"/>
               <a:t> kellett megcsinálni.</a:t>
             </a:r>
-            <a:endParaRPr lang="hu-HU" dirty="0"/>
+            <a:endParaRPr lang="hu-HU" b="1" dirty="0"/>
           </a:p>
         </p:txBody>
       </p:sp>
@@ -6734,13 +7945,13 @@
   <p:clrMapOvr>
     <a:masterClrMapping/>
   </p:clrMapOvr>
-  <mc:AlternateContent xmlns:mc="http://schemas.openxmlformats.org/markup-compatibility/2006">
-    <mc:Choice xmlns:p15="http://schemas.microsoft.com/office/powerpoint/2012/main" Requires="p15">
+  <mc:AlternateContent xmlns:mc="http://schemas.openxmlformats.org/markup-compatibility/2006" xmlns:p15="http://schemas.microsoft.com/office/powerpoint/2012/main">
+    <mc:Choice Requires="p15">
       <p:transition xmlns:p14="http://schemas.microsoft.com/office/powerpoint/2010/main" spd="slow" p14:dur="2000">
         <p15:prstTrans prst="fallOver"/>
       </p:transition>
     </mc:Choice>
-    <mc:Fallback>
+    <mc:Fallback xmlns="">
       <p:transition spd="slow">
         <p:fade/>
       </p:transition>
@@ -6852,6 +8063,18 @@
   <p:clrMapOvr>
     <a:masterClrMapping/>
   </p:clrMapOvr>
+  <mc:AlternateContent xmlns:mc="http://schemas.openxmlformats.org/markup-compatibility/2006">
+    <mc:Choice xmlns:p15="http://schemas.microsoft.com/office/powerpoint/2012/main" Requires="p15">
+      <p:transition xmlns:p14="http://schemas.microsoft.com/office/powerpoint/2010/main" spd="slow" p14:dur="2000">
+        <p15:prstTrans prst="crush"/>
+      </p:transition>
+    </mc:Choice>
+    <mc:Fallback>
+      <p:transition spd="slow">
+        <p:fade/>
+      </p:transition>
+    </mc:Fallback>
+  </mc:AlternateContent>
   <p:timing>
     <p:tnLst>
       <p:par>
@@ -6905,7 +8128,7 @@
               <a:buNone/>
             </a:pPr>
             <a:r>
-              <a:rPr lang="hu-HU" sz="4000" dirty="0" smtClean="0"/>
+              <a:rPr lang="hu-HU" sz="4000" b="1" dirty="0" smtClean="0"/>
               <a:t>Peti</a:t>
             </a:r>
           </a:p>
@@ -6914,16 +8137,21 @@
               <a:buNone/>
             </a:pPr>
             <a:r>
-              <a:rPr lang="hu-HU" sz="2800" dirty="0" smtClean="0"/>
-              <a:t>-A felületet</a:t>
-            </a:r>
+              <a:rPr lang="hu-HU" sz="2800" b="1" dirty="0" smtClean="0"/>
+              <a:t>-A </a:t>
+            </a:r>
+            <a:r>
+              <a:rPr lang="hu-HU" sz="2800" b="1" dirty="0" smtClean="0"/>
+              <a:t>felület</a:t>
+            </a:r>
+            <a:endParaRPr lang="hu-HU" sz="2800" b="1" dirty="0" smtClean="0"/>
           </a:p>
           <a:p>
             <a:pPr marL="0" indent="0">
               <a:buNone/>
             </a:pPr>
             <a:r>
-              <a:rPr lang="hu-HU" sz="2800" dirty="0" smtClean="0"/>
+              <a:rPr lang="hu-HU" sz="2800" b="1" dirty="0" smtClean="0"/>
               <a:t>-A CSS-t</a:t>
             </a:r>
           </a:p>
@@ -6931,13 +8159,13 @@
             <a:pPr marL="0" indent="0">
               <a:buNone/>
             </a:pPr>
-            <a:endParaRPr lang="hu-HU" sz="3200" dirty="0" smtClean="0"/>
+            <a:endParaRPr lang="hu-HU" sz="3200" b="1" dirty="0" smtClean="0"/>
           </a:p>
           <a:p>
             <a:pPr marL="0" indent="0">
               <a:buNone/>
             </a:pPr>
-            <a:endParaRPr lang="hu-HU" sz="4000" dirty="0" smtClean="0"/>
+            <a:endParaRPr lang="hu-HU" sz="4000" b="1" dirty="0" smtClean="0"/>
           </a:p>
         </p:txBody>
       </p:sp>
@@ -6967,7 +8195,7 @@
               <a:buNone/>
             </a:pPr>
             <a:r>
-              <a:rPr lang="hu-HU" sz="4000" dirty="0" smtClean="0"/>
+              <a:rPr lang="hu-HU" sz="4000" b="1" dirty="0" smtClean="0"/>
               <a:t>Kristóf</a:t>
             </a:r>
           </a:p>
@@ -6976,7 +8204,7 @@
               <a:buNone/>
             </a:pPr>
             <a:r>
-              <a:rPr lang="hu-HU" sz="2800" dirty="0" smtClean="0"/>
+              <a:rPr lang="hu-HU" sz="2800" b="1" dirty="0" smtClean="0"/>
               <a:t>-A HTML-t</a:t>
             </a:r>
           </a:p>
@@ -6985,9 +8213,14 @@
               <a:buNone/>
             </a:pPr>
             <a:r>
-              <a:rPr lang="hu-HU" sz="2800" dirty="0" smtClean="0"/>
-              <a:t>-A hangokat</a:t>
-            </a:r>
+              <a:rPr lang="hu-HU" sz="2800" b="1" dirty="0" smtClean="0"/>
+              <a:t>-A </a:t>
+            </a:r>
+            <a:r>
+              <a:rPr lang="hu-HU" sz="2800" b="1" dirty="0" smtClean="0"/>
+              <a:t>hangok</a:t>
+            </a:r>
+            <a:endParaRPr lang="hu-HU" sz="2800" b="1" dirty="0" smtClean="0"/>
           </a:p>
         </p:txBody>
       </p:sp>
@@ -7015,20 +8248,20 @@
           <a:p>
             <a:pPr algn="ctr"/>
             <a:r>
-              <a:rPr lang="hu-HU" sz="4000" dirty="0" smtClean="0"/>
+              <a:rPr lang="hu-HU" sz="4000" b="1" dirty="0" smtClean="0"/>
               <a:t>Közös</a:t>
             </a:r>
           </a:p>
           <a:p>
             <a:r>
-              <a:rPr lang="hu-HU" sz="2800" dirty="0" smtClean="0"/>
+              <a:rPr lang="hu-HU" sz="2800" b="1" dirty="0" smtClean="0"/>
               <a:t>-</a:t>
             </a:r>
             <a:r>
-              <a:rPr lang="hu-HU" sz="2800" dirty="0" err="1" smtClean="0"/>
+              <a:rPr lang="hu-HU" sz="2800" b="1" dirty="0" err="1" smtClean="0"/>
               <a:t>Javascript</a:t>
             </a:r>
-            <a:endParaRPr lang="hu-HU" sz="2800" dirty="0"/>
+            <a:endParaRPr lang="hu-HU" sz="2800" b="1" dirty="0"/>
           </a:p>
         </p:txBody>
       </p:sp>
@@ -7042,6 +8275,18 @@
   <p:clrMapOvr>
     <a:masterClrMapping/>
   </p:clrMapOvr>
+  <mc:AlternateContent xmlns:mc="http://schemas.openxmlformats.org/markup-compatibility/2006">
+    <mc:Choice xmlns:p14="http://schemas.microsoft.com/office/powerpoint/2010/main" Requires="p14">
+      <p:transition spd="slow" p14:dur="800">
+        <p14:flythrough/>
+      </p:transition>
+    </mc:Choice>
+    <mc:Fallback>
+      <p:transition spd="slow">
+        <p:fade/>
+      </p:transition>
+    </mc:Fallback>
+  </mc:AlternateContent>
   <p:timing>
     <p:tnLst>
       <p:par>
@@ -7069,91 +8314,136 @@
           <a:chExt cx="0" cy="0"/>
         </a:xfrm>
       </p:grpSpPr>
+      <p:sp>
+        <p:nvSpPr>
+          <p:cNvPr id="2" name="Cím 1"/>
+          <p:cNvSpPr>
+            <a:spLocks noGrp="1"/>
+          </p:cNvSpPr>
+          <p:nvPr>
+            <p:ph type="title"/>
+          </p:nvPr>
+        </p:nvSpPr>
+        <p:spPr>
+          <a:xfrm>
+            <a:off x="563035" y="351906"/>
+            <a:ext cx="8596668" cy="1320800"/>
+          </a:xfrm>
+        </p:spPr>
+        <p:txBody>
+          <a:bodyPr/>
+          <a:lstStyle/>
+          <a:p>
+            <a:r>
+              <a:rPr lang="hu-HU" dirty="0" smtClean="0"/>
+              <a:t>Peti</a:t>
+            </a:r>
+            <a:endParaRPr lang="hu-HU" dirty="0"/>
+          </a:p>
+        </p:txBody>
+      </p:sp>
+      <p:sp>
+        <p:nvSpPr>
+          <p:cNvPr id="3" name="Tartalom helye 2"/>
+          <p:cNvSpPr>
+            <a:spLocks noGrp="1"/>
+          </p:cNvSpPr>
+          <p:nvPr>
+            <p:ph sz="half" idx="1"/>
+          </p:nvPr>
+        </p:nvSpPr>
+        <p:spPr>
+          <a:xfrm>
+            <a:off x="677334" y="1595323"/>
+            <a:ext cx="4184035" cy="3880772"/>
+          </a:xfrm>
+        </p:spPr>
+        <p:txBody>
+          <a:bodyPr/>
+          <a:lstStyle/>
+          <a:p>
+            <a:r>
+              <a:rPr lang="hu-HU" b="1" dirty="0" smtClean="0"/>
+              <a:t>A felület:</a:t>
+            </a:r>
+          </a:p>
+          <a:p>
+            <a:pPr marL="0" indent="0">
+              <a:buNone/>
+            </a:pPr>
+            <a:r>
+              <a:rPr lang="hu-HU" b="1" dirty="0" smtClean="0"/>
+              <a:t>A felület részét CCS-</a:t>
+            </a:r>
+            <a:r>
+              <a:rPr lang="hu-HU" b="1" dirty="0" err="1" smtClean="0"/>
+              <a:t>ben</a:t>
+            </a:r>
+            <a:r>
+              <a:rPr lang="hu-HU" b="1" dirty="0" smtClean="0"/>
+              <a:t> írtam meg nem volt a legnehezebb dolog.</a:t>
+            </a:r>
+          </a:p>
+          <a:p>
+            <a:pPr marL="0" indent="0">
+              <a:buNone/>
+            </a:pPr>
+            <a:endParaRPr lang="hu-HU" b="1" dirty="0"/>
+          </a:p>
+        </p:txBody>
+      </p:sp>
       <p:pic>
         <p:nvPicPr>
-          <p:cNvPr id="2052" name="Picture 4" descr="Create meme &amp;quot;cursed emoji meme with hand, cursed hand emoji meme, meme  smiley with a hand&amp;quot; - Pictures - Meme-arsenal.com"/>
+          <p:cNvPr id="9" name="Kép 8"/>
           <p:cNvPicPr>
-            <a:picLocks noChangeAspect="1" noChangeArrowheads="1"/>
+            <a:picLocks noChangeAspect="1"/>
           </p:cNvPicPr>
           <p:nvPr/>
         </p:nvPicPr>
         <p:blipFill>
-          <a:blip r:embed="rId2">
-            <a:extLst>
-              <a:ext uri="{28A0092B-C50C-407E-A947-70E740481C1C}">
-                <a14:useLocalDpi xmlns:a14="http://schemas.microsoft.com/office/drawing/2010/main" val="0"/>
-              </a:ext>
-            </a:extLst>
-          </a:blip>
-          <a:srcRect/>
+          <a:blip r:embed="rId2"/>
           <a:stretch>
             <a:fillRect/>
           </a:stretch>
         </p:blipFill>
-        <p:spPr bwMode="auto">
+        <p:spPr>
           <a:xfrm>
-            <a:off x="0" y="0"/>
-            <a:ext cx="12192000" cy="6858000"/>
+            <a:off x="4744991" y="1595323"/>
+            <a:ext cx="2251015" cy="5147137"/>
           </a:xfrm>
           <a:prstGeom prst="rect">
             <a:avLst/>
           </a:prstGeom>
-          <a:noFill/>
-          <a:extLst>
-            <a:ext uri="{909E8E84-426E-40DD-AFC4-6F175D3DCCD1}">
-              <a14:hiddenFill xmlns:a14="http://schemas.microsoft.com/office/drawing/2010/main">
-                <a:solidFill>
-                  <a:srgbClr val="FFFFFF"/>
-                </a:solidFill>
-              </a14:hiddenFill>
-            </a:ext>
-          </a:extLst>
         </p:spPr>
       </p:pic>
-      <p:sp>
-        <p:nvSpPr>
-          <p:cNvPr id="2" name="Cím 1"/>
-          <p:cNvSpPr>
-            <a:spLocks noGrp="1"/>
-          </p:cNvSpPr>
-          <p:nvPr>
-            <p:ph type="title"/>
-          </p:nvPr>
-        </p:nvSpPr>
+      <p:pic>
+        <p:nvPicPr>
+          <p:cNvPr id="10" name="Kép 9"/>
+          <p:cNvPicPr>
+            <a:picLocks noChangeAspect="1"/>
+          </p:cNvPicPr>
+          <p:nvPr/>
+        </p:nvPicPr>
+        <p:blipFill>
+          <a:blip r:embed="rId3"/>
+          <a:stretch>
+            <a:fillRect/>
+          </a:stretch>
+        </p:blipFill>
         <p:spPr>
           <a:xfrm>
-            <a:off x="5135880" y="1171461"/>
-            <a:ext cx="2135447" cy="1325563"/>
+            <a:off x="6996006" y="1595323"/>
+            <a:ext cx="2849474" cy="2037339"/>
           </a:xfrm>
+          <a:prstGeom prst="rect">
+            <a:avLst/>
+          </a:prstGeom>
         </p:spPr>
-        <p:txBody>
-          <a:bodyPr/>
-          <a:lstStyle/>
-          <a:p>
-            <a:r>
-              <a:rPr lang="hu-HU" dirty="0" smtClean="0">
-                <a:solidFill>
-                  <a:schemeClr val="bg1">
-                    <a:lumMod val="95000"/>
-                  </a:schemeClr>
-                </a:solidFill>
-              </a:rPr>
-              <a:t>VÉGE :D</a:t>
-            </a:r>
-            <a:endParaRPr lang="hu-HU" dirty="0">
-              <a:solidFill>
-                <a:schemeClr val="bg1">
-                  <a:lumMod val="95000"/>
-                </a:schemeClr>
-              </a:solidFill>
-            </a:endParaRPr>
-          </a:p>
-        </p:txBody>
-      </p:sp>
+      </p:pic>
     </p:spTree>
     <p:extLst>
       <p:ext uri="{BB962C8B-B14F-4D97-AF65-F5344CB8AC3E}">
-        <p14:creationId xmlns:p14="http://schemas.microsoft.com/office/powerpoint/2010/main" val="3964453611"/>
+        <p14:creationId xmlns:p14="http://schemas.microsoft.com/office/powerpoint/2010/main" val="500977756"/>
       </p:ext>
     </p:extLst>
   </p:cSld>
@@ -7161,229 +8451,23 @@
     <a:masterClrMapping/>
   </p:clrMapOvr>
   <mc:AlternateContent xmlns:mc="http://schemas.openxmlformats.org/markup-compatibility/2006">
-    <mc:Choice xmlns:p14="http://schemas.microsoft.com/office/powerpoint/2010/main" Requires="p14">
-      <p:transition spd="slow" p14:dur="1500">
-        <p:split orient="vert"/>
+    <mc:Choice xmlns:p15="http://schemas.microsoft.com/office/powerpoint/2012/main" Requires="p15">
+      <p:transition xmlns:p14="http://schemas.microsoft.com/office/powerpoint/2010/main" spd="slow" p14:dur="2000">
+        <p15:prstTrans prst="fracture"/>
       </p:transition>
     </mc:Choice>
     <mc:Fallback>
       <p:transition spd="slow">
-        <p:split orient="vert"/>
+        <p:fade/>
       </p:transition>
     </mc:Fallback>
   </mc:AlternateContent>
   <p:timing>
     <p:tnLst>
       <p:par>
-        <p:cTn id="1" dur="indefinite" restart="never" nodeType="tmRoot">
-          <p:childTnLst>
-            <p:seq concurrent="1" nextAc="seek">
-              <p:cTn id="2" dur="indefinite" nodeType="mainSeq">
-                <p:childTnLst>
-                  <p:par>
-                    <p:cTn id="3" fill="hold">
-                      <p:stCondLst>
-                        <p:cond delay="indefinite"/>
-                      </p:stCondLst>
-                      <p:childTnLst>
-                        <p:par>
-                          <p:cTn id="4" fill="hold">
-                            <p:stCondLst>
-                              <p:cond delay="0"/>
-                            </p:stCondLst>
-                            <p:childTnLst>
-                              <p:par>
-                                <p:cTn id="5" presetID="53" presetClass="entr" presetSubtype="16" fill="hold" nodeType="clickEffect">
-                                  <p:stCondLst>
-                                    <p:cond delay="0"/>
-                                  </p:stCondLst>
-                                  <p:childTnLst>
-                                    <p:set>
-                                      <p:cBhvr>
-                                        <p:cTn id="6" dur="1" fill="hold">
-                                          <p:stCondLst>
-                                            <p:cond delay="0"/>
-                                          </p:stCondLst>
-                                        </p:cTn>
-                                        <p:tgtEl>
-                                          <p:spTgt spid="2052"/>
-                                        </p:tgtEl>
-                                        <p:attrNameLst>
-                                          <p:attrName>style.visibility</p:attrName>
-                                        </p:attrNameLst>
-                                      </p:cBhvr>
-                                      <p:to>
-                                        <p:strVal val="visible"/>
-                                      </p:to>
-                                    </p:set>
-                                    <p:anim calcmode="lin" valueType="num">
-                                      <p:cBhvr>
-                                        <p:cTn id="7" dur="2000" fill="hold"/>
-                                        <p:tgtEl>
-                                          <p:spTgt spid="2052"/>
-                                        </p:tgtEl>
-                                        <p:attrNameLst>
-                                          <p:attrName>ppt_w</p:attrName>
-                                        </p:attrNameLst>
-                                      </p:cBhvr>
-                                      <p:tavLst>
-                                        <p:tav tm="0">
-                                          <p:val>
-                                            <p:fltVal val="0"/>
-                                          </p:val>
-                                        </p:tav>
-                                        <p:tav tm="100000">
-                                          <p:val>
-                                            <p:strVal val="#ppt_w"/>
-                                          </p:val>
-                                        </p:tav>
-                                      </p:tavLst>
-                                    </p:anim>
-                                    <p:anim calcmode="lin" valueType="num">
-                                      <p:cBhvr>
-                                        <p:cTn id="8" dur="2000" fill="hold"/>
-                                        <p:tgtEl>
-                                          <p:spTgt spid="2052"/>
-                                        </p:tgtEl>
-                                        <p:attrNameLst>
-                                          <p:attrName>ppt_h</p:attrName>
-                                        </p:attrNameLst>
-                                      </p:cBhvr>
-                                      <p:tavLst>
-                                        <p:tav tm="0">
-                                          <p:val>
-                                            <p:fltVal val="0"/>
-                                          </p:val>
-                                        </p:tav>
-                                        <p:tav tm="100000">
-                                          <p:val>
-                                            <p:strVal val="#ppt_h"/>
-                                          </p:val>
-                                        </p:tav>
-                                      </p:tavLst>
-                                    </p:anim>
-                                    <p:animEffect transition="in" filter="fade">
-                                      <p:cBhvr>
-                                        <p:cTn id="9" dur="2000"/>
-                                        <p:tgtEl>
-                                          <p:spTgt spid="2052"/>
-                                        </p:tgtEl>
-                                      </p:cBhvr>
-                                    </p:animEffect>
-                                  </p:childTnLst>
-                                </p:cTn>
-                              </p:par>
-                              <p:par>
-                                <p:cTn id="10" presetID="45" presetClass="entr" presetSubtype="0" fill="hold" grpId="0" nodeType="withEffect">
-                                  <p:stCondLst>
-                                    <p:cond delay="0"/>
-                                  </p:stCondLst>
-                                  <p:childTnLst>
-                                    <p:set>
-                                      <p:cBhvr>
-                                        <p:cTn id="11" dur="1" fill="hold">
-                                          <p:stCondLst>
-                                            <p:cond delay="0"/>
-                                          </p:stCondLst>
-                                        </p:cTn>
-                                        <p:tgtEl>
-                                          <p:spTgt spid="2"/>
-                                        </p:tgtEl>
-                                        <p:attrNameLst>
-                                          <p:attrName>style.visibility</p:attrName>
-                                        </p:attrNameLst>
-                                      </p:cBhvr>
-                                      <p:to>
-                                        <p:strVal val="visible"/>
-                                      </p:to>
-                                    </p:set>
-                                    <p:animEffect transition="in" filter="fade">
-                                      <p:cBhvr>
-                                        <p:cTn id="12" dur="2000"/>
-                                        <p:tgtEl>
-                                          <p:spTgt spid="2"/>
-                                        </p:tgtEl>
-                                      </p:cBhvr>
-                                    </p:animEffect>
-                                    <p:anim calcmode="lin" valueType="num">
-                                      <p:cBhvr>
-                                        <p:cTn id="13" dur="2000" fill="hold"/>
-                                        <p:tgtEl>
-                                          <p:spTgt spid="2"/>
-                                        </p:tgtEl>
-                                        <p:attrNameLst>
-                                          <p:attrName>ppt_w</p:attrName>
-                                        </p:attrNameLst>
-                                      </p:cBhvr>
-                                      <p:tavLst>
-                                        <p:tav tm="0" fmla="#ppt_w*sin(2.5*pi*$)">
-                                          <p:val>
-                                            <p:fltVal val="0"/>
-                                          </p:val>
-                                        </p:tav>
-                                        <p:tav tm="100000">
-                                          <p:val>
-                                            <p:fltVal val="1"/>
-                                          </p:val>
-                                        </p:tav>
-                                      </p:tavLst>
-                                    </p:anim>
-                                    <p:anim calcmode="lin" valueType="num">
-                                      <p:cBhvr>
-                                        <p:cTn id="14" dur="2000" fill="hold"/>
-                                        <p:tgtEl>
-                                          <p:spTgt spid="2"/>
-                                        </p:tgtEl>
-                                        <p:attrNameLst>
-                                          <p:attrName>ppt_h</p:attrName>
-                                        </p:attrNameLst>
-                                      </p:cBhvr>
-                                      <p:tavLst>
-                                        <p:tav tm="0">
-                                          <p:val>
-                                            <p:strVal val="#ppt_h"/>
-                                          </p:val>
-                                        </p:tav>
-                                        <p:tav tm="100000">
-                                          <p:val>
-                                            <p:strVal val="#ppt_h"/>
-                                          </p:val>
-                                        </p:tav>
-                                      </p:tavLst>
-                                    </p:anim>
-                                  </p:childTnLst>
-                                </p:cTn>
-                              </p:par>
-                            </p:childTnLst>
-                          </p:cTn>
-                        </p:par>
-                      </p:childTnLst>
-                    </p:cTn>
-                  </p:par>
-                </p:childTnLst>
-              </p:cTn>
-              <p:prevCondLst>
-                <p:cond evt="onPrev" delay="0">
-                  <p:tgtEl>
-                    <p:sldTgt/>
-                  </p:tgtEl>
-                </p:cond>
-              </p:prevCondLst>
-              <p:nextCondLst>
-                <p:cond evt="onNext" delay="0">
-                  <p:tgtEl>
-                    <p:sldTgt/>
-                  </p:tgtEl>
-                </p:cond>
-              </p:nextCondLst>
-            </p:seq>
-          </p:childTnLst>
-        </p:cTn>
+        <p:cTn id="1" dur="indefinite" restart="never" nodeType="tmRoot"/>
       </p:par>
     </p:tnLst>
-    <p:bldLst>
-      <p:bldP spid="2" grpId="0"/>
-    </p:bldLst>
   </p:timing>
 </p:sld>
 </file>
